--- a/Advanced Javascript Day-1.pptx
+++ b/Advanced Javascript Day-1.pptx
@@ -224,7 +224,7 @@
           <a:p>
             <a:fld id="{26151B0D-99E5-4A1B-9DBD-0880C37D7AC7}" type="datetimeFigureOut">
               <a:rPr lang="en-US" smtClean="0"/>
-              <a:t>2/11/2014</a:t>
+              <a:t>2/18/2014</a:t>
             </a:fld>
             <a:endParaRPr lang="en-US"/>
           </a:p>
@@ -867,7 +867,7 @@
             <a:fld id="{30EFA729-0062-401D-B7BF-B91E3DD8EF4A}" type="datetimeFigureOut">
               <a:rPr lang="en-US" smtClean="0"/>
               <a:pPr/>
-              <a:t>2/11/2014</a:t>
+              <a:t>2/18/2014</a:t>
             </a:fld>
             <a:endParaRPr lang="en-US"/>
           </a:p>
@@ -1060,7 +1060,7 @@
             <a:fld id="{30EFA729-0062-401D-B7BF-B91E3DD8EF4A}" type="datetimeFigureOut">
               <a:rPr lang="en-US" smtClean="0"/>
               <a:pPr/>
-              <a:t>2/11/2014</a:t>
+              <a:t>2/18/2014</a:t>
             </a:fld>
             <a:endParaRPr lang="en-US"/>
           </a:p>
@@ -1247,7 +1247,7 @@
             <a:fld id="{30EFA729-0062-401D-B7BF-B91E3DD8EF4A}" type="datetimeFigureOut">
               <a:rPr lang="en-US" smtClean="0"/>
               <a:pPr/>
-              <a:t>2/11/2014</a:t>
+              <a:t>2/18/2014</a:t>
             </a:fld>
             <a:endParaRPr lang="en-US"/>
           </a:p>
@@ -1512,7 +1512,7 @@
             <a:fld id="{30EFA729-0062-401D-B7BF-B91E3DD8EF4A}" type="datetimeFigureOut">
               <a:rPr lang="en-US" smtClean="0"/>
               <a:pPr/>
-              <a:t>2/11/2014</a:t>
+              <a:t>2/18/2014</a:t>
             </a:fld>
             <a:endParaRPr lang="en-US"/>
           </a:p>
@@ -1937,7 +1937,7 @@
             <a:fld id="{30EFA729-0062-401D-B7BF-B91E3DD8EF4A}" type="datetimeFigureOut">
               <a:rPr lang="en-US" smtClean="0"/>
               <a:pPr/>
-              <a:t>2/11/2014</a:t>
+              <a:t>2/18/2014</a:t>
             </a:fld>
             <a:endParaRPr lang="en-US"/>
           </a:p>
@@ -2181,7 +2181,7 @@
             <a:fld id="{30EFA729-0062-401D-B7BF-B91E3DD8EF4A}" type="datetimeFigureOut">
               <a:rPr lang="en-US" smtClean="0"/>
               <a:pPr/>
-              <a:t>2/11/2014</a:t>
+              <a:t>2/18/2014</a:t>
             </a:fld>
             <a:endParaRPr lang="en-US"/>
           </a:p>
@@ -2419,7 +2419,7 @@
             <a:fld id="{30EFA729-0062-401D-B7BF-B91E3DD8EF4A}" type="datetimeFigureOut">
               <a:rPr lang="en-US" smtClean="0"/>
               <a:pPr/>
-              <a:t>2/11/2014</a:t>
+              <a:t>2/18/2014</a:t>
             </a:fld>
             <a:endParaRPr lang="en-US"/>
           </a:p>
@@ -2616,7 +2616,7 @@
             <a:fld id="{30EFA729-0062-401D-B7BF-B91E3DD8EF4A}" type="datetimeFigureOut">
               <a:rPr lang="en-US" smtClean="0"/>
               <a:pPr/>
-              <a:t>2/11/2014</a:t>
+              <a:t>2/18/2014</a:t>
             </a:fld>
             <a:endParaRPr lang="en-US"/>
           </a:p>
@@ -2716,7 +2716,7 @@
             <a:fld id="{30EFA729-0062-401D-B7BF-B91E3DD8EF4A}" type="datetimeFigureOut">
               <a:rPr lang="en-US" smtClean="0"/>
               <a:pPr/>
-              <a:t>2/11/2014</a:t>
+              <a:t>2/18/2014</a:t>
             </a:fld>
             <a:endParaRPr lang="en-US"/>
           </a:p>
@@ -2854,7 +2854,7 @@
             <a:fld id="{30EFA729-0062-401D-B7BF-B91E3DD8EF4A}" type="datetimeFigureOut">
               <a:rPr lang="en-US" smtClean="0"/>
               <a:pPr/>
-              <a:t>2/11/2014</a:t>
+              <a:t>2/18/2014</a:t>
             </a:fld>
             <a:endParaRPr lang="en-US"/>
           </a:p>
@@ -3374,7 +3374,7 @@
             <a:fld id="{30EFA729-0062-401D-B7BF-B91E3DD8EF4A}" type="datetimeFigureOut">
               <a:rPr lang="en-US" smtClean="0"/>
               <a:pPr/>
-              <a:t>2/11/2014</a:t>
+              <a:t>2/18/2014</a:t>
             </a:fld>
             <a:endParaRPr lang="en-US"/>
           </a:p>
@@ -3637,7 +3637,7 @@
             <a:fld id="{30EFA729-0062-401D-B7BF-B91E3DD8EF4A}" type="datetimeFigureOut">
               <a:rPr lang="en-US" smtClean="0"/>
               <a:pPr/>
-              <a:t>2/11/2014</a:t>
+              <a:t>2/18/2014</a:t>
             </a:fld>
             <a:endParaRPr lang="en-US"/>
           </a:p>
@@ -4194,11 +4194,7 @@
           <a:p>
             <a:r>
               <a:rPr lang="en-US" dirty="0" smtClean="0"/>
-              <a:t>Advanced </a:t>
-            </a:r>
-            <a:r>
-              <a:rPr lang="en-US" dirty="0" smtClean="0"/>
-              <a:t>JavaScript Day-1</a:t>
+              <a:t>Advanced JavaScript Day-1</a:t>
             </a:r>
             <a:endParaRPr lang="en-US" dirty="0"/>
           </a:p>
@@ -5270,7 +5266,11 @@
           <a:p>
             <a:r>
               <a:rPr lang="en-US" dirty="0"/>
-              <a:t>When you define a function within JavaScript, it comes with a few pre-defined properties. One of these is the illusive prototype</a:t>
+              <a:t>When you define a function within JavaScript, it comes with a few pre-defined properties. One of these is the </a:t>
+            </a:r>
+            <a:r>
+              <a:rPr lang="en-US" dirty="0" smtClean="0"/>
+              <a:t>prototype</a:t>
             </a:r>
             <a:r>
               <a:rPr lang="en-US" dirty="0" smtClean="0"/>
@@ -6080,11 +6080,7 @@
             <a:pPr lvl="0"/>
             <a:r>
               <a:rPr lang="en-IN" dirty="0" smtClean="0"/>
-              <a:t>Module </a:t>
-            </a:r>
-            <a:r>
-              <a:rPr lang="en-IN" dirty="0" smtClean="0"/>
-              <a:t>Pattern</a:t>
+              <a:t>Module Pattern</a:t>
             </a:r>
             <a:endParaRPr lang="en-US" dirty="0"/>
           </a:p>
@@ -7223,7 +7219,7 @@
         <p:spPr/>
         <p:txBody>
           <a:bodyPr>
-            <a:normAutofit fontScale="92500" lnSpcReduction="10000"/>
+            <a:normAutofit fontScale="92500" lnSpcReduction="20000"/>
           </a:bodyPr>
           <a:lstStyle/>
           <a:p>
@@ -7253,15 +7249,47 @@
           <a:p>
             <a:r>
               <a:rPr lang="en-US" dirty="0"/>
-              <a:t>In the previous example, Student does not need to know how the Person class's walk() method is implemented, but still can use that </a:t>
+              <a:t>In the previous example, </a:t>
             </a:r>
             <a:r>
               <a:rPr lang="en-US" dirty="0" smtClean="0"/>
-              <a:t>method</a:t>
+              <a:t>Employee</a:t>
             </a:r>
             <a:r>
               <a:rPr lang="en-US" dirty="0"/>
-              <a:t>.</a:t>
+              <a:t> does not need to know how the Person class's </a:t>
+            </a:r>
+            <a:r>
+              <a:rPr lang="en-US" dirty="0" err="1" smtClean="0"/>
+              <a:t>set_email</a:t>
+            </a:r>
+            <a:r>
+              <a:rPr lang="en-US" dirty="0"/>
+              <a:t>() and </a:t>
+            </a:r>
+            <a:r>
+              <a:rPr lang="en-US" dirty="0" err="1" smtClean="0"/>
+              <a:t>set_name</a:t>
+            </a:r>
+            <a:r>
+              <a:rPr lang="en-US" dirty="0" smtClean="0"/>
+              <a:t>()</a:t>
+            </a:r>
+            <a:r>
+              <a:rPr lang="en-US" dirty="0"/>
+              <a:t> </a:t>
+            </a:r>
+            <a:r>
+              <a:rPr lang="en-US" dirty="0" smtClean="0"/>
+              <a:t>methods were </a:t>
+            </a:r>
+            <a:r>
+              <a:rPr lang="en-US" dirty="0"/>
+              <a:t>implemented, but still can use </a:t>
+            </a:r>
+            <a:r>
+              <a:rPr lang="en-US" dirty="0" smtClean="0"/>
+              <a:t>those methods.</a:t>
             </a:r>
             <a:endParaRPr lang="en-US" dirty="0" smtClean="0"/>
           </a:p>
@@ -7272,7 +7300,23 @@
             </a:r>
             <a:r>
               <a:rPr lang="en-US" dirty="0"/>
-              <a:t> Student class doesn't need to explicitly define that method unless we want to change it. This is called </a:t>
+              <a:t> </a:t>
+            </a:r>
+            <a:r>
+              <a:rPr lang="en-US" dirty="0" smtClean="0"/>
+              <a:t>Employee</a:t>
+            </a:r>
+            <a:r>
+              <a:rPr lang="en-US" dirty="0"/>
+              <a:t> class doesn't need to explicitly define </a:t>
+            </a:r>
+            <a:r>
+              <a:rPr lang="en-US" dirty="0" smtClean="0"/>
+              <a:t>those methods </a:t>
+            </a:r>
+            <a:r>
+              <a:rPr lang="en-US" dirty="0"/>
+              <a:t>unless we want to change it. This is called </a:t>
             </a:r>
             <a:r>
               <a:rPr lang="en-US" dirty="0" smtClean="0"/>
@@ -7403,20 +7447,12 @@
             </a:r>
             <a:r>
               <a:rPr lang="en-US" dirty="0"/>
-              <a:t>achieves specialization by inheritance, and composition by letting instances of classes is the values of attributes of other objects.</a:t>
-            </a:r>
-          </a:p>
-          <a:p>
+              <a:t>achieves specialization by inheritance, and composition by letting instances of classes is the values of attributes of other objects</a:t>
+            </a:r>
             <a:r>
               <a:rPr lang="en-US" dirty="0" smtClean="0"/>
-              <a:t>TODO-Need to change content</a:t>
-            </a:r>
-            <a:endParaRPr lang="en-US" dirty="0"/>
-          </a:p>
-          <a:p>
-            <a:pPr marL="0" indent="0">
-              <a:buNone/>
-            </a:pPr>
+              <a:t>.</a:t>
+            </a:r>
             <a:endParaRPr lang="en-US" dirty="0"/>
           </a:p>
         </p:txBody>
@@ -7515,11 +7551,23 @@
           <a:p>
             <a:r>
               <a:rPr lang="en-US" dirty="0"/>
-              <a:t>Just like all methods and properties are defined inside the prototype property, different classes can define methods with the same </a:t>
+              <a:t>Just like all methods and properties are defined inside the prototype property, different classes can define methods </a:t>
             </a:r>
             <a:r>
               <a:rPr lang="en-US" dirty="0" smtClean="0"/>
-              <a:t>name.</a:t>
+              <a:t>with </a:t>
+            </a:r>
+            <a:r>
+              <a:rPr lang="en-US" dirty="0"/>
+              <a:t>the same </a:t>
+            </a:r>
+            <a:r>
+              <a:rPr lang="en-US" dirty="0" smtClean="0"/>
+              <a:t>name</a:t>
+            </a:r>
+            <a:r>
+              <a:rPr lang="en-US" dirty="0" smtClean="0"/>
+              <a:t>.</a:t>
             </a:r>
           </a:p>
           <a:p>
@@ -7535,14 +7583,74 @@
             <a:pPr marL="0" indent="0">
               <a:buNone/>
             </a:pPr>
-            <a:r>
-              <a:rPr lang="en-US" dirty="0" smtClean="0"/>
-              <a:t>TODO-Need to prepare example</a:t>
-            </a:r>
             <a:endParaRPr lang="en-US" dirty="0"/>
           </a:p>
         </p:txBody>
       </p:sp>
+      <p:pic>
+        <p:nvPicPr>
+          <p:cNvPr id="1026" name="Picture 2"/>
+          <p:cNvPicPr>
+            <a:picLocks noChangeAspect="1" noChangeArrowheads="1"/>
+          </p:cNvPicPr>
+          <p:nvPr/>
+        </p:nvPicPr>
+        <p:blipFill>
+          <a:blip r:embed="rId2">
+            <a:extLst>
+              <a:ext uri="{28A0092B-C50C-407E-A947-70E740481C1C}">
+                <a14:useLocalDpi xmlns:a14="http://schemas.microsoft.com/office/drawing/2010/main" val="0"/>
+              </a:ext>
+            </a:extLst>
+          </a:blip>
+          <a:srcRect/>
+          <a:stretch>
+            <a:fillRect/>
+          </a:stretch>
+        </p:blipFill>
+        <p:spPr bwMode="auto">
+          <a:xfrm>
+            <a:off x="1295400" y="3886200"/>
+            <a:ext cx="4638675" cy="1857375"/>
+          </a:xfrm>
+          <a:prstGeom prst="rect">
+            <a:avLst/>
+          </a:prstGeom>
+          <a:noFill/>
+          <a:ln>
+            <a:noFill/>
+          </a:ln>
+          <a:effectLst/>
+          <a:extLst>
+            <a:ext uri="{909E8E84-426E-40DD-AFC4-6F175D3DCCD1}">
+              <a14:hiddenFill xmlns:a14="http://schemas.microsoft.com/office/drawing/2010/main">
+                <a:solidFill>
+                  <a:schemeClr val="accent1"/>
+                </a:solidFill>
+              </a14:hiddenFill>
+            </a:ext>
+            <a:ext uri="{91240B29-F687-4F45-9708-019B960494DF}">
+              <a14:hiddenLine xmlns:a14="http://schemas.microsoft.com/office/drawing/2010/main" w="9525">
+                <a:solidFill>
+                  <a:schemeClr val="tx1"/>
+                </a:solidFill>
+                <a:miter lim="800000"/>
+                <a:headEnd/>
+                <a:tailEnd/>
+              </a14:hiddenLine>
+            </a:ext>
+            <a:ext uri="{AF507438-7753-43E0-B8FC-AC1667EBCBE1}">
+              <a14:hiddenEffects xmlns:a14="http://schemas.microsoft.com/office/drawing/2010/main">
+                <a:effectLst>
+                  <a:outerShdw dist="35921" dir="2700000" algn="ctr" rotWithShape="0">
+                    <a:schemeClr val="bg2"/>
+                  </a:outerShdw>
+                </a:effectLst>
+              </a14:hiddenEffects>
+            </a:ext>
+          </a:extLst>
+        </p:spPr>
+      </p:pic>
     </p:spTree>
     <p:extLst>
       <p:ext uri="{BB962C8B-B14F-4D97-AF65-F5344CB8AC3E}">
@@ -7898,7 +8006,7 @@
         <p:spPr/>
         <p:txBody>
           <a:bodyPr>
-            <a:normAutofit/>
+            <a:normAutofit fontScale="92500"/>
           </a:bodyPr>
           <a:lstStyle/>
           <a:p>
@@ -7918,6 +8026,19 @@
               <a:rPr lang="en-US" dirty="0"/>
               <a:t>It provides a way of wrapping a mix of public and private methods and variables, protecting pieces from leaking into the global scope and accidentally colliding with another developer's interface. </a:t>
             </a:r>
+            <a:endParaRPr lang="en-US" dirty="0" smtClean="0"/>
+          </a:p>
+          <a:p>
+            <a:r>
+              <a:rPr lang="en-US" dirty="0"/>
+              <a:t>With this pattern, only a public API is returned, keeping everything else within the closure private.</a:t>
+            </a:r>
+          </a:p>
+          <a:p>
+            <a:pPr marL="0" indent="0">
+              <a:buNone/>
+            </a:pPr>
+            <a:endParaRPr lang="en-US" dirty="0"/>
           </a:p>
           <a:p>
             <a:endParaRPr lang="en-US" dirty="0"/>
@@ -8004,18 +8125,16 @@
           </a:bodyPr>
           <a:lstStyle/>
           <a:p>
-            <a:r>
-              <a:rPr lang="en-US" dirty="0"/>
-              <a:t>With this pattern, only a public API is returned, keeping everything else within the closure private.</a:t>
-            </a:r>
-          </a:p>
-          <a:p>
             <a:pPr marL="0" indent="0">
               <a:buNone/>
             </a:pPr>
             <a:r>
+              <a:rPr lang="en-US" dirty="0" smtClean="0"/>
+              <a:t>Ex</a:t>
+            </a:r>
+            <a:r>
               <a:rPr lang="en-US" dirty="0"/>
-              <a:t>Ex:</a:t>
+              <a:t>:</a:t>
             </a:r>
           </a:p>
           <a:p>
@@ -8049,7 +8168,7 @@
         </p:blipFill>
         <p:spPr bwMode="auto">
           <a:xfrm>
-            <a:off x="1219200" y="3124200"/>
+            <a:off x="1066800" y="2133600"/>
             <a:ext cx="7696200" cy="3429000"/>
           </a:xfrm>
           <a:prstGeom prst="rect">

--- a/Advanced Javascript Day-1.pptx
+++ b/Advanced Javascript Day-1.pptx
@@ -226,7 +226,7 @@
           <a:p>
             <a:fld id="{26151B0D-99E5-4A1B-9DBD-0880C37D7AC7}" type="datetimeFigureOut">
               <a:rPr lang="en-US" smtClean="0"/>
-              <a:t>2/20/2014</a:t>
+              <a:t>2/21/2014</a:t>
             </a:fld>
             <a:endParaRPr lang="en-US"/>
           </a:p>
@@ -869,7 +869,7 @@
             <a:fld id="{30EFA729-0062-401D-B7BF-B91E3DD8EF4A}" type="datetimeFigureOut">
               <a:rPr lang="en-US" smtClean="0"/>
               <a:pPr/>
-              <a:t>2/20/2014</a:t>
+              <a:t>2/21/2014</a:t>
             </a:fld>
             <a:endParaRPr lang="en-US"/>
           </a:p>
@@ -1062,7 +1062,7 @@
             <a:fld id="{30EFA729-0062-401D-B7BF-B91E3DD8EF4A}" type="datetimeFigureOut">
               <a:rPr lang="en-US" smtClean="0"/>
               <a:pPr/>
-              <a:t>2/20/2014</a:t>
+              <a:t>2/21/2014</a:t>
             </a:fld>
             <a:endParaRPr lang="en-US"/>
           </a:p>
@@ -1249,7 +1249,7 @@
             <a:fld id="{30EFA729-0062-401D-B7BF-B91E3DD8EF4A}" type="datetimeFigureOut">
               <a:rPr lang="en-US" smtClean="0"/>
               <a:pPr/>
-              <a:t>2/20/2014</a:t>
+              <a:t>2/21/2014</a:t>
             </a:fld>
             <a:endParaRPr lang="en-US"/>
           </a:p>
@@ -1514,7 +1514,7 @@
             <a:fld id="{30EFA729-0062-401D-B7BF-B91E3DD8EF4A}" type="datetimeFigureOut">
               <a:rPr lang="en-US" smtClean="0"/>
               <a:pPr/>
-              <a:t>2/20/2014</a:t>
+              <a:t>2/21/2014</a:t>
             </a:fld>
             <a:endParaRPr lang="en-US"/>
           </a:p>
@@ -1939,7 +1939,7 @@
             <a:fld id="{30EFA729-0062-401D-B7BF-B91E3DD8EF4A}" type="datetimeFigureOut">
               <a:rPr lang="en-US" smtClean="0"/>
               <a:pPr/>
-              <a:t>2/20/2014</a:t>
+              <a:t>2/21/2014</a:t>
             </a:fld>
             <a:endParaRPr lang="en-US"/>
           </a:p>
@@ -2183,7 +2183,7 @@
             <a:fld id="{30EFA729-0062-401D-B7BF-B91E3DD8EF4A}" type="datetimeFigureOut">
               <a:rPr lang="en-US" smtClean="0"/>
               <a:pPr/>
-              <a:t>2/20/2014</a:t>
+              <a:t>2/21/2014</a:t>
             </a:fld>
             <a:endParaRPr lang="en-US"/>
           </a:p>
@@ -2421,7 +2421,7 @@
             <a:fld id="{30EFA729-0062-401D-B7BF-B91E3DD8EF4A}" type="datetimeFigureOut">
               <a:rPr lang="en-US" smtClean="0"/>
               <a:pPr/>
-              <a:t>2/20/2014</a:t>
+              <a:t>2/21/2014</a:t>
             </a:fld>
             <a:endParaRPr lang="en-US"/>
           </a:p>
@@ -2618,7 +2618,7 @@
             <a:fld id="{30EFA729-0062-401D-B7BF-B91E3DD8EF4A}" type="datetimeFigureOut">
               <a:rPr lang="en-US" smtClean="0"/>
               <a:pPr/>
-              <a:t>2/20/2014</a:t>
+              <a:t>2/21/2014</a:t>
             </a:fld>
             <a:endParaRPr lang="en-US"/>
           </a:p>
@@ -2718,7 +2718,7 @@
             <a:fld id="{30EFA729-0062-401D-B7BF-B91E3DD8EF4A}" type="datetimeFigureOut">
               <a:rPr lang="en-US" smtClean="0"/>
               <a:pPr/>
-              <a:t>2/20/2014</a:t>
+              <a:t>2/21/2014</a:t>
             </a:fld>
             <a:endParaRPr lang="en-US"/>
           </a:p>
@@ -2856,7 +2856,7 @@
             <a:fld id="{30EFA729-0062-401D-B7BF-B91E3DD8EF4A}" type="datetimeFigureOut">
               <a:rPr lang="en-US" smtClean="0"/>
               <a:pPr/>
-              <a:t>2/20/2014</a:t>
+              <a:t>2/21/2014</a:t>
             </a:fld>
             <a:endParaRPr lang="en-US"/>
           </a:p>
@@ -3376,7 +3376,7 @@
             <a:fld id="{30EFA729-0062-401D-B7BF-B91E3DD8EF4A}" type="datetimeFigureOut">
               <a:rPr lang="en-US" smtClean="0"/>
               <a:pPr/>
-              <a:t>2/20/2014</a:t>
+              <a:t>2/21/2014</a:t>
             </a:fld>
             <a:endParaRPr lang="en-US"/>
           </a:p>
@@ -3639,7 +3639,7 @@
             <a:fld id="{30EFA729-0062-401D-B7BF-B91E3DD8EF4A}" type="datetimeFigureOut">
               <a:rPr lang="en-US" smtClean="0"/>
               <a:pPr/>
-              <a:t>2/20/2014</a:t>
+              <a:t>2/21/2014</a:t>
             </a:fld>
             <a:endParaRPr lang="en-US"/>
           </a:p>
@@ -21688,7 +21688,15 @@
           <a:p>
             <a:r>
               <a:rPr lang="en-US" dirty="0" smtClean="0"/>
-              <a:t>So if you are going to use event capturing still you need to handle event bubbling for IE. So it will easier to use event bubbling instead of capturing.</a:t>
+              <a:t>So if you are going to use event capturing still you need to handle event bubbling for </a:t>
+            </a:r>
+            <a:r>
+              <a:rPr lang="en-US" dirty="0" smtClean="0"/>
+              <a:t>IE8 and earlier versions. </a:t>
+            </a:r>
+            <a:r>
+              <a:rPr lang="en-US" dirty="0" smtClean="0"/>
+              <a:t>So it will easier to use event bubbling instead of capturing.</a:t>
             </a:r>
             <a:endParaRPr lang="en-US" dirty="0"/>
           </a:p>
@@ -22875,6 +22883,70 @@
           </a:extLst>
         </p:spPr>
       </p:pic>
+      <p:pic>
+        <p:nvPicPr>
+          <p:cNvPr id="7" name="Picture 3"/>
+          <p:cNvPicPr>
+            <a:picLocks noChangeAspect="1" noChangeArrowheads="1"/>
+          </p:cNvPicPr>
+          <p:nvPr/>
+        </p:nvPicPr>
+        <p:blipFill>
+          <a:blip r:embed="rId5">
+            <a:extLst>
+              <a:ext uri="{28A0092B-C50C-407E-A947-70E740481C1C}">
+                <a14:useLocalDpi xmlns:a14="http://schemas.microsoft.com/office/drawing/2010/main" val="0"/>
+              </a:ext>
+            </a:extLst>
+          </a:blip>
+          <a:srcRect/>
+          <a:stretch>
+            <a:fillRect/>
+          </a:stretch>
+        </p:blipFill>
+        <p:spPr bwMode="auto">
+          <a:xfrm>
+            <a:off x="918411" y="5562600"/>
+            <a:ext cx="6057900" cy="1047750"/>
+          </a:xfrm>
+          <a:prstGeom prst="rect">
+            <a:avLst/>
+          </a:prstGeom>
+          <a:noFill/>
+          <a:ln>
+            <a:noFill/>
+          </a:ln>
+          <a:effectLst/>
+          <a:extLst>
+            <a:ext uri="{909E8E84-426E-40DD-AFC4-6F175D3DCCD1}">
+              <a14:hiddenFill xmlns:a14="http://schemas.microsoft.com/office/drawing/2010/main">
+                <a:solidFill>
+                  <a:schemeClr val="accent1"/>
+                </a:solidFill>
+              </a14:hiddenFill>
+            </a:ext>
+            <a:ext uri="{91240B29-F687-4F45-9708-019B960494DF}">
+              <a14:hiddenLine xmlns:a14="http://schemas.microsoft.com/office/drawing/2010/main" w="9525">
+                <a:solidFill>
+                  <a:schemeClr val="tx1"/>
+                </a:solidFill>
+                <a:miter lim="800000"/>
+                <a:headEnd/>
+                <a:tailEnd/>
+              </a14:hiddenLine>
+            </a:ext>
+            <a:ext uri="{AF507438-7753-43E0-B8FC-AC1667EBCBE1}">
+              <a14:hiddenEffects xmlns:a14="http://schemas.microsoft.com/office/drawing/2010/main">
+                <a:effectLst>
+                  <a:outerShdw dist="35921" dir="2700000" algn="ctr" rotWithShape="0">
+                    <a:schemeClr val="bg2"/>
+                  </a:outerShdw>
+                </a:effectLst>
+              </a14:hiddenEffects>
+            </a:ext>
+          </a:extLst>
+        </p:spPr>
+      </p:pic>
     </p:spTree>
     <p:extLst>
       <p:ext uri="{BB962C8B-B14F-4D97-AF65-F5344CB8AC3E}">
@@ -23396,6 +23468,105 @@
                                         <p:cTn id="37" dur="1000" fill="hold"/>
                                         <p:tgtEl>
                                           <p:spTgt spid="6146"/>
+                                        </p:tgtEl>
+                                        <p:attrNameLst>
+                                          <p:attrName>ppt_y</p:attrName>
+                                        </p:attrNameLst>
+                                      </p:cBhvr>
+                                      <p:tavLst>
+                                        <p:tav tm="0">
+                                          <p:val>
+                                            <p:strVal val="#ppt_y+.1"/>
+                                          </p:val>
+                                        </p:tav>
+                                        <p:tav tm="100000">
+                                          <p:val>
+                                            <p:strVal val="#ppt_y"/>
+                                          </p:val>
+                                        </p:tav>
+                                      </p:tavLst>
+                                    </p:anim>
+                                  </p:childTnLst>
+                                </p:cTn>
+                              </p:par>
+                            </p:childTnLst>
+                          </p:cTn>
+                        </p:par>
+                      </p:childTnLst>
+                    </p:cTn>
+                  </p:par>
+                  <p:par>
+                    <p:cTn id="38" fill="hold">
+                      <p:stCondLst>
+                        <p:cond delay="indefinite"/>
+                      </p:stCondLst>
+                      <p:childTnLst>
+                        <p:par>
+                          <p:cTn id="39" fill="hold">
+                            <p:stCondLst>
+                              <p:cond delay="0"/>
+                            </p:stCondLst>
+                            <p:childTnLst>
+                              <p:par>
+                                <p:cTn id="40" presetID="42" presetClass="entr" presetSubtype="0" fill="hold" nodeType="clickEffect">
+                                  <p:stCondLst>
+                                    <p:cond delay="0"/>
+                                  </p:stCondLst>
+                                  <p:childTnLst>
+                                    <p:set>
+                                      <p:cBhvr>
+                                        <p:cTn id="41" dur="1" fill="hold">
+                                          <p:stCondLst>
+                                            <p:cond delay="0"/>
+                                          </p:stCondLst>
+                                        </p:cTn>
+                                        <p:tgtEl>
+                                          <p:spTgt spid="7"/>
+                                        </p:tgtEl>
+                                        <p:attrNameLst>
+                                          <p:attrName>style.visibility</p:attrName>
+                                        </p:attrNameLst>
+                                      </p:cBhvr>
+                                      <p:to>
+                                        <p:strVal val="visible"/>
+                                      </p:to>
+                                    </p:set>
+                                    <p:animEffect transition="in" filter="fade">
+                                      <p:cBhvr>
+                                        <p:cTn id="42" dur="1000"/>
+                                        <p:tgtEl>
+                                          <p:spTgt spid="7"/>
+                                        </p:tgtEl>
+                                      </p:cBhvr>
+                                    </p:animEffect>
+                                    <p:anim calcmode="lin" valueType="num">
+                                      <p:cBhvr>
+                                        <p:cTn id="43" dur="1000" fill="hold"/>
+                                        <p:tgtEl>
+                                          <p:spTgt spid="7"/>
+                                        </p:tgtEl>
+                                        <p:attrNameLst>
+                                          <p:attrName>ppt_x</p:attrName>
+                                        </p:attrNameLst>
+                                      </p:cBhvr>
+                                      <p:tavLst>
+                                        <p:tav tm="0">
+                                          <p:val>
+                                            <p:strVal val="#ppt_x"/>
+                                          </p:val>
+                                        </p:tav>
+                                        <p:tav tm="100000">
+                                          <p:val>
+                                            <p:strVal val="#ppt_x"/>
+                                          </p:val>
+                                        </p:tav>
+                                      </p:tavLst>
+                                    </p:anim>
+                                    <p:anim calcmode="lin" valueType="num">
+                                      <p:cBhvr>
+                                        <p:cTn id="44" dur="1000" fill="hold"/>
+                                        <p:tgtEl>
+                                          <p:spTgt spid="7"/>
                                         </p:tgtEl>
                                         <p:attrNameLst>
                                           <p:attrName>ppt_y</p:attrName>

--- a/Advanced Javascript Day-1.pptx
+++ b/Advanced Javascript Day-1.pptx
@@ -5,7 +5,7 @@
     <p:sldMasterId id="2147483792" r:id="rId1"/>
   </p:sldMasterIdLst>
   <p:notesMasterIdLst>
-    <p:notesMasterId r:id="rId37"/>
+    <p:notesMasterId r:id="rId36"/>
   </p:notesMasterIdLst>
   <p:sldIdLst>
     <p:sldId id="256" r:id="rId2"/>
@@ -35,14 +35,13 @@
     <p:sldId id="279" r:id="rId26"/>
     <p:sldId id="292" r:id="rId27"/>
     <p:sldId id="278" r:id="rId28"/>
-    <p:sldId id="286" r:id="rId29"/>
-    <p:sldId id="277" r:id="rId30"/>
-    <p:sldId id="288" r:id="rId31"/>
-    <p:sldId id="289" r:id="rId32"/>
-    <p:sldId id="290" r:id="rId33"/>
-    <p:sldId id="291" r:id="rId34"/>
-    <p:sldId id="293" r:id="rId35"/>
-    <p:sldId id="294" r:id="rId36"/>
+    <p:sldId id="277" r:id="rId29"/>
+    <p:sldId id="288" r:id="rId30"/>
+    <p:sldId id="289" r:id="rId31"/>
+    <p:sldId id="290" r:id="rId32"/>
+    <p:sldId id="291" r:id="rId33"/>
+    <p:sldId id="293" r:id="rId34"/>
+    <p:sldId id="294" r:id="rId35"/>
   </p:sldIdLst>
   <p:sldSz cx="9144000" cy="6858000" type="screen4x3"/>
   <p:notesSz cx="6858000" cy="9144000"/>
@@ -226,7 +225,8 @@
           <a:p>
             <a:fld id="{26151B0D-99E5-4A1B-9DBD-0880C37D7AC7}" type="datetimeFigureOut">
               <a:rPr lang="en-US" smtClean="0"/>
-              <a:t>2/21/2014</a:t>
+              <a:pPr/>
+              <a:t>2/23/2014</a:t>
             </a:fld>
             <a:endParaRPr lang="en-US"/>
           </a:p>
@@ -387,6 +387,7 @@
           <a:p>
             <a:fld id="{DAFC96DD-25AF-4AD9-9932-5ADB8ED1397D}" type="slidenum">
               <a:rPr lang="en-US" smtClean="0"/>
+              <a:pPr/>
               <a:t>‹#›</a:t>
             </a:fld>
             <a:endParaRPr lang="en-US"/>
@@ -396,7 +397,7 @@
     </p:spTree>
     <p:extLst>
       <p:ext uri="{BB962C8B-B14F-4D97-AF65-F5344CB8AC3E}">
-        <p14:creationId xmlns:p14="http://schemas.microsoft.com/office/powerpoint/2010/main" val="2962217361"/>
+        <p14:creationId xmlns:p14="http://schemas.microsoft.com/office/powerpoint/2010/main" xmlns="" val="2962217361"/>
       </p:ext>
     </p:extLst>
   </p:cSld>
@@ -563,6 +564,7 @@
           <a:p>
             <a:fld id="{DAFC96DD-25AF-4AD9-9932-5ADB8ED1397D}" type="slidenum">
               <a:rPr lang="en-US" smtClean="0"/>
+              <a:pPr/>
               <a:t>6</a:t>
             </a:fld>
             <a:endParaRPr lang="en-US"/>
@@ -869,7 +871,7 @@
             <a:fld id="{30EFA729-0062-401D-B7BF-B91E3DD8EF4A}" type="datetimeFigureOut">
               <a:rPr lang="en-US" smtClean="0"/>
               <a:pPr/>
-              <a:t>2/21/2014</a:t>
+              <a:t>2/23/2014</a:t>
             </a:fld>
             <a:endParaRPr lang="en-US"/>
           </a:p>
@@ -1062,7 +1064,7 @@
             <a:fld id="{30EFA729-0062-401D-B7BF-B91E3DD8EF4A}" type="datetimeFigureOut">
               <a:rPr lang="en-US" smtClean="0"/>
               <a:pPr/>
-              <a:t>2/21/2014</a:t>
+              <a:t>2/23/2014</a:t>
             </a:fld>
             <a:endParaRPr lang="en-US"/>
           </a:p>
@@ -1249,7 +1251,7 @@
             <a:fld id="{30EFA729-0062-401D-B7BF-B91E3DD8EF4A}" type="datetimeFigureOut">
               <a:rPr lang="en-US" smtClean="0"/>
               <a:pPr/>
-              <a:t>2/21/2014</a:t>
+              <a:t>2/23/2014</a:t>
             </a:fld>
             <a:endParaRPr lang="en-US"/>
           </a:p>
@@ -1514,7 +1516,7 @@
             <a:fld id="{30EFA729-0062-401D-B7BF-B91E3DD8EF4A}" type="datetimeFigureOut">
               <a:rPr lang="en-US" smtClean="0"/>
               <a:pPr/>
-              <a:t>2/21/2014</a:t>
+              <a:t>2/23/2014</a:t>
             </a:fld>
             <a:endParaRPr lang="en-US"/>
           </a:p>
@@ -1939,7 +1941,7 @@
             <a:fld id="{30EFA729-0062-401D-B7BF-B91E3DD8EF4A}" type="datetimeFigureOut">
               <a:rPr lang="en-US" smtClean="0"/>
               <a:pPr/>
-              <a:t>2/21/2014</a:t>
+              <a:t>2/23/2014</a:t>
             </a:fld>
             <a:endParaRPr lang="en-US"/>
           </a:p>
@@ -2183,7 +2185,7 @@
             <a:fld id="{30EFA729-0062-401D-B7BF-B91E3DD8EF4A}" type="datetimeFigureOut">
               <a:rPr lang="en-US" smtClean="0"/>
               <a:pPr/>
-              <a:t>2/21/2014</a:t>
+              <a:t>2/23/2014</a:t>
             </a:fld>
             <a:endParaRPr lang="en-US"/>
           </a:p>
@@ -2421,7 +2423,7 @@
             <a:fld id="{30EFA729-0062-401D-B7BF-B91E3DD8EF4A}" type="datetimeFigureOut">
               <a:rPr lang="en-US" smtClean="0"/>
               <a:pPr/>
-              <a:t>2/21/2014</a:t>
+              <a:t>2/23/2014</a:t>
             </a:fld>
             <a:endParaRPr lang="en-US"/>
           </a:p>
@@ -2618,7 +2620,7 @@
             <a:fld id="{30EFA729-0062-401D-B7BF-B91E3DD8EF4A}" type="datetimeFigureOut">
               <a:rPr lang="en-US" smtClean="0"/>
               <a:pPr/>
-              <a:t>2/21/2014</a:t>
+              <a:t>2/23/2014</a:t>
             </a:fld>
             <a:endParaRPr lang="en-US"/>
           </a:p>
@@ -2718,7 +2720,7 @@
             <a:fld id="{30EFA729-0062-401D-B7BF-B91E3DD8EF4A}" type="datetimeFigureOut">
               <a:rPr lang="en-US" smtClean="0"/>
               <a:pPr/>
-              <a:t>2/21/2014</a:t>
+              <a:t>2/23/2014</a:t>
             </a:fld>
             <a:endParaRPr lang="en-US"/>
           </a:p>
@@ -2856,7 +2858,7 @@
             <a:fld id="{30EFA729-0062-401D-B7BF-B91E3DD8EF4A}" type="datetimeFigureOut">
               <a:rPr lang="en-US" smtClean="0"/>
               <a:pPr/>
-              <a:t>2/21/2014</a:t>
+              <a:t>2/23/2014</a:t>
             </a:fld>
             <a:endParaRPr lang="en-US"/>
           </a:p>
@@ -3376,7 +3378,7 @@
             <a:fld id="{30EFA729-0062-401D-B7BF-B91E3DD8EF4A}" type="datetimeFigureOut">
               <a:rPr lang="en-US" smtClean="0"/>
               <a:pPr/>
-              <a:t>2/21/2014</a:t>
+              <a:t>2/23/2014</a:t>
             </a:fld>
             <a:endParaRPr lang="en-US"/>
           </a:p>
@@ -3639,7 +3641,7 @@
             <a:fld id="{30EFA729-0062-401D-B7BF-B91E3DD8EF4A}" type="datetimeFigureOut">
               <a:rPr lang="en-US" smtClean="0"/>
               <a:pPr/>
-              <a:t>2/21/2014</a:t>
+              <a:t>2/23/2014</a:t>
             </a:fld>
             <a:endParaRPr lang="en-US"/>
           </a:p>
@@ -4336,7 +4338,7 @@
           <a:blip r:embed="rId2">
             <a:extLst>
               <a:ext uri="{28A0092B-C50C-407E-A947-70E740481C1C}">
-                <a14:useLocalDpi xmlns:a14="http://schemas.microsoft.com/office/drawing/2010/main" val="0"/>
+                <a14:useLocalDpi xmlns:a14="http://schemas.microsoft.com/office/drawing/2010/main" xmlns="" val="0"/>
               </a:ext>
             </a:extLst>
           </a:blip>
@@ -4360,14 +4362,14 @@
           <a:effectLst/>
           <a:extLst>
             <a:ext uri="{909E8E84-426E-40DD-AFC4-6F175D3DCCD1}">
-              <a14:hiddenFill xmlns:a14="http://schemas.microsoft.com/office/drawing/2010/main">
+              <a14:hiddenFill xmlns:a14="http://schemas.microsoft.com/office/drawing/2010/main" xmlns="">
                 <a:solidFill>
                   <a:schemeClr val="accent1"/>
                 </a:solidFill>
               </a14:hiddenFill>
             </a:ext>
             <a:ext uri="{91240B29-F687-4F45-9708-019B960494DF}">
-              <a14:hiddenLine xmlns:a14="http://schemas.microsoft.com/office/drawing/2010/main" w="9525">
+              <a14:hiddenLine xmlns:a14="http://schemas.microsoft.com/office/drawing/2010/main" xmlns="" w="9525">
                 <a:solidFill>
                   <a:schemeClr val="tx1"/>
                 </a:solidFill>
@@ -4377,7 +4379,7 @@
               </a14:hiddenLine>
             </a:ext>
             <a:ext uri="{AF507438-7753-43E0-B8FC-AC1667EBCBE1}">
-              <a14:hiddenEffects xmlns:a14="http://schemas.microsoft.com/office/drawing/2010/main">
+              <a14:hiddenEffects xmlns:a14="http://schemas.microsoft.com/office/drawing/2010/main" xmlns="">
                 <a:effectLst>
                   <a:outerShdw dist="35921" dir="2700000" algn="ctr" rotWithShape="0">
                     <a:schemeClr val="bg2"/>
@@ -4400,7 +4402,7 @@
           <a:blip r:embed="rId3">
             <a:extLst>
               <a:ext uri="{28A0092B-C50C-407E-A947-70E740481C1C}">
-                <a14:useLocalDpi xmlns:a14="http://schemas.microsoft.com/office/drawing/2010/main" val="0"/>
+                <a14:useLocalDpi xmlns:a14="http://schemas.microsoft.com/office/drawing/2010/main" xmlns="" val="0"/>
               </a:ext>
             </a:extLst>
           </a:blip>
@@ -4424,14 +4426,14 @@
           <a:effectLst/>
           <a:extLst>
             <a:ext uri="{909E8E84-426E-40DD-AFC4-6F175D3DCCD1}">
-              <a14:hiddenFill xmlns:a14="http://schemas.microsoft.com/office/drawing/2010/main">
+              <a14:hiddenFill xmlns:a14="http://schemas.microsoft.com/office/drawing/2010/main" xmlns="">
                 <a:solidFill>
                   <a:schemeClr val="accent1"/>
                 </a:solidFill>
               </a14:hiddenFill>
             </a:ext>
             <a:ext uri="{91240B29-F687-4F45-9708-019B960494DF}">
-              <a14:hiddenLine xmlns:a14="http://schemas.microsoft.com/office/drawing/2010/main" w="9525">
+              <a14:hiddenLine xmlns:a14="http://schemas.microsoft.com/office/drawing/2010/main" xmlns="" w="9525">
                 <a:solidFill>
                   <a:schemeClr val="tx1"/>
                 </a:solidFill>
@@ -4441,7 +4443,7 @@
               </a14:hiddenLine>
             </a:ext>
             <a:ext uri="{AF507438-7753-43E0-B8FC-AC1667EBCBE1}">
-              <a14:hiddenEffects xmlns:a14="http://schemas.microsoft.com/office/drawing/2010/main">
+              <a14:hiddenEffects xmlns:a14="http://schemas.microsoft.com/office/drawing/2010/main" xmlns="">
                 <a:effectLst>
                   <a:outerShdw dist="35921" dir="2700000" algn="ctr" rotWithShape="0">
                     <a:schemeClr val="bg2"/>
@@ -4455,7 +4457,7 @@
     </p:spTree>
     <p:extLst>
       <p:ext uri="{BB962C8B-B14F-4D97-AF65-F5344CB8AC3E}">
-        <p14:creationId xmlns:p14="http://schemas.microsoft.com/office/powerpoint/2010/main" val="3382862363"/>
+        <p14:creationId xmlns:p14="http://schemas.microsoft.com/office/powerpoint/2010/main" xmlns="" val="3382862363"/>
       </p:ext>
     </p:extLst>
   </p:cSld>
@@ -4794,7 +4796,7 @@
           <a:blip r:embed="rId2">
             <a:extLst>
               <a:ext uri="{28A0092B-C50C-407E-A947-70E740481C1C}">
-                <a14:useLocalDpi xmlns:a14="http://schemas.microsoft.com/office/drawing/2010/main" val="0"/>
+                <a14:useLocalDpi xmlns:a14="http://schemas.microsoft.com/office/drawing/2010/main" xmlns="" val="0"/>
               </a:ext>
             </a:extLst>
           </a:blip>
@@ -4818,14 +4820,14 @@
           <a:effectLst/>
           <a:extLst>
             <a:ext uri="{909E8E84-426E-40DD-AFC4-6F175D3DCCD1}">
-              <a14:hiddenFill xmlns:a14="http://schemas.microsoft.com/office/drawing/2010/main">
+              <a14:hiddenFill xmlns:a14="http://schemas.microsoft.com/office/drawing/2010/main" xmlns="">
                 <a:solidFill>
                   <a:schemeClr val="accent1"/>
                 </a:solidFill>
               </a14:hiddenFill>
             </a:ext>
             <a:ext uri="{91240B29-F687-4F45-9708-019B960494DF}">
-              <a14:hiddenLine xmlns:a14="http://schemas.microsoft.com/office/drawing/2010/main" w="9525">
+              <a14:hiddenLine xmlns:a14="http://schemas.microsoft.com/office/drawing/2010/main" xmlns="" w="9525">
                 <a:solidFill>
                   <a:schemeClr val="tx1"/>
                 </a:solidFill>
@@ -4835,7 +4837,7 @@
               </a14:hiddenLine>
             </a:ext>
             <a:ext uri="{AF507438-7753-43E0-B8FC-AC1667EBCBE1}">
-              <a14:hiddenEffects xmlns:a14="http://schemas.microsoft.com/office/drawing/2010/main">
+              <a14:hiddenEffects xmlns:a14="http://schemas.microsoft.com/office/drawing/2010/main" xmlns="">
                 <a:effectLst>
                   <a:outerShdw dist="35921" dir="2700000" algn="ctr" rotWithShape="0">
                     <a:schemeClr val="bg2"/>
@@ -4858,7 +4860,7 @@
           <a:blip r:embed="rId3">
             <a:extLst>
               <a:ext uri="{28A0092B-C50C-407E-A947-70E740481C1C}">
-                <a14:useLocalDpi xmlns:a14="http://schemas.microsoft.com/office/drawing/2010/main" val="0"/>
+                <a14:useLocalDpi xmlns:a14="http://schemas.microsoft.com/office/drawing/2010/main" xmlns="" val="0"/>
               </a:ext>
             </a:extLst>
           </a:blip>
@@ -4882,14 +4884,14 @@
           <a:effectLst/>
           <a:extLst>
             <a:ext uri="{909E8E84-426E-40DD-AFC4-6F175D3DCCD1}">
-              <a14:hiddenFill xmlns:a14="http://schemas.microsoft.com/office/drawing/2010/main">
+              <a14:hiddenFill xmlns:a14="http://schemas.microsoft.com/office/drawing/2010/main" xmlns="">
                 <a:solidFill>
                   <a:schemeClr val="accent1"/>
                 </a:solidFill>
               </a14:hiddenFill>
             </a:ext>
             <a:ext uri="{91240B29-F687-4F45-9708-019B960494DF}">
-              <a14:hiddenLine xmlns:a14="http://schemas.microsoft.com/office/drawing/2010/main" w="9525">
+              <a14:hiddenLine xmlns:a14="http://schemas.microsoft.com/office/drawing/2010/main" xmlns="" w="9525">
                 <a:solidFill>
                   <a:schemeClr val="tx1"/>
                 </a:solidFill>
@@ -4899,7 +4901,7 @@
               </a14:hiddenLine>
             </a:ext>
             <a:ext uri="{AF507438-7753-43E0-B8FC-AC1667EBCBE1}">
-              <a14:hiddenEffects xmlns:a14="http://schemas.microsoft.com/office/drawing/2010/main">
+              <a14:hiddenEffects xmlns:a14="http://schemas.microsoft.com/office/drawing/2010/main" xmlns="">
                 <a:effectLst>
                   <a:outerShdw dist="35921" dir="2700000" algn="ctr" rotWithShape="0">
                     <a:schemeClr val="bg2"/>
@@ -4913,7 +4915,7 @@
     </p:spTree>
     <p:extLst>
       <p:ext uri="{BB962C8B-B14F-4D97-AF65-F5344CB8AC3E}">
-        <p14:creationId xmlns:p14="http://schemas.microsoft.com/office/powerpoint/2010/main" val="2756863619"/>
+        <p14:creationId xmlns:p14="http://schemas.microsoft.com/office/powerpoint/2010/main" xmlns="" val="2756863619"/>
       </p:ext>
     </p:extLst>
   </p:cSld>
@@ -5444,7 +5446,7 @@
           <a:blip r:embed="rId2">
             <a:extLst>
               <a:ext uri="{28A0092B-C50C-407E-A947-70E740481C1C}">
-                <a14:useLocalDpi xmlns:a14="http://schemas.microsoft.com/office/drawing/2010/main" val="0"/>
+                <a14:useLocalDpi xmlns:a14="http://schemas.microsoft.com/office/drawing/2010/main" xmlns="" val="0"/>
               </a:ext>
             </a:extLst>
           </a:blip>
@@ -5468,14 +5470,14 @@
           <a:effectLst/>
           <a:extLst>
             <a:ext uri="{909E8E84-426E-40DD-AFC4-6F175D3DCCD1}">
-              <a14:hiddenFill xmlns:a14="http://schemas.microsoft.com/office/drawing/2010/main">
+              <a14:hiddenFill xmlns:a14="http://schemas.microsoft.com/office/drawing/2010/main" xmlns="">
                 <a:solidFill>
                   <a:schemeClr val="accent1"/>
                 </a:solidFill>
               </a14:hiddenFill>
             </a:ext>
             <a:ext uri="{91240B29-F687-4F45-9708-019B960494DF}">
-              <a14:hiddenLine xmlns:a14="http://schemas.microsoft.com/office/drawing/2010/main" w="9525">
+              <a14:hiddenLine xmlns:a14="http://schemas.microsoft.com/office/drawing/2010/main" xmlns="" w="9525">
                 <a:solidFill>
                   <a:schemeClr val="tx1"/>
                 </a:solidFill>
@@ -5485,7 +5487,7 @@
               </a14:hiddenLine>
             </a:ext>
             <a:ext uri="{AF507438-7753-43E0-B8FC-AC1667EBCBE1}">
-              <a14:hiddenEffects xmlns:a14="http://schemas.microsoft.com/office/drawing/2010/main">
+              <a14:hiddenEffects xmlns:a14="http://schemas.microsoft.com/office/drawing/2010/main" xmlns="">
                 <a:effectLst>
                   <a:outerShdw dist="35921" dir="2700000" algn="ctr" rotWithShape="0">
                     <a:schemeClr val="bg2"/>
@@ -5508,7 +5510,7 @@
           <a:blip r:embed="rId3">
             <a:extLst>
               <a:ext uri="{28A0092B-C50C-407E-A947-70E740481C1C}">
-                <a14:useLocalDpi xmlns:a14="http://schemas.microsoft.com/office/drawing/2010/main" val="0"/>
+                <a14:useLocalDpi xmlns:a14="http://schemas.microsoft.com/office/drawing/2010/main" xmlns="" val="0"/>
               </a:ext>
             </a:extLst>
           </a:blip>
@@ -5532,14 +5534,14 @@
           <a:effectLst/>
           <a:extLst>
             <a:ext uri="{909E8E84-426E-40DD-AFC4-6F175D3DCCD1}">
-              <a14:hiddenFill xmlns:a14="http://schemas.microsoft.com/office/drawing/2010/main">
+              <a14:hiddenFill xmlns:a14="http://schemas.microsoft.com/office/drawing/2010/main" xmlns="">
                 <a:solidFill>
                   <a:schemeClr val="accent1"/>
                 </a:solidFill>
               </a14:hiddenFill>
             </a:ext>
             <a:ext uri="{91240B29-F687-4F45-9708-019B960494DF}">
-              <a14:hiddenLine xmlns:a14="http://schemas.microsoft.com/office/drawing/2010/main" w="9525">
+              <a14:hiddenLine xmlns:a14="http://schemas.microsoft.com/office/drawing/2010/main" xmlns="" w="9525">
                 <a:solidFill>
                   <a:schemeClr val="tx1"/>
                 </a:solidFill>
@@ -5549,7 +5551,7 @@
               </a14:hiddenLine>
             </a:ext>
             <a:ext uri="{AF507438-7753-43E0-B8FC-AC1667EBCBE1}">
-              <a14:hiddenEffects xmlns:a14="http://schemas.microsoft.com/office/drawing/2010/main">
+              <a14:hiddenEffects xmlns:a14="http://schemas.microsoft.com/office/drawing/2010/main" xmlns="">
                 <a:effectLst>
                   <a:outerShdw dist="35921" dir="2700000" algn="ctr" rotWithShape="0">
                     <a:schemeClr val="bg2"/>
@@ -5563,7 +5565,7 @@
     </p:spTree>
     <p:extLst>
       <p:ext uri="{BB962C8B-B14F-4D97-AF65-F5344CB8AC3E}">
-        <p14:creationId xmlns:p14="http://schemas.microsoft.com/office/powerpoint/2010/main" val="2234393935"/>
+        <p14:creationId xmlns:p14="http://schemas.microsoft.com/office/powerpoint/2010/main" xmlns="" val="2234393935"/>
       </p:ext>
     </p:extLst>
   </p:cSld>
@@ -6089,7 +6091,7 @@
     </p:spTree>
     <p:extLst>
       <p:ext uri="{BB962C8B-B14F-4D97-AF65-F5344CB8AC3E}">
-        <p14:creationId xmlns:p14="http://schemas.microsoft.com/office/powerpoint/2010/main" val="4158140253"/>
+        <p14:creationId xmlns:p14="http://schemas.microsoft.com/office/powerpoint/2010/main" xmlns="" val="4158140253"/>
       </p:ext>
     </p:extLst>
   </p:cSld>
@@ -6187,7 +6189,7 @@
           <a:blip r:embed="rId2">
             <a:extLst>
               <a:ext uri="{28A0092B-C50C-407E-A947-70E740481C1C}">
-                <a14:useLocalDpi xmlns:a14="http://schemas.microsoft.com/office/drawing/2010/main" val="0"/>
+                <a14:useLocalDpi xmlns:a14="http://schemas.microsoft.com/office/drawing/2010/main" xmlns="" val="0"/>
               </a:ext>
             </a:extLst>
           </a:blip>
@@ -6211,14 +6213,14 @@
           <a:effectLst/>
           <a:extLst>
             <a:ext uri="{909E8E84-426E-40DD-AFC4-6F175D3DCCD1}">
-              <a14:hiddenFill xmlns:a14="http://schemas.microsoft.com/office/drawing/2010/main">
+              <a14:hiddenFill xmlns:a14="http://schemas.microsoft.com/office/drawing/2010/main" xmlns="">
                 <a:solidFill>
                   <a:schemeClr val="accent1"/>
                 </a:solidFill>
               </a14:hiddenFill>
             </a:ext>
             <a:ext uri="{91240B29-F687-4F45-9708-019B960494DF}">
-              <a14:hiddenLine xmlns:a14="http://schemas.microsoft.com/office/drawing/2010/main" w="9525">
+              <a14:hiddenLine xmlns:a14="http://schemas.microsoft.com/office/drawing/2010/main" xmlns="" w="9525">
                 <a:solidFill>
                   <a:schemeClr val="tx1"/>
                 </a:solidFill>
@@ -6228,7 +6230,7 @@
               </a14:hiddenLine>
             </a:ext>
             <a:ext uri="{AF507438-7753-43E0-B8FC-AC1667EBCBE1}">
-              <a14:hiddenEffects xmlns:a14="http://schemas.microsoft.com/office/drawing/2010/main">
+              <a14:hiddenEffects xmlns:a14="http://schemas.microsoft.com/office/drawing/2010/main" xmlns="">
                 <a:effectLst>
                   <a:outerShdw dist="35921" dir="2700000" algn="ctr" rotWithShape="0">
                     <a:schemeClr val="bg2"/>
@@ -6251,7 +6253,7 @@
           <a:blip r:embed="rId3">
             <a:extLst>
               <a:ext uri="{28A0092B-C50C-407E-A947-70E740481C1C}">
-                <a14:useLocalDpi xmlns:a14="http://schemas.microsoft.com/office/drawing/2010/main" val="0"/>
+                <a14:useLocalDpi xmlns:a14="http://schemas.microsoft.com/office/drawing/2010/main" xmlns="" val="0"/>
               </a:ext>
             </a:extLst>
           </a:blip>
@@ -6275,14 +6277,14 @@
           <a:effectLst/>
           <a:extLst>
             <a:ext uri="{909E8E84-426E-40DD-AFC4-6F175D3DCCD1}">
-              <a14:hiddenFill xmlns:a14="http://schemas.microsoft.com/office/drawing/2010/main">
+              <a14:hiddenFill xmlns:a14="http://schemas.microsoft.com/office/drawing/2010/main" xmlns="">
                 <a:solidFill>
                   <a:schemeClr val="accent1"/>
                 </a:solidFill>
               </a14:hiddenFill>
             </a:ext>
             <a:ext uri="{91240B29-F687-4F45-9708-019B960494DF}">
-              <a14:hiddenLine xmlns:a14="http://schemas.microsoft.com/office/drawing/2010/main" w="9525">
+              <a14:hiddenLine xmlns:a14="http://schemas.microsoft.com/office/drawing/2010/main" xmlns="" w="9525">
                 <a:solidFill>
                   <a:schemeClr val="tx1"/>
                 </a:solidFill>
@@ -6292,7 +6294,7 @@
               </a14:hiddenLine>
             </a:ext>
             <a:ext uri="{AF507438-7753-43E0-B8FC-AC1667EBCBE1}">
-              <a14:hiddenEffects xmlns:a14="http://schemas.microsoft.com/office/drawing/2010/main">
+              <a14:hiddenEffects xmlns:a14="http://schemas.microsoft.com/office/drawing/2010/main" xmlns="">
                 <a:effectLst>
                   <a:outerShdw dist="35921" dir="2700000" algn="ctr" rotWithShape="0">
                     <a:schemeClr val="bg2"/>
@@ -6315,7 +6317,7 @@
           <a:blip r:embed="rId4">
             <a:extLst>
               <a:ext uri="{28A0092B-C50C-407E-A947-70E740481C1C}">
-                <a14:useLocalDpi xmlns:a14="http://schemas.microsoft.com/office/drawing/2010/main" val="0"/>
+                <a14:useLocalDpi xmlns:a14="http://schemas.microsoft.com/office/drawing/2010/main" xmlns="" val="0"/>
               </a:ext>
             </a:extLst>
           </a:blip>
@@ -6339,14 +6341,14 @@
           <a:effectLst/>
           <a:extLst>
             <a:ext uri="{909E8E84-426E-40DD-AFC4-6F175D3DCCD1}">
-              <a14:hiddenFill xmlns:a14="http://schemas.microsoft.com/office/drawing/2010/main">
+              <a14:hiddenFill xmlns:a14="http://schemas.microsoft.com/office/drawing/2010/main" xmlns="">
                 <a:solidFill>
                   <a:schemeClr val="accent1"/>
                 </a:solidFill>
               </a14:hiddenFill>
             </a:ext>
             <a:ext uri="{91240B29-F687-4F45-9708-019B960494DF}">
-              <a14:hiddenLine xmlns:a14="http://schemas.microsoft.com/office/drawing/2010/main" w="9525">
+              <a14:hiddenLine xmlns:a14="http://schemas.microsoft.com/office/drawing/2010/main" xmlns="" w="9525">
                 <a:solidFill>
                   <a:schemeClr val="tx1"/>
                 </a:solidFill>
@@ -6356,7 +6358,7 @@
               </a14:hiddenLine>
             </a:ext>
             <a:ext uri="{AF507438-7753-43E0-B8FC-AC1667EBCBE1}">
-              <a14:hiddenEffects xmlns:a14="http://schemas.microsoft.com/office/drawing/2010/main">
+              <a14:hiddenEffects xmlns:a14="http://schemas.microsoft.com/office/drawing/2010/main" xmlns="">
                 <a:effectLst>
                   <a:outerShdw dist="35921" dir="2700000" algn="ctr" rotWithShape="0">
                     <a:schemeClr val="bg2"/>
@@ -6379,7 +6381,7 @@
           <a:blip r:embed="rId5">
             <a:extLst>
               <a:ext uri="{28A0092B-C50C-407E-A947-70E740481C1C}">
-                <a14:useLocalDpi xmlns:a14="http://schemas.microsoft.com/office/drawing/2010/main" val="0"/>
+                <a14:useLocalDpi xmlns:a14="http://schemas.microsoft.com/office/drawing/2010/main" xmlns="" val="0"/>
               </a:ext>
             </a:extLst>
           </a:blip>
@@ -6403,14 +6405,14 @@
           <a:effectLst/>
           <a:extLst>
             <a:ext uri="{909E8E84-426E-40DD-AFC4-6F175D3DCCD1}">
-              <a14:hiddenFill xmlns:a14="http://schemas.microsoft.com/office/drawing/2010/main">
+              <a14:hiddenFill xmlns:a14="http://schemas.microsoft.com/office/drawing/2010/main" xmlns="">
                 <a:solidFill>
                   <a:schemeClr val="accent1"/>
                 </a:solidFill>
               </a14:hiddenFill>
             </a:ext>
             <a:ext uri="{91240B29-F687-4F45-9708-019B960494DF}">
-              <a14:hiddenLine xmlns:a14="http://schemas.microsoft.com/office/drawing/2010/main" w="9525">
+              <a14:hiddenLine xmlns:a14="http://schemas.microsoft.com/office/drawing/2010/main" xmlns="" w="9525">
                 <a:solidFill>
                   <a:schemeClr val="tx1"/>
                 </a:solidFill>
@@ -6420,7 +6422,7 @@
               </a14:hiddenLine>
             </a:ext>
             <a:ext uri="{AF507438-7753-43E0-B8FC-AC1667EBCBE1}">
-              <a14:hiddenEffects xmlns:a14="http://schemas.microsoft.com/office/drawing/2010/main">
+              <a14:hiddenEffects xmlns:a14="http://schemas.microsoft.com/office/drawing/2010/main" xmlns="">
                 <a:effectLst>
                   <a:outerShdw dist="35921" dir="2700000" algn="ctr" rotWithShape="0">
                     <a:schemeClr val="bg2"/>
@@ -6443,7 +6445,7 @@
           <a:blip r:embed="rId6">
             <a:extLst>
               <a:ext uri="{28A0092B-C50C-407E-A947-70E740481C1C}">
-                <a14:useLocalDpi xmlns:a14="http://schemas.microsoft.com/office/drawing/2010/main" val="0"/>
+                <a14:useLocalDpi xmlns:a14="http://schemas.microsoft.com/office/drawing/2010/main" xmlns="" val="0"/>
               </a:ext>
             </a:extLst>
           </a:blip>
@@ -6467,14 +6469,14 @@
           <a:effectLst/>
           <a:extLst>
             <a:ext uri="{909E8E84-426E-40DD-AFC4-6F175D3DCCD1}">
-              <a14:hiddenFill xmlns:a14="http://schemas.microsoft.com/office/drawing/2010/main">
+              <a14:hiddenFill xmlns:a14="http://schemas.microsoft.com/office/drawing/2010/main" xmlns="">
                 <a:solidFill>
                   <a:schemeClr val="accent1"/>
                 </a:solidFill>
               </a14:hiddenFill>
             </a:ext>
             <a:ext uri="{91240B29-F687-4F45-9708-019B960494DF}">
-              <a14:hiddenLine xmlns:a14="http://schemas.microsoft.com/office/drawing/2010/main" w="9525">
+              <a14:hiddenLine xmlns:a14="http://schemas.microsoft.com/office/drawing/2010/main" xmlns="" w="9525">
                 <a:solidFill>
                   <a:schemeClr val="tx1"/>
                 </a:solidFill>
@@ -6484,7 +6486,7 @@
               </a14:hiddenLine>
             </a:ext>
             <a:ext uri="{AF507438-7753-43E0-B8FC-AC1667EBCBE1}">
-              <a14:hiddenEffects xmlns:a14="http://schemas.microsoft.com/office/drawing/2010/main">
+              <a14:hiddenEffects xmlns:a14="http://schemas.microsoft.com/office/drawing/2010/main" xmlns="">
                 <a:effectLst>
                   <a:outerShdw dist="35921" dir="2700000" algn="ctr" rotWithShape="0">
                     <a:schemeClr val="bg2"/>
@@ -6498,7 +6500,7 @@
     </p:spTree>
     <p:extLst>
       <p:ext uri="{BB962C8B-B14F-4D97-AF65-F5344CB8AC3E}">
-        <p14:creationId xmlns:p14="http://schemas.microsoft.com/office/powerpoint/2010/main" val="1298352505"/>
+        <p14:creationId xmlns:p14="http://schemas.microsoft.com/office/powerpoint/2010/main" xmlns="" val="1298352505"/>
       </p:ext>
     </p:extLst>
   </p:cSld>
@@ -7232,7 +7234,7 @@
           <a:blip r:embed="rId2">
             <a:extLst>
               <a:ext uri="{28A0092B-C50C-407E-A947-70E740481C1C}">
-                <a14:useLocalDpi xmlns:a14="http://schemas.microsoft.com/office/drawing/2010/main" val="0"/>
+                <a14:useLocalDpi xmlns:a14="http://schemas.microsoft.com/office/drawing/2010/main" xmlns="" val="0"/>
               </a:ext>
             </a:extLst>
           </a:blip>
@@ -7256,14 +7258,14 @@
           <a:effectLst/>
           <a:extLst>
             <a:ext uri="{909E8E84-426E-40DD-AFC4-6F175D3DCCD1}">
-              <a14:hiddenFill xmlns:a14="http://schemas.microsoft.com/office/drawing/2010/main">
+              <a14:hiddenFill xmlns:a14="http://schemas.microsoft.com/office/drawing/2010/main" xmlns="">
                 <a:solidFill>
                   <a:schemeClr val="accent1"/>
                 </a:solidFill>
               </a14:hiddenFill>
             </a:ext>
             <a:ext uri="{91240B29-F687-4F45-9708-019B960494DF}">
-              <a14:hiddenLine xmlns:a14="http://schemas.microsoft.com/office/drawing/2010/main" w="9525">
+              <a14:hiddenLine xmlns:a14="http://schemas.microsoft.com/office/drawing/2010/main" xmlns="" w="9525">
                 <a:solidFill>
                   <a:schemeClr val="tx1"/>
                 </a:solidFill>
@@ -7273,7 +7275,7 @@
               </a14:hiddenLine>
             </a:ext>
             <a:ext uri="{AF507438-7753-43E0-B8FC-AC1667EBCBE1}">
-              <a14:hiddenEffects xmlns:a14="http://schemas.microsoft.com/office/drawing/2010/main">
+              <a14:hiddenEffects xmlns:a14="http://schemas.microsoft.com/office/drawing/2010/main" xmlns="">
                 <a:effectLst>
                   <a:outerShdw dist="35921" dir="2700000" algn="ctr" rotWithShape="0">
                     <a:schemeClr val="bg2"/>
@@ -7296,7 +7298,7 @@
           <a:blip r:embed="rId3">
             <a:extLst>
               <a:ext uri="{28A0092B-C50C-407E-A947-70E740481C1C}">
-                <a14:useLocalDpi xmlns:a14="http://schemas.microsoft.com/office/drawing/2010/main" val="0"/>
+                <a14:useLocalDpi xmlns:a14="http://schemas.microsoft.com/office/drawing/2010/main" xmlns="" val="0"/>
               </a:ext>
             </a:extLst>
           </a:blip>
@@ -7320,14 +7322,14 @@
           <a:effectLst/>
           <a:extLst>
             <a:ext uri="{909E8E84-426E-40DD-AFC4-6F175D3DCCD1}">
-              <a14:hiddenFill xmlns:a14="http://schemas.microsoft.com/office/drawing/2010/main">
+              <a14:hiddenFill xmlns:a14="http://schemas.microsoft.com/office/drawing/2010/main" xmlns="">
                 <a:solidFill>
                   <a:schemeClr val="accent1"/>
                 </a:solidFill>
               </a14:hiddenFill>
             </a:ext>
             <a:ext uri="{91240B29-F687-4F45-9708-019B960494DF}">
-              <a14:hiddenLine xmlns:a14="http://schemas.microsoft.com/office/drawing/2010/main" w="9525">
+              <a14:hiddenLine xmlns:a14="http://schemas.microsoft.com/office/drawing/2010/main" xmlns="" w="9525">
                 <a:solidFill>
                   <a:schemeClr val="tx1"/>
                 </a:solidFill>
@@ -7337,7 +7339,7 @@
               </a14:hiddenLine>
             </a:ext>
             <a:ext uri="{AF507438-7753-43E0-B8FC-AC1667EBCBE1}">
-              <a14:hiddenEffects xmlns:a14="http://schemas.microsoft.com/office/drawing/2010/main">
+              <a14:hiddenEffects xmlns:a14="http://schemas.microsoft.com/office/drawing/2010/main" xmlns="">
                 <a:effectLst>
                   <a:outerShdw dist="35921" dir="2700000" algn="ctr" rotWithShape="0">
                     <a:schemeClr val="bg2"/>
@@ -7360,7 +7362,7 @@
           <a:blip r:embed="rId4">
             <a:extLst>
               <a:ext uri="{28A0092B-C50C-407E-A947-70E740481C1C}">
-                <a14:useLocalDpi xmlns:a14="http://schemas.microsoft.com/office/drawing/2010/main" val="0"/>
+                <a14:useLocalDpi xmlns:a14="http://schemas.microsoft.com/office/drawing/2010/main" xmlns="" val="0"/>
               </a:ext>
             </a:extLst>
           </a:blip>
@@ -7384,14 +7386,14 @@
           <a:effectLst/>
           <a:extLst>
             <a:ext uri="{909E8E84-426E-40DD-AFC4-6F175D3DCCD1}">
-              <a14:hiddenFill xmlns:a14="http://schemas.microsoft.com/office/drawing/2010/main">
+              <a14:hiddenFill xmlns:a14="http://schemas.microsoft.com/office/drawing/2010/main" xmlns="">
                 <a:solidFill>
                   <a:schemeClr val="accent1"/>
                 </a:solidFill>
               </a14:hiddenFill>
             </a:ext>
             <a:ext uri="{91240B29-F687-4F45-9708-019B960494DF}">
-              <a14:hiddenLine xmlns:a14="http://schemas.microsoft.com/office/drawing/2010/main" w="9525">
+              <a14:hiddenLine xmlns:a14="http://schemas.microsoft.com/office/drawing/2010/main" xmlns="" w="9525">
                 <a:solidFill>
                   <a:schemeClr val="tx1"/>
                 </a:solidFill>
@@ -7401,7 +7403,7 @@
               </a14:hiddenLine>
             </a:ext>
             <a:ext uri="{AF507438-7753-43E0-B8FC-AC1667EBCBE1}">
-              <a14:hiddenEffects xmlns:a14="http://schemas.microsoft.com/office/drawing/2010/main">
+              <a14:hiddenEffects xmlns:a14="http://schemas.microsoft.com/office/drawing/2010/main" xmlns="">
                 <a:effectLst>
                   <a:outerShdw dist="35921" dir="2700000" algn="ctr" rotWithShape="0">
                     <a:schemeClr val="bg2"/>
@@ -7424,7 +7426,7 @@
           <a:blip r:embed="rId5">
             <a:extLst>
               <a:ext uri="{28A0092B-C50C-407E-A947-70E740481C1C}">
-                <a14:useLocalDpi xmlns:a14="http://schemas.microsoft.com/office/drawing/2010/main" val="0"/>
+                <a14:useLocalDpi xmlns:a14="http://schemas.microsoft.com/office/drawing/2010/main" xmlns="" val="0"/>
               </a:ext>
             </a:extLst>
           </a:blip>
@@ -7448,14 +7450,14 @@
           <a:effectLst/>
           <a:extLst>
             <a:ext uri="{909E8E84-426E-40DD-AFC4-6F175D3DCCD1}">
-              <a14:hiddenFill xmlns:a14="http://schemas.microsoft.com/office/drawing/2010/main">
+              <a14:hiddenFill xmlns:a14="http://schemas.microsoft.com/office/drawing/2010/main" xmlns="">
                 <a:solidFill>
                   <a:schemeClr val="accent1"/>
                 </a:solidFill>
               </a14:hiddenFill>
             </a:ext>
             <a:ext uri="{91240B29-F687-4F45-9708-019B960494DF}">
-              <a14:hiddenLine xmlns:a14="http://schemas.microsoft.com/office/drawing/2010/main" w="9525">
+              <a14:hiddenLine xmlns:a14="http://schemas.microsoft.com/office/drawing/2010/main" xmlns="" w="9525">
                 <a:solidFill>
                   <a:schemeClr val="tx1"/>
                 </a:solidFill>
@@ -7465,7 +7467,7 @@
               </a14:hiddenLine>
             </a:ext>
             <a:ext uri="{AF507438-7753-43E0-B8FC-AC1667EBCBE1}">
-              <a14:hiddenEffects xmlns:a14="http://schemas.microsoft.com/office/drawing/2010/main">
+              <a14:hiddenEffects xmlns:a14="http://schemas.microsoft.com/office/drawing/2010/main" xmlns="">
                 <a:effectLst>
                   <a:outerShdw dist="35921" dir="2700000" algn="ctr" rotWithShape="0">
                     <a:schemeClr val="bg2"/>
@@ -7488,7 +7490,7 @@
           <a:blip r:embed="rId6">
             <a:extLst>
               <a:ext uri="{28A0092B-C50C-407E-A947-70E740481C1C}">
-                <a14:useLocalDpi xmlns:a14="http://schemas.microsoft.com/office/drawing/2010/main" val="0"/>
+                <a14:useLocalDpi xmlns:a14="http://schemas.microsoft.com/office/drawing/2010/main" xmlns="" val="0"/>
               </a:ext>
             </a:extLst>
           </a:blip>
@@ -7512,14 +7514,14 @@
           <a:effectLst/>
           <a:extLst>
             <a:ext uri="{909E8E84-426E-40DD-AFC4-6F175D3DCCD1}">
-              <a14:hiddenFill xmlns:a14="http://schemas.microsoft.com/office/drawing/2010/main">
+              <a14:hiddenFill xmlns:a14="http://schemas.microsoft.com/office/drawing/2010/main" xmlns="">
                 <a:solidFill>
                   <a:schemeClr val="accent1"/>
                 </a:solidFill>
               </a14:hiddenFill>
             </a:ext>
             <a:ext uri="{91240B29-F687-4F45-9708-019B960494DF}">
-              <a14:hiddenLine xmlns:a14="http://schemas.microsoft.com/office/drawing/2010/main" w="9525">
+              <a14:hiddenLine xmlns:a14="http://schemas.microsoft.com/office/drawing/2010/main" xmlns="" w="9525">
                 <a:solidFill>
                   <a:schemeClr val="tx1"/>
                 </a:solidFill>
@@ -7529,7 +7531,7 @@
               </a14:hiddenLine>
             </a:ext>
             <a:ext uri="{AF507438-7753-43E0-B8FC-AC1667EBCBE1}">
-              <a14:hiddenEffects xmlns:a14="http://schemas.microsoft.com/office/drawing/2010/main">
+              <a14:hiddenEffects xmlns:a14="http://schemas.microsoft.com/office/drawing/2010/main" xmlns="">
                 <a:effectLst>
                   <a:outerShdw dist="35921" dir="2700000" algn="ctr" rotWithShape="0">
                     <a:schemeClr val="bg2"/>
@@ -7552,7 +7554,7 @@
           <a:blip r:embed="rId7">
             <a:extLst>
               <a:ext uri="{28A0092B-C50C-407E-A947-70E740481C1C}">
-                <a14:useLocalDpi xmlns:a14="http://schemas.microsoft.com/office/drawing/2010/main" val="0"/>
+                <a14:useLocalDpi xmlns:a14="http://schemas.microsoft.com/office/drawing/2010/main" xmlns="" val="0"/>
               </a:ext>
             </a:extLst>
           </a:blip>
@@ -7576,14 +7578,14 @@
           <a:effectLst/>
           <a:extLst>
             <a:ext uri="{909E8E84-426E-40DD-AFC4-6F175D3DCCD1}">
-              <a14:hiddenFill xmlns:a14="http://schemas.microsoft.com/office/drawing/2010/main">
+              <a14:hiddenFill xmlns:a14="http://schemas.microsoft.com/office/drawing/2010/main" xmlns="">
                 <a:solidFill>
                   <a:schemeClr val="accent1"/>
                 </a:solidFill>
               </a14:hiddenFill>
             </a:ext>
             <a:ext uri="{91240B29-F687-4F45-9708-019B960494DF}">
-              <a14:hiddenLine xmlns:a14="http://schemas.microsoft.com/office/drawing/2010/main" w="9525">
+              <a14:hiddenLine xmlns:a14="http://schemas.microsoft.com/office/drawing/2010/main" xmlns="" w="9525">
                 <a:solidFill>
                   <a:schemeClr val="tx1"/>
                 </a:solidFill>
@@ -7593,7 +7595,7 @@
               </a14:hiddenLine>
             </a:ext>
             <a:ext uri="{AF507438-7753-43E0-B8FC-AC1667EBCBE1}">
-              <a14:hiddenEffects xmlns:a14="http://schemas.microsoft.com/office/drawing/2010/main">
+              <a14:hiddenEffects xmlns:a14="http://schemas.microsoft.com/office/drawing/2010/main" xmlns="">
                 <a:effectLst>
                   <a:outerShdw dist="35921" dir="2700000" algn="ctr" rotWithShape="0">
                     <a:schemeClr val="bg2"/>
@@ -7616,7 +7618,7 @@
           <a:blip r:embed="rId8">
             <a:extLst>
               <a:ext uri="{28A0092B-C50C-407E-A947-70E740481C1C}">
-                <a14:useLocalDpi xmlns:a14="http://schemas.microsoft.com/office/drawing/2010/main" val="0"/>
+                <a14:useLocalDpi xmlns:a14="http://schemas.microsoft.com/office/drawing/2010/main" xmlns="" val="0"/>
               </a:ext>
             </a:extLst>
           </a:blip>
@@ -7640,14 +7642,14 @@
           <a:effectLst/>
           <a:extLst>
             <a:ext uri="{909E8E84-426E-40DD-AFC4-6F175D3DCCD1}">
-              <a14:hiddenFill xmlns:a14="http://schemas.microsoft.com/office/drawing/2010/main">
+              <a14:hiddenFill xmlns:a14="http://schemas.microsoft.com/office/drawing/2010/main" xmlns="">
                 <a:solidFill>
                   <a:schemeClr val="accent1"/>
                 </a:solidFill>
               </a14:hiddenFill>
             </a:ext>
             <a:ext uri="{91240B29-F687-4F45-9708-019B960494DF}">
-              <a14:hiddenLine xmlns:a14="http://schemas.microsoft.com/office/drawing/2010/main" w="9525">
+              <a14:hiddenLine xmlns:a14="http://schemas.microsoft.com/office/drawing/2010/main" xmlns="" w="9525">
                 <a:solidFill>
                   <a:schemeClr val="tx1"/>
                 </a:solidFill>
@@ -7657,7 +7659,7 @@
               </a14:hiddenLine>
             </a:ext>
             <a:ext uri="{AF507438-7753-43E0-B8FC-AC1667EBCBE1}">
-              <a14:hiddenEffects xmlns:a14="http://schemas.microsoft.com/office/drawing/2010/main">
+              <a14:hiddenEffects xmlns:a14="http://schemas.microsoft.com/office/drawing/2010/main" xmlns="">
                 <a:effectLst>
                   <a:outerShdw dist="35921" dir="2700000" algn="ctr" rotWithShape="0">
                     <a:schemeClr val="bg2"/>
@@ -7680,7 +7682,7 @@
           <a:blip r:embed="rId9">
             <a:extLst>
               <a:ext uri="{28A0092B-C50C-407E-A947-70E740481C1C}">
-                <a14:useLocalDpi xmlns:a14="http://schemas.microsoft.com/office/drawing/2010/main" val="0"/>
+                <a14:useLocalDpi xmlns:a14="http://schemas.microsoft.com/office/drawing/2010/main" xmlns="" val="0"/>
               </a:ext>
             </a:extLst>
           </a:blip>
@@ -7704,14 +7706,14 @@
           <a:effectLst/>
           <a:extLst>
             <a:ext uri="{909E8E84-426E-40DD-AFC4-6F175D3DCCD1}">
-              <a14:hiddenFill xmlns:a14="http://schemas.microsoft.com/office/drawing/2010/main">
+              <a14:hiddenFill xmlns:a14="http://schemas.microsoft.com/office/drawing/2010/main" xmlns="">
                 <a:solidFill>
                   <a:schemeClr val="accent1"/>
                 </a:solidFill>
               </a14:hiddenFill>
             </a:ext>
             <a:ext uri="{91240B29-F687-4F45-9708-019B960494DF}">
-              <a14:hiddenLine xmlns:a14="http://schemas.microsoft.com/office/drawing/2010/main" w="9525">
+              <a14:hiddenLine xmlns:a14="http://schemas.microsoft.com/office/drawing/2010/main" xmlns="" w="9525">
                 <a:solidFill>
                   <a:schemeClr val="tx1"/>
                 </a:solidFill>
@@ -7721,7 +7723,7 @@
               </a14:hiddenLine>
             </a:ext>
             <a:ext uri="{AF507438-7753-43E0-B8FC-AC1667EBCBE1}">
-              <a14:hiddenEffects xmlns:a14="http://schemas.microsoft.com/office/drawing/2010/main">
+              <a14:hiddenEffects xmlns:a14="http://schemas.microsoft.com/office/drawing/2010/main" xmlns="">
                 <a:effectLst>
                   <a:outerShdw dist="35921" dir="2700000" algn="ctr" rotWithShape="0">
                     <a:schemeClr val="bg2"/>
@@ -7744,7 +7746,7 @@
           <a:blip r:embed="rId10">
             <a:extLst>
               <a:ext uri="{28A0092B-C50C-407E-A947-70E740481C1C}">
-                <a14:useLocalDpi xmlns:a14="http://schemas.microsoft.com/office/drawing/2010/main" val="0"/>
+                <a14:useLocalDpi xmlns:a14="http://schemas.microsoft.com/office/drawing/2010/main" xmlns="" val="0"/>
               </a:ext>
             </a:extLst>
           </a:blip>
@@ -7768,14 +7770,14 @@
           <a:effectLst/>
           <a:extLst>
             <a:ext uri="{909E8E84-426E-40DD-AFC4-6F175D3DCCD1}">
-              <a14:hiddenFill xmlns:a14="http://schemas.microsoft.com/office/drawing/2010/main">
+              <a14:hiddenFill xmlns:a14="http://schemas.microsoft.com/office/drawing/2010/main" xmlns="">
                 <a:solidFill>
                   <a:schemeClr val="accent1"/>
                 </a:solidFill>
               </a14:hiddenFill>
             </a:ext>
             <a:ext uri="{91240B29-F687-4F45-9708-019B960494DF}">
-              <a14:hiddenLine xmlns:a14="http://schemas.microsoft.com/office/drawing/2010/main" w="9525">
+              <a14:hiddenLine xmlns:a14="http://schemas.microsoft.com/office/drawing/2010/main" xmlns="" w="9525">
                 <a:solidFill>
                   <a:schemeClr val="tx1"/>
                 </a:solidFill>
@@ -7785,7 +7787,7 @@
               </a14:hiddenLine>
             </a:ext>
             <a:ext uri="{AF507438-7753-43E0-B8FC-AC1667EBCBE1}">
-              <a14:hiddenEffects xmlns:a14="http://schemas.microsoft.com/office/drawing/2010/main">
+              <a14:hiddenEffects xmlns:a14="http://schemas.microsoft.com/office/drawing/2010/main" xmlns="">
                 <a:effectLst>
                   <a:outerShdw dist="35921" dir="2700000" algn="ctr" rotWithShape="0">
                     <a:schemeClr val="bg2"/>
@@ -7799,7 +7801,7 @@
     </p:spTree>
     <p:extLst>
       <p:ext uri="{BB962C8B-B14F-4D97-AF65-F5344CB8AC3E}">
-        <p14:creationId xmlns:p14="http://schemas.microsoft.com/office/powerpoint/2010/main" val="916476133"/>
+        <p14:creationId xmlns:p14="http://schemas.microsoft.com/office/powerpoint/2010/main" xmlns="" val="916476133"/>
       </p:ext>
     </p:extLst>
   </p:cSld>
@@ -8833,7 +8835,7 @@
           <a:blip r:embed="rId2">
             <a:extLst>
               <a:ext uri="{28A0092B-C50C-407E-A947-70E740481C1C}">
-                <a14:useLocalDpi xmlns:a14="http://schemas.microsoft.com/office/drawing/2010/main" val="0"/>
+                <a14:useLocalDpi xmlns:a14="http://schemas.microsoft.com/office/drawing/2010/main" xmlns="" val="0"/>
               </a:ext>
             </a:extLst>
           </a:blip>
@@ -8857,14 +8859,14 @@
           <a:effectLst/>
           <a:extLst>
             <a:ext uri="{909E8E84-426E-40DD-AFC4-6F175D3DCCD1}">
-              <a14:hiddenFill xmlns:a14="http://schemas.microsoft.com/office/drawing/2010/main">
+              <a14:hiddenFill xmlns:a14="http://schemas.microsoft.com/office/drawing/2010/main" xmlns="">
                 <a:solidFill>
                   <a:schemeClr val="accent1"/>
                 </a:solidFill>
               </a14:hiddenFill>
             </a:ext>
             <a:ext uri="{91240B29-F687-4F45-9708-019B960494DF}">
-              <a14:hiddenLine xmlns:a14="http://schemas.microsoft.com/office/drawing/2010/main" w="9525">
+              <a14:hiddenLine xmlns:a14="http://schemas.microsoft.com/office/drawing/2010/main" xmlns="" w="9525">
                 <a:solidFill>
                   <a:schemeClr val="tx1"/>
                 </a:solidFill>
@@ -8874,7 +8876,7 @@
               </a14:hiddenLine>
             </a:ext>
             <a:ext uri="{AF507438-7753-43E0-B8FC-AC1667EBCBE1}">
-              <a14:hiddenEffects xmlns:a14="http://schemas.microsoft.com/office/drawing/2010/main">
+              <a14:hiddenEffects xmlns:a14="http://schemas.microsoft.com/office/drawing/2010/main" xmlns="">
                 <a:effectLst>
                   <a:outerShdw dist="35921" dir="2700000" algn="ctr" rotWithShape="0">
                     <a:schemeClr val="bg2"/>
@@ -8888,7 +8890,7 @@
     </p:spTree>
     <p:extLst>
       <p:ext uri="{BB962C8B-B14F-4D97-AF65-F5344CB8AC3E}">
-        <p14:creationId xmlns:p14="http://schemas.microsoft.com/office/powerpoint/2010/main" val="3497105908"/>
+        <p14:creationId xmlns:p14="http://schemas.microsoft.com/office/powerpoint/2010/main" xmlns="" val="3497105908"/>
       </p:ext>
     </p:extLst>
   </p:cSld>
@@ -9487,23 +9489,17 @@
           <a:p>
             <a:pPr lvl="1"/>
             <a:r>
-              <a:rPr lang="en-US" dirty="0"/>
+              <a:rPr lang="en-US" dirty="0" smtClean="0"/>
               <a:t>Encapsulation</a:t>
             </a:r>
           </a:p>
           <a:p>
             <a:pPr lvl="1"/>
             <a:r>
-              <a:rPr lang="en-US" dirty="0"/>
-              <a:t>Abstraction</a:t>
-            </a:r>
-          </a:p>
-          <a:p>
-            <a:pPr lvl="1"/>
-            <a:r>
-              <a:rPr lang="en-US" dirty="0"/>
+              <a:rPr lang="en-US" dirty="0" smtClean="0"/>
               <a:t>Polymorphism</a:t>
             </a:r>
+            <a:endParaRPr lang="en-US" dirty="0"/>
           </a:p>
           <a:p>
             <a:pPr marL="0" indent="0">
@@ -9531,7 +9527,7 @@
     </p:spTree>
     <p:extLst>
       <p:ext uri="{BB962C8B-B14F-4D97-AF65-F5344CB8AC3E}">
-        <p14:creationId xmlns:p14="http://schemas.microsoft.com/office/powerpoint/2010/main" val="3662053098"/>
+        <p14:creationId xmlns:p14="http://schemas.microsoft.com/office/powerpoint/2010/main" xmlns="" val="3662053098"/>
       </p:ext>
     </p:extLst>
   </p:cSld>
@@ -10526,103 +10522,6 @@
                                           <p:spTgt spid="3">
                                             <p:txEl>
                                               <p:pRg st="10" end="10"/>
-                                            </p:txEl>
-                                          </p:spTgt>
-                                        </p:tgtEl>
-                                        <p:attrNameLst>
-                                          <p:attrName>ppt_y</p:attrName>
-                                        </p:attrNameLst>
-                                      </p:cBhvr>
-                                      <p:tavLst>
-                                        <p:tav tm="0">
-                                          <p:val>
-                                            <p:strVal val="#ppt_y+.1"/>
-                                          </p:val>
-                                        </p:tav>
-                                        <p:tav tm="100000">
-                                          <p:val>
-                                            <p:strVal val="#ppt_y"/>
-                                          </p:val>
-                                        </p:tav>
-                                      </p:tavLst>
-                                    </p:anim>
-                                  </p:childTnLst>
-                                </p:cTn>
-                              </p:par>
-                              <p:par>
-                                <p:cTn id="57" presetID="42" presetClass="entr" presetSubtype="0" fill="hold" nodeType="withEffect">
-                                  <p:stCondLst>
-                                    <p:cond delay="0"/>
-                                  </p:stCondLst>
-                                  <p:childTnLst>
-                                    <p:set>
-                                      <p:cBhvr>
-                                        <p:cTn id="58" dur="1" fill="hold">
-                                          <p:stCondLst>
-                                            <p:cond delay="0"/>
-                                          </p:stCondLst>
-                                        </p:cTn>
-                                        <p:tgtEl>
-                                          <p:spTgt spid="3">
-                                            <p:txEl>
-                                              <p:pRg st="11" end="11"/>
-                                            </p:txEl>
-                                          </p:spTgt>
-                                        </p:tgtEl>
-                                        <p:attrNameLst>
-                                          <p:attrName>style.visibility</p:attrName>
-                                        </p:attrNameLst>
-                                      </p:cBhvr>
-                                      <p:to>
-                                        <p:strVal val="visible"/>
-                                      </p:to>
-                                    </p:set>
-                                    <p:animEffect transition="in" filter="fade">
-                                      <p:cBhvr>
-                                        <p:cTn id="59" dur="1000"/>
-                                        <p:tgtEl>
-                                          <p:spTgt spid="3">
-                                            <p:txEl>
-                                              <p:pRg st="11" end="11"/>
-                                            </p:txEl>
-                                          </p:spTgt>
-                                        </p:tgtEl>
-                                      </p:cBhvr>
-                                    </p:animEffect>
-                                    <p:anim calcmode="lin" valueType="num">
-                                      <p:cBhvr>
-                                        <p:cTn id="60" dur="1000" fill="hold"/>
-                                        <p:tgtEl>
-                                          <p:spTgt spid="3">
-                                            <p:txEl>
-                                              <p:pRg st="11" end="11"/>
-                                            </p:txEl>
-                                          </p:spTgt>
-                                        </p:tgtEl>
-                                        <p:attrNameLst>
-                                          <p:attrName>ppt_x</p:attrName>
-                                        </p:attrNameLst>
-                                      </p:cBhvr>
-                                      <p:tavLst>
-                                        <p:tav tm="0">
-                                          <p:val>
-                                            <p:strVal val="#ppt_x"/>
-                                          </p:val>
-                                        </p:tav>
-                                        <p:tav tm="100000">
-                                          <p:val>
-                                            <p:strVal val="#ppt_x"/>
-                                          </p:val>
-                                        </p:tav>
-                                      </p:tavLst>
-                                    </p:anim>
-                                    <p:anim calcmode="lin" valueType="num">
-                                      <p:cBhvr>
-                                        <p:cTn id="61" dur="1000" fill="hold"/>
-                                        <p:tgtEl>
-                                          <p:spTgt spid="3">
-                                            <p:txEl>
-                                              <p:pRg st="11" end="11"/>
                                             </p:txEl>
                                           </p:spTgt>
                                         </p:tgtEl>
@@ -10805,7 +10704,7 @@
           <a:blip r:embed="rId2">
             <a:extLst>
               <a:ext uri="{28A0092B-C50C-407E-A947-70E740481C1C}">
-                <a14:useLocalDpi xmlns:a14="http://schemas.microsoft.com/office/drawing/2010/main" val="0"/>
+                <a14:useLocalDpi xmlns:a14="http://schemas.microsoft.com/office/drawing/2010/main" xmlns="" val="0"/>
               </a:ext>
             </a:extLst>
           </a:blip>
@@ -10829,14 +10728,14 @@
           <a:effectLst/>
           <a:extLst>
             <a:ext uri="{909E8E84-426E-40DD-AFC4-6F175D3DCCD1}">
-              <a14:hiddenFill xmlns:a14="http://schemas.microsoft.com/office/drawing/2010/main">
+              <a14:hiddenFill xmlns:a14="http://schemas.microsoft.com/office/drawing/2010/main" xmlns="">
                 <a:solidFill>
                   <a:schemeClr val="accent1"/>
                 </a:solidFill>
               </a14:hiddenFill>
             </a:ext>
             <a:ext uri="{91240B29-F687-4F45-9708-019B960494DF}">
-              <a14:hiddenLine xmlns:a14="http://schemas.microsoft.com/office/drawing/2010/main" w="9525">
+              <a14:hiddenLine xmlns:a14="http://schemas.microsoft.com/office/drawing/2010/main" xmlns="" w="9525">
                 <a:solidFill>
                   <a:schemeClr val="tx1"/>
                 </a:solidFill>
@@ -10846,7 +10745,7 @@
               </a14:hiddenLine>
             </a:ext>
             <a:ext uri="{AF507438-7753-43E0-B8FC-AC1667EBCBE1}">
-              <a14:hiddenEffects xmlns:a14="http://schemas.microsoft.com/office/drawing/2010/main">
+              <a14:hiddenEffects xmlns:a14="http://schemas.microsoft.com/office/drawing/2010/main" xmlns="">
                 <a:effectLst>
                   <a:outerShdw dist="35921" dir="2700000" algn="ctr" rotWithShape="0">
                     <a:schemeClr val="bg2"/>
@@ -10860,7 +10759,7 @@
     </p:spTree>
     <p:extLst>
       <p:ext uri="{BB962C8B-B14F-4D97-AF65-F5344CB8AC3E}">
-        <p14:creationId xmlns:p14="http://schemas.microsoft.com/office/powerpoint/2010/main" val="2146861341"/>
+        <p14:creationId xmlns:p14="http://schemas.microsoft.com/office/powerpoint/2010/main" xmlns="" val="2146861341"/>
       </p:ext>
     </p:extLst>
   </p:cSld>
@@ -11453,7 +11352,7 @@
           <a:blip r:embed="rId2">
             <a:extLst>
               <a:ext uri="{28A0092B-C50C-407E-A947-70E740481C1C}">
-                <a14:useLocalDpi xmlns:a14="http://schemas.microsoft.com/office/drawing/2010/main" val="0"/>
+                <a14:useLocalDpi xmlns:a14="http://schemas.microsoft.com/office/drawing/2010/main" xmlns="" val="0"/>
               </a:ext>
             </a:extLst>
           </a:blip>
@@ -11477,14 +11376,14 @@
           <a:effectLst/>
           <a:extLst>
             <a:ext uri="{909E8E84-426E-40DD-AFC4-6F175D3DCCD1}">
-              <a14:hiddenFill xmlns:a14="http://schemas.microsoft.com/office/drawing/2010/main">
+              <a14:hiddenFill xmlns:a14="http://schemas.microsoft.com/office/drawing/2010/main" xmlns="">
                 <a:solidFill>
                   <a:schemeClr val="accent1"/>
                 </a:solidFill>
               </a14:hiddenFill>
             </a:ext>
             <a:ext uri="{91240B29-F687-4F45-9708-019B960494DF}">
-              <a14:hiddenLine xmlns:a14="http://schemas.microsoft.com/office/drawing/2010/main" w="9525">
+              <a14:hiddenLine xmlns:a14="http://schemas.microsoft.com/office/drawing/2010/main" xmlns="" w="9525">
                 <a:solidFill>
                   <a:schemeClr val="tx1"/>
                 </a:solidFill>
@@ -11494,7 +11393,7 @@
               </a14:hiddenLine>
             </a:ext>
             <a:ext uri="{AF507438-7753-43E0-B8FC-AC1667EBCBE1}">
-              <a14:hiddenEffects xmlns:a14="http://schemas.microsoft.com/office/drawing/2010/main">
+              <a14:hiddenEffects xmlns:a14="http://schemas.microsoft.com/office/drawing/2010/main" xmlns="">
                 <a:effectLst>
                   <a:outerShdw dist="35921" dir="2700000" algn="ctr" rotWithShape="0">
                     <a:schemeClr val="bg2"/>
@@ -11508,7 +11407,7 @@
     </p:spTree>
     <p:extLst>
       <p:ext uri="{BB962C8B-B14F-4D97-AF65-F5344CB8AC3E}">
-        <p14:creationId xmlns:p14="http://schemas.microsoft.com/office/powerpoint/2010/main" val="2073819341"/>
+        <p14:creationId xmlns:p14="http://schemas.microsoft.com/office/powerpoint/2010/main" xmlns="" val="2073819341"/>
       </p:ext>
     </p:extLst>
   </p:cSld>
@@ -12096,7 +11995,7 @@
     </p:spTree>
     <p:extLst>
       <p:ext uri="{BB962C8B-B14F-4D97-AF65-F5344CB8AC3E}">
-        <p14:creationId xmlns:p14="http://schemas.microsoft.com/office/powerpoint/2010/main" val="2270295392"/>
+        <p14:creationId xmlns:p14="http://schemas.microsoft.com/office/powerpoint/2010/main" xmlns="" val="2270295392"/>
       </p:ext>
     </p:extLst>
   </p:cSld>
@@ -12242,7 +12141,7 @@
           <a:blip r:embed="rId2">
             <a:extLst>
               <a:ext uri="{28A0092B-C50C-407E-A947-70E740481C1C}">
-                <a14:useLocalDpi xmlns:a14="http://schemas.microsoft.com/office/drawing/2010/main" val="0"/>
+                <a14:useLocalDpi xmlns:a14="http://schemas.microsoft.com/office/drawing/2010/main" xmlns="" val="0"/>
               </a:ext>
             </a:extLst>
           </a:blip>
@@ -12266,14 +12165,14 @@
           <a:effectLst/>
           <a:extLst>
             <a:ext uri="{909E8E84-426E-40DD-AFC4-6F175D3DCCD1}">
-              <a14:hiddenFill xmlns:a14="http://schemas.microsoft.com/office/drawing/2010/main">
+              <a14:hiddenFill xmlns:a14="http://schemas.microsoft.com/office/drawing/2010/main" xmlns="">
                 <a:solidFill>
                   <a:schemeClr val="accent1"/>
                 </a:solidFill>
               </a14:hiddenFill>
             </a:ext>
             <a:ext uri="{91240B29-F687-4F45-9708-019B960494DF}">
-              <a14:hiddenLine xmlns:a14="http://schemas.microsoft.com/office/drawing/2010/main" w="9525">
+              <a14:hiddenLine xmlns:a14="http://schemas.microsoft.com/office/drawing/2010/main" xmlns="" w="9525">
                 <a:solidFill>
                   <a:schemeClr val="tx1"/>
                 </a:solidFill>
@@ -12283,7 +12182,7 @@
               </a14:hiddenLine>
             </a:ext>
             <a:ext uri="{AF507438-7753-43E0-B8FC-AC1667EBCBE1}">
-              <a14:hiddenEffects xmlns:a14="http://schemas.microsoft.com/office/drawing/2010/main">
+              <a14:hiddenEffects xmlns:a14="http://schemas.microsoft.com/office/drawing/2010/main" xmlns="">
                 <a:effectLst>
                   <a:outerShdw dist="35921" dir="2700000" algn="ctr" rotWithShape="0">
                     <a:schemeClr val="bg2"/>
@@ -12297,7 +12196,7 @@
     </p:spTree>
     <p:extLst>
       <p:ext uri="{BB962C8B-B14F-4D97-AF65-F5344CB8AC3E}">
-        <p14:creationId xmlns:p14="http://schemas.microsoft.com/office/powerpoint/2010/main" val="2156813022"/>
+        <p14:creationId xmlns:p14="http://schemas.microsoft.com/office/powerpoint/2010/main" xmlns="" val="2156813022"/>
       </p:ext>
     </p:extLst>
   </p:cSld>
@@ -12876,7 +12775,7 @@
     </p:spTree>
     <p:extLst>
       <p:ext uri="{BB962C8B-B14F-4D97-AF65-F5344CB8AC3E}">
-        <p14:creationId xmlns:p14="http://schemas.microsoft.com/office/powerpoint/2010/main" val="3542530487"/>
+        <p14:creationId xmlns:p14="http://schemas.microsoft.com/office/powerpoint/2010/main" xmlns="" val="3542530487"/>
       </p:ext>
     </p:extLst>
   </p:cSld>
@@ -13351,7 +13250,7 @@
           <a:blip r:embed="rId2">
             <a:extLst>
               <a:ext uri="{28A0092B-C50C-407E-A947-70E740481C1C}">
-                <a14:useLocalDpi xmlns:a14="http://schemas.microsoft.com/office/drawing/2010/main" val="0"/>
+                <a14:useLocalDpi xmlns:a14="http://schemas.microsoft.com/office/drawing/2010/main" xmlns="" val="0"/>
               </a:ext>
             </a:extLst>
           </a:blip>
@@ -13375,14 +13274,14 @@
           <a:effectLst/>
           <a:extLst>
             <a:ext uri="{909E8E84-426E-40DD-AFC4-6F175D3DCCD1}">
-              <a14:hiddenFill xmlns:a14="http://schemas.microsoft.com/office/drawing/2010/main">
+              <a14:hiddenFill xmlns:a14="http://schemas.microsoft.com/office/drawing/2010/main" xmlns="">
                 <a:solidFill>
                   <a:schemeClr val="accent1"/>
                 </a:solidFill>
               </a14:hiddenFill>
             </a:ext>
             <a:ext uri="{91240B29-F687-4F45-9708-019B960494DF}">
-              <a14:hiddenLine xmlns:a14="http://schemas.microsoft.com/office/drawing/2010/main" w="9525">
+              <a14:hiddenLine xmlns:a14="http://schemas.microsoft.com/office/drawing/2010/main" xmlns="" w="9525">
                 <a:solidFill>
                   <a:schemeClr val="tx1"/>
                 </a:solidFill>
@@ -13392,7 +13291,7 @@
               </a14:hiddenLine>
             </a:ext>
             <a:ext uri="{AF507438-7753-43E0-B8FC-AC1667EBCBE1}">
-              <a14:hiddenEffects xmlns:a14="http://schemas.microsoft.com/office/drawing/2010/main">
+              <a14:hiddenEffects xmlns:a14="http://schemas.microsoft.com/office/drawing/2010/main" xmlns="">
                 <a:effectLst>
                   <a:outerShdw dist="35921" dir="2700000" algn="ctr" rotWithShape="0">
                     <a:schemeClr val="bg2"/>
@@ -13406,7 +13305,7 @@
     </p:spTree>
     <p:extLst>
       <p:ext uri="{BB962C8B-B14F-4D97-AF65-F5344CB8AC3E}">
-        <p14:creationId xmlns:p14="http://schemas.microsoft.com/office/powerpoint/2010/main" val="3949431119"/>
+        <p14:creationId xmlns:p14="http://schemas.microsoft.com/office/powerpoint/2010/main" xmlns="" val="3949431119"/>
       </p:ext>
     </p:extLst>
   </p:cSld>
@@ -13772,7 +13671,7 @@
     </p:spTree>
     <p:extLst>
       <p:ext uri="{BB962C8B-B14F-4D97-AF65-F5344CB8AC3E}">
-        <p14:creationId xmlns:p14="http://schemas.microsoft.com/office/powerpoint/2010/main" val="3968291342"/>
+        <p14:creationId xmlns:p14="http://schemas.microsoft.com/office/powerpoint/2010/main" xmlns="" val="3968291342"/>
       </p:ext>
     </p:extLst>
   </p:cSld>
@@ -14362,7 +14261,7 @@
           <a:blip r:embed="rId2">
             <a:extLst>
               <a:ext uri="{28A0092B-C50C-407E-A947-70E740481C1C}">
-                <a14:useLocalDpi xmlns:a14="http://schemas.microsoft.com/office/drawing/2010/main" val="0"/>
+                <a14:useLocalDpi xmlns:a14="http://schemas.microsoft.com/office/drawing/2010/main" xmlns="" val="0"/>
               </a:ext>
             </a:extLst>
           </a:blip>
@@ -14386,14 +14285,14 @@
           <a:effectLst/>
           <a:extLst>
             <a:ext uri="{909E8E84-426E-40DD-AFC4-6F175D3DCCD1}">
-              <a14:hiddenFill xmlns:a14="http://schemas.microsoft.com/office/drawing/2010/main">
+              <a14:hiddenFill xmlns:a14="http://schemas.microsoft.com/office/drawing/2010/main" xmlns="">
                 <a:solidFill>
                   <a:schemeClr val="accent1"/>
                 </a:solidFill>
               </a14:hiddenFill>
             </a:ext>
             <a:ext uri="{91240B29-F687-4F45-9708-019B960494DF}">
-              <a14:hiddenLine xmlns:a14="http://schemas.microsoft.com/office/drawing/2010/main" w="9525">
+              <a14:hiddenLine xmlns:a14="http://schemas.microsoft.com/office/drawing/2010/main" xmlns="" w="9525">
                 <a:solidFill>
                   <a:schemeClr val="tx1"/>
                 </a:solidFill>
@@ -14403,7 +14302,7 @@
               </a14:hiddenLine>
             </a:ext>
             <a:ext uri="{AF507438-7753-43E0-B8FC-AC1667EBCBE1}">
-              <a14:hiddenEffects xmlns:a14="http://schemas.microsoft.com/office/drawing/2010/main">
+              <a14:hiddenEffects xmlns:a14="http://schemas.microsoft.com/office/drawing/2010/main" xmlns="">
                 <a:effectLst>
                   <a:outerShdw dist="35921" dir="2700000" algn="ctr" rotWithShape="0">
                     <a:schemeClr val="bg2"/>
@@ -14417,7 +14316,7 @@
     </p:spTree>
     <p:extLst>
       <p:ext uri="{BB962C8B-B14F-4D97-AF65-F5344CB8AC3E}">
-        <p14:creationId xmlns:p14="http://schemas.microsoft.com/office/powerpoint/2010/main" val="2406160584"/>
+        <p14:creationId xmlns:p14="http://schemas.microsoft.com/office/powerpoint/2010/main" xmlns="" val="2406160584"/>
       </p:ext>
     </p:extLst>
   </p:cSld>
@@ -14744,7 +14643,7 @@
     </p:spTree>
     <p:extLst>
       <p:ext uri="{BB962C8B-B14F-4D97-AF65-F5344CB8AC3E}">
-        <p14:creationId xmlns:p14="http://schemas.microsoft.com/office/powerpoint/2010/main" val="2022823055"/>
+        <p14:creationId xmlns:p14="http://schemas.microsoft.com/office/powerpoint/2010/main" xmlns="" val="2022823055"/>
       </p:ext>
     </p:extLst>
   </p:cSld>
@@ -15108,7 +15007,7 @@
           <a:blip r:embed="rId2">
             <a:extLst>
               <a:ext uri="{28A0092B-C50C-407E-A947-70E740481C1C}">
-                <a14:useLocalDpi xmlns:a14="http://schemas.microsoft.com/office/drawing/2010/main" val="0"/>
+                <a14:useLocalDpi xmlns:a14="http://schemas.microsoft.com/office/drawing/2010/main" xmlns="" val="0"/>
               </a:ext>
             </a:extLst>
           </a:blip>
@@ -15132,14 +15031,14 @@
           <a:effectLst/>
           <a:extLst>
             <a:ext uri="{909E8E84-426E-40DD-AFC4-6F175D3DCCD1}">
-              <a14:hiddenFill xmlns:a14="http://schemas.microsoft.com/office/drawing/2010/main">
+              <a14:hiddenFill xmlns:a14="http://schemas.microsoft.com/office/drawing/2010/main" xmlns="">
                 <a:solidFill>
                   <a:schemeClr val="accent1"/>
                 </a:solidFill>
               </a14:hiddenFill>
             </a:ext>
             <a:ext uri="{91240B29-F687-4F45-9708-019B960494DF}">
-              <a14:hiddenLine xmlns:a14="http://schemas.microsoft.com/office/drawing/2010/main" w="9525">
+              <a14:hiddenLine xmlns:a14="http://schemas.microsoft.com/office/drawing/2010/main" xmlns="" w="9525">
                 <a:solidFill>
                   <a:schemeClr val="tx1"/>
                 </a:solidFill>
@@ -15149,7 +15048,7 @@
               </a14:hiddenLine>
             </a:ext>
             <a:ext uri="{AF507438-7753-43E0-B8FC-AC1667EBCBE1}">
-              <a14:hiddenEffects xmlns:a14="http://schemas.microsoft.com/office/drawing/2010/main">
+              <a14:hiddenEffects xmlns:a14="http://schemas.microsoft.com/office/drawing/2010/main" xmlns="">
                 <a:effectLst>
                   <a:outerShdw dist="35921" dir="2700000" algn="ctr" rotWithShape="0">
                     <a:schemeClr val="bg2"/>
@@ -15163,7 +15062,7 @@
     </p:spTree>
     <p:extLst>
       <p:ext uri="{BB962C8B-B14F-4D97-AF65-F5344CB8AC3E}">
-        <p14:creationId xmlns:p14="http://schemas.microsoft.com/office/powerpoint/2010/main" val="4028902749"/>
+        <p14:creationId xmlns:p14="http://schemas.microsoft.com/office/powerpoint/2010/main" xmlns="" val="4028902749"/>
       </p:ext>
     </p:extLst>
   </p:cSld>
@@ -15672,7 +15571,7 @@
     </p:spTree>
     <p:extLst>
       <p:ext uri="{BB962C8B-B14F-4D97-AF65-F5344CB8AC3E}">
-        <p14:creationId xmlns:p14="http://schemas.microsoft.com/office/powerpoint/2010/main" val="4066038895"/>
+        <p14:creationId xmlns:p14="http://schemas.microsoft.com/office/powerpoint/2010/main" xmlns="" val="4066038895"/>
       </p:ext>
     </p:extLst>
   </p:cSld>
@@ -16317,49 +16216,117 @@
               <a:buNone/>
             </a:pPr>
             <a:r>
+              <a:rPr lang="en-US" b="1" dirty="0" smtClean="0"/>
+              <a:t>Polymorphism</a:t>
+            </a:r>
+            <a:r>
               <a:rPr lang="en-US" b="1" dirty="0"/>
-              <a:t>Abstraction:</a:t>
+              <a:t>:</a:t>
             </a:r>
           </a:p>
           <a:p>
             <a:r>
               <a:rPr lang="en-US" dirty="0"/>
-              <a:t>Abstraction is a mechanism that permits modeling the current part of the working problem. </a:t>
-            </a:r>
-            <a:endParaRPr lang="en-US" dirty="0" smtClean="0"/>
-          </a:p>
-          <a:p>
+              <a:t>Just like all methods and properties are defined inside the prototype property, different classes can define methods </a:t>
+            </a:r>
             <a:r>
               <a:rPr lang="en-US" dirty="0" smtClean="0"/>
-              <a:t>This </a:t>
+              <a:t>with </a:t>
             </a:r>
             <a:r>
               <a:rPr lang="en-US" dirty="0"/>
-              <a:t>can be achieved by inheritance (specialization), or composition. </a:t>
-            </a:r>
-            <a:endParaRPr lang="en-US" dirty="0" smtClean="0"/>
-          </a:p>
-          <a:p>
+              <a:t>the same </a:t>
+            </a:r>
             <a:r>
               <a:rPr lang="en-US" dirty="0" smtClean="0"/>
-              <a:t>JavaScript </a:t>
-            </a:r>
-            <a:r>
-              <a:rPr lang="en-US" dirty="0"/>
-              <a:t>achieves specialization by inheritance, and composition by letting instances of classes is the values of attributes of other objects</a:t>
-            </a:r>
+              <a:t>name.</a:t>
+            </a:r>
+          </a:p>
+          <a:p>
+            <a:pPr marL="0" indent="0">
+              <a:buNone/>
+            </a:pPr>
             <a:r>
               <a:rPr lang="en-US" dirty="0" smtClean="0"/>
-              <a:t>.</a:t>
-            </a:r>
+              <a:t>Ex:</a:t>
+            </a:r>
+          </a:p>
+          <a:p>
+            <a:pPr marL="0" indent="0">
+              <a:buNone/>
+            </a:pPr>
             <a:endParaRPr lang="en-US" dirty="0"/>
           </a:p>
         </p:txBody>
       </p:sp>
+      <p:pic>
+        <p:nvPicPr>
+          <p:cNvPr id="1026" name="Picture 2"/>
+          <p:cNvPicPr>
+            <a:picLocks noChangeAspect="1" noChangeArrowheads="1"/>
+          </p:cNvPicPr>
+          <p:nvPr/>
+        </p:nvPicPr>
+        <p:blipFill>
+          <a:blip r:embed="rId2">
+            <a:extLst>
+              <a:ext uri="{28A0092B-C50C-407E-A947-70E740481C1C}">
+                <a14:useLocalDpi xmlns:a14="http://schemas.microsoft.com/office/drawing/2010/main" xmlns="" val="0"/>
+              </a:ext>
+            </a:extLst>
+          </a:blip>
+          <a:srcRect/>
+          <a:stretch>
+            <a:fillRect/>
+          </a:stretch>
+        </p:blipFill>
+        <p:spPr bwMode="auto">
+          <a:xfrm>
+            <a:off x="1295400" y="3886200"/>
+            <a:ext cx="4638675" cy="1857375"/>
+          </a:xfrm>
+          <a:prstGeom prst="rect">
+            <a:avLst/>
+          </a:prstGeom>
+          <a:noFill/>
+          <a:ln>
+            <a:noFill/>
+          </a:ln>
+          <a:effectLst/>
+          <a:extLst>
+            <a:ext uri="{909E8E84-426E-40DD-AFC4-6F175D3DCCD1}">
+              <a14:hiddenFill xmlns:a14="http://schemas.microsoft.com/office/drawing/2010/main" xmlns="">
+                <a:solidFill>
+                  <a:schemeClr val="accent1"/>
+                </a:solidFill>
+              </a14:hiddenFill>
+            </a:ext>
+            <a:ext uri="{91240B29-F687-4F45-9708-019B960494DF}">
+              <a14:hiddenLine xmlns:a14="http://schemas.microsoft.com/office/drawing/2010/main" xmlns="" w="9525">
+                <a:solidFill>
+                  <a:schemeClr val="tx1"/>
+                </a:solidFill>
+                <a:miter lim="800000"/>
+                <a:headEnd/>
+                <a:tailEnd/>
+              </a14:hiddenLine>
+            </a:ext>
+            <a:ext uri="{AF507438-7753-43E0-B8FC-AC1667EBCBE1}">
+              <a14:hiddenEffects xmlns:a14="http://schemas.microsoft.com/office/drawing/2010/main" xmlns="">
+                <a:effectLst>
+                  <a:outerShdw dist="35921" dir="2700000" algn="ctr" rotWithShape="0">
+                    <a:schemeClr val="bg2"/>
+                  </a:outerShdw>
+                </a:effectLst>
+              </a14:hiddenEffects>
+            </a:ext>
+          </a:extLst>
+        </p:spPr>
+      </p:pic>
     </p:spTree>
     <p:extLst>
       <p:ext uri="{BB962C8B-B14F-4D97-AF65-F5344CB8AC3E}">
-        <p14:creationId xmlns:p14="http://schemas.microsoft.com/office/powerpoint/2010/main" val="2301373163"/>
+        <p14:creationId xmlns:p14="http://schemas.microsoft.com/office/powerpoint/2010/main" xmlns="" val="1550641786"/>
       </p:ext>
     </p:extLst>
   </p:cSld>
@@ -16486,33 +16453,15 @@
                                   </p:childTnLst>
                                 </p:cTn>
                               </p:par>
-                            </p:childTnLst>
-                          </p:cTn>
-                        </p:par>
-                      </p:childTnLst>
-                    </p:cTn>
-                  </p:par>
-                  <p:par>
-                    <p:cTn id="10" fill="hold">
-                      <p:stCondLst>
-                        <p:cond delay="indefinite"/>
-                      </p:stCondLst>
-                      <p:childTnLst>
-                        <p:par>
-                          <p:cTn id="11" fill="hold">
-                            <p:stCondLst>
-                              <p:cond delay="0"/>
-                            </p:stCondLst>
-                            <p:childTnLst>
                               <p:par>
-                                <p:cTn id="12" presetID="42" presetClass="entr" presetSubtype="0" fill="hold" nodeType="clickEffect">
+                                <p:cTn id="10" presetID="42" presetClass="entr" presetSubtype="0" fill="hold" nodeType="withEffect">
                                   <p:stCondLst>
                                     <p:cond delay="0"/>
                                   </p:stCondLst>
                                   <p:childTnLst>
                                     <p:set>
                                       <p:cBhvr>
-                                        <p:cTn id="13" dur="1" fill="hold">
+                                        <p:cTn id="11" dur="1" fill="hold">
                                           <p:stCondLst>
                                             <p:cond delay="0"/>
                                           </p:stCondLst>
@@ -16534,7 +16483,7 @@
                                     </p:set>
                                     <p:animEffect transition="in" filter="fade">
                                       <p:cBhvr>
-                                        <p:cTn id="14" dur="1000"/>
+                                        <p:cTn id="12" dur="1000"/>
                                         <p:tgtEl>
                                           <p:spTgt spid="3">
                                             <p:txEl>
@@ -16546,7 +16495,7 @@
                                     </p:animEffect>
                                     <p:anim calcmode="lin" valueType="num">
                                       <p:cBhvr>
-                                        <p:cTn id="15" dur="1000" fill="hold"/>
+                                        <p:cTn id="13" dur="1000" fill="hold"/>
                                         <p:tgtEl>
                                           <p:spTgt spid="3">
                                             <p:txEl>
@@ -16573,7 +16522,7 @@
                                     </p:anim>
                                     <p:anim calcmode="lin" valueType="num">
                                       <p:cBhvr>
-                                        <p:cTn id="16" dur="1000" fill="hold"/>
+                                        <p:cTn id="14" dur="1000" fill="hold"/>
                                         <p:tgtEl>
                                           <p:spTgt spid="3">
                                             <p:txEl>
@@ -16608,26 +16557,26 @@
                     </p:cTn>
                   </p:par>
                   <p:par>
-                    <p:cTn id="17" fill="hold">
+                    <p:cTn id="15" fill="hold">
                       <p:stCondLst>
                         <p:cond delay="indefinite"/>
                       </p:stCondLst>
                       <p:childTnLst>
                         <p:par>
-                          <p:cTn id="18" fill="hold">
+                          <p:cTn id="16" fill="hold">
                             <p:stCondLst>
                               <p:cond delay="0"/>
                             </p:stCondLst>
                             <p:childTnLst>
                               <p:par>
-                                <p:cTn id="19" presetID="42" presetClass="entr" presetSubtype="0" fill="hold" nodeType="clickEffect">
+                                <p:cTn id="17" presetID="42" presetClass="entr" presetSubtype="0" fill="hold" nodeType="clickEffect">
                                   <p:stCondLst>
                                     <p:cond delay="0"/>
                                   </p:stCondLst>
                                   <p:childTnLst>
                                     <p:set>
                                       <p:cBhvr>
-                                        <p:cTn id="20" dur="1" fill="hold">
+                                        <p:cTn id="18" dur="1" fill="hold">
                                           <p:stCondLst>
                                             <p:cond delay="0"/>
                                           </p:stCondLst>
@@ -16649,7 +16598,7 @@
                                     </p:set>
                                     <p:animEffect transition="in" filter="fade">
                                       <p:cBhvr>
-                                        <p:cTn id="21" dur="1000"/>
+                                        <p:cTn id="19" dur="1000"/>
                                         <p:tgtEl>
                                           <p:spTgt spid="3">
                                             <p:txEl>
@@ -16661,7 +16610,7 @@
                                     </p:animEffect>
                                     <p:anim calcmode="lin" valueType="num">
                                       <p:cBhvr>
-                                        <p:cTn id="22" dur="1000" fill="hold"/>
+                                        <p:cTn id="20" dur="1000" fill="hold"/>
                                         <p:tgtEl>
                                           <p:spTgt spid="3">
                                             <p:txEl>
@@ -16688,7 +16637,7 @@
                                     </p:anim>
                                     <p:anim calcmode="lin" valueType="num">
                                       <p:cBhvr>
-                                        <p:cTn id="23" dur="1000" fill="hold"/>
+                                        <p:cTn id="21" dur="1000" fill="hold"/>
                                         <p:tgtEl>
                                           <p:spTgt spid="3">
                                             <p:txEl>
@@ -16716,43 +16665,21 @@
                                   </p:childTnLst>
                                 </p:cTn>
                               </p:par>
-                            </p:childTnLst>
-                          </p:cTn>
-                        </p:par>
-                      </p:childTnLst>
-                    </p:cTn>
-                  </p:par>
-                  <p:par>
-                    <p:cTn id="24" fill="hold">
-                      <p:stCondLst>
-                        <p:cond delay="indefinite"/>
-                      </p:stCondLst>
-                      <p:childTnLst>
-                        <p:par>
-                          <p:cTn id="25" fill="hold">
-                            <p:stCondLst>
-                              <p:cond delay="0"/>
-                            </p:stCondLst>
-                            <p:childTnLst>
                               <p:par>
-                                <p:cTn id="26" presetID="42" presetClass="entr" presetSubtype="0" fill="hold" nodeType="clickEffect">
+                                <p:cTn id="22" presetID="42" presetClass="entr" presetSubtype="0" fill="hold" nodeType="withEffect">
                                   <p:stCondLst>
                                     <p:cond delay="0"/>
                                   </p:stCondLst>
                                   <p:childTnLst>
                                     <p:set>
                                       <p:cBhvr>
-                                        <p:cTn id="27" dur="1" fill="hold">
+                                        <p:cTn id="23" dur="1" fill="hold">
                                           <p:stCondLst>
                                             <p:cond delay="0"/>
                                           </p:stCondLst>
                                         </p:cTn>
                                         <p:tgtEl>
-                                          <p:spTgt spid="3">
-                                            <p:txEl>
-                                              <p:pRg st="3" end="3"/>
-                                            </p:txEl>
-                                          </p:spTgt>
+                                          <p:spTgt spid="1026"/>
                                         </p:tgtEl>
                                         <p:attrNameLst>
                                           <p:attrName>style.visibility</p:attrName>
@@ -16764,25 +16691,17 @@
                                     </p:set>
                                     <p:animEffect transition="in" filter="fade">
                                       <p:cBhvr>
-                                        <p:cTn id="28" dur="1000"/>
-                                        <p:tgtEl>
-                                          <p:spTgt spid="3">
-                                            <p:txEl>
-                                              <p:pRg st="3" end="3"/>
-                                            </p:txEl>
-                                          </p:spTgt>
+                                        <p:cTn id="24" dur="1000"/>
+                                        <p:tgtEl>
+                                          <p:spTgt spid="1026"/>
                                         </p:tgtEl>
                                       </p:cBhvr>
                                     </p:animEffect>
                                     <p:anim calcmode="lin" valueType="num">
                                       <p:cBhvr>
-                                        <p:cTn id="29" dur="1000" fill="hold"/>
-                                        <p:tgtEl>
-                                          <p:spTgt spid="3">
-                                            <p:txEl>
-                                              <p:pRg st="3" end="3"/>
-                                            </p:txEl>
-                                          </p:spTgt>
+                                        <p:cTn id="25" dur="1000" fill="hold"/>
+                                        <p:tgtEl>
+                                          <p:spTgt spid="1026"/>
                                         </p:tgtEl>
                                         <p:attrNameLst>
                                           <p:attrName>ppt_x</p:attrName>
@@ -16803,13 +16722,9 @@
                                     </p:anim>
                                     <p:anim calcmode="lin" valueType="num">
                                       <p:cBhvr>
-                                        <p:cTn id="30" dur="1000" fill="hold"/>
-                                        <p:tgtEl>
-                                          <p:spTgt spid="3">
-                                            <p:txEl>
-                                              <p:pRg st="3" end="3"/>
-                                            </p:txEl>
-                                          </p:spTgt>
+                                        <p:cTn id="26" dur="1000" fill="hold"/>
+                                        <p:tgtEl>
+                                          <p:spTgt spid="1026"/>
                                         </p:tgtEl>
                                         <p:attrNameLst>
                                           <p:attrName>ppt_y</p:attrName>
@@ -16896,9 +16811,10 @@
           </a:bodyPr>
           <a:lstStyle/>
           <a:p>
+            <a:pPr lvl="0"/>
             <a:r>
               <a:rPr lang="en-IN" dirty="0"/>
-              <a:t>OOPs in JavaScript</a:t>
+              <a:t>Module Pattern</a:t>
             </a:r>
             <a:endParaRPr lang="en-US" dirty="0"/>
           </a:p>
@@ -16917,125 +16833,70 @@
         <p:spPr/>
         <p:txBody>
           <a:bodyPr>
-            <a:normAutofit/>
+            <a:normAutofit lnSpcReduction="10000"/>
           </a:bodyPr>
           <a:lstStyle/>
           <a:p>
-            <a:pPr marL="0" indent="0">
-              <a:buNone/>
-            </a:pPr>
-            <a:r>
-              <a:rPr lang="en-US" b="1" dirty="0" smtClean="0"/>
-              <a:t>Polymorphism</a:t>
-            </a:r>
-            <a:r>
-              <a:rPr lang="en-US" b="1" dirty="0"/>
-              <a:t>:</a:t>
-            </a:r>
-          </a:p>
-          <a:p>
+            <a:r>
+              <a:rPr lang="en-US" dirty="0" smtClean="0"/>
+              <a:t>Modules </a:t>
+            </a:r>
             <a:r>
               <a:rPr lang="en-US" dirty="0"/>
-              <a:t>Just like all methods and properties are defined inside the prototype property, different classes can define methods </a:t>
+              <a:t>are an integral part of any robust application's architecture and typically help in keeping the units of code for a project both cleanly separated and </a:t>
             </a:r>
             <a:r>
               <a:rPr lang="en-US" dirty="0" smtClean="0"/>
-              <a:t>with </a:t>
-            </a:r>
+              <a:t>organized.</a:t>
+            </a:r>
+          </a:p>
+          <a:p>
             <a:r>
               <a:rPr lang="en-US" dirty="0"/>
-              <a:t>the same </a:t>
-            </a:r>
+              <a:t>In JavaScript, there are several options for implementing modules. </a:t>
+            </a:r>
+            <a:endParaRPr lang="en-US" dirty="0" smtClean="0"/>
+          </a:p>
+          <a:p>
             <a:r>
               <a:rPr lang="en-US" dirty="0" smtClean="0"/>
-              <a:t>name.</a:t>
-            </a:r>
-          </a:p>
-          <a:p>
-            <a:pPr marL="0" indent="0">
-              <a:buNone/>
-            </a:pPr>
-            <a:r>
-              <a:rPr lang="en-US" dirty="0" smtClean="0"/>
-              <a:t>Ex:</a:t>
-            </a:r>
-          </a:p>
-          <a:p>
-            <a:pPr marL="0" indent="0">
-              <a:buNone/>
-            </a:pPr>
+              <a:t>These </a:t>
+            </a:r>
+            <a:r>
+              <a:rPr lang="en-US" dirty="0"/>
+              <a:t>include:</a:t>
+            </a:r>
+          </a:p>
+          <a:p>
+            <a:pPr lvl="1"/>
+            <a:r>
+              <a:rPr lang="en-US" dirty="0"/>
+              <a:t>The Module pattern</a:t>
+            </a:r>
+          </a:p>
+          <a:p>
+            <a:pPr lvl="1"/>
+            <a:r>
+              <a:rPr lang="en-US" dirty="0"/>
+              <a:t>Object literal notation</a:t>
+            </a:r>
+          </a:p>
+          <a:p>
+            <a:pPr lvl="1"/>
+            <a:r>
+              <a:rPr lang="en-US" dirty="0"/>
+              <a:t>AMD modules</a:t>
+            </a:r>
+          </a:p>
+          <a:p>
             <a:endParaRPr lang="en-US" dirty="0"/>
           </a:p>
         </p:txBody>
       </p:sp>
-      <p:pic>
-        <p:nvPicPr>
-          <p:cNvPr id="1026" name="Picture 2"/>
-          <p:cNvPicPr>
-            <a:picLocks noChangeAspect="1" noChangeArrowheads="1"/>
-          </p:cNvPicPr>
-          <p:nvPr/>
-        </p:nvPicPr>
-        <p:blipFill>
-          <a:blip r:embed="rId2">
-            <a:extLst>
-              <a:ext uri="{28A0092B-C50C-407E-A947-70E740481C1C}">
-                <a14:useLocalDpi xmlns:a14="http://schemas.microsoft.com/office/drawing/2010/main" val="0"/>
-              </a:ext>
-            </a:extLst>
-          </a:blip>
-          <a:srcRect/>
-          <a:stretch>
-            <a:fillRect/>
-          </a:stretch>
-        </p:blipFill>
-        <p:spPr bwMode="auto">
-          <a:xfrm>
-            <a:off x="1295400" y="3886200"/>
-            <a:ext cx="4638675" cy="1857375"/>
-          </a:xfrm>
-          <a:prstGeom prst="rect">
-            <a:avLst/>
-          </a:prstGeom>
-          <a:noFill/>
-          <a:ln>
-            <a:noFill/>
-          </a:ln>
-          <a:effectLst/>
-          <a:extLst>
-            <a:ext uri="{909E8E84-426E-40DD-AFC4-6F175D3DCCD1}">
-              <a14:hiddenFill xmlns:a14="http://schemas.microsoft.com/office/drawing/2010/main">
-                <a:solidFill>
-                  <a:schemeClr val="accent1"/>
-                </a:solidFill>
-              </a14:hiddenFill>
-            </a:ext>
-            <a:ext uri="{91240B29-F687-4F45-9708-019B960494DF}">
-              <a14:hiddenLine xmlns:a14="http://schemas.microsoft.com/office/drawing/2010/main" w="9525">
-                <a:solidFill>
-                  <a:schemeClr val="tx1"/>
-                </a:solidFill>
-                <a:miter lim="800000"/>
-                <a:headEnd/>
-                <a:tailEnd/>
-              </a14:hiddenLine>
-            </a:ext>
-            <a:ext uri="{AF507438-7753-43E0-B8FC-AC1667EBCBE1}">
-              <a14:hiddenEffects xmlns:a14="http://schemas.microsoft.com/office/drawing/2010/main">
-                <a:effectLst>
-                  <a:outerShdw dist="35921" dir="2700000" algn="ctr" rotWithShape="0">
-                    <a:schemeClr val="bg2"/>
-                  </a:outerShdw>
-                </a:effectLst>
-              </a14:hiddenEffects>
-            </a:ext>
-          </a:extLst>
-        </p:spPr>
-      </p:pic>
     </p:spTree>
     <p:extLst>
       <p:ext uri="{BB962C8B-B14F-4D97-AF65-F5344CB8AC3E}">
-        <p14:creationId xmlns:p14="http://schemas.microsoft.com/office/powerpoint/2010/main" val="1550641786"/>
+        <p14:creationId xmlns:p14="http://schemas.microsoft.com/office/powerpoint/2010/main" xmlns="" val="301361822"/>
       </p:ext>
     </p:extLst>
   </p:cSld>
@@ -17162,15 +17023,33 @@
                                   </p:childTnLst>
                                 </p:cTn>
                               </p:par>
+                            </p:childTnLst>
+                          </p:cTn>
+                        </p:par>
+                      </p:childTnLst>
+                    </p:cTn>
+                  </p:par>
+                  <p:par>
+                    <p:cTn id="10" fill="hold">
+                      <p:stCondLst>
+                        <p:cond delay="indefinite"/>
+                      </p:stCondLst>
+                      <p:childTnLst>
+                        <p:par>
+                          <p:cTn id="11" fill="hold">
+                            <p:stCondLst>
+                              <p:cond delay="0"/>
+                            </p:stCondLst>
+                            <p:childTnLst>
                               <p:par>
-                                <p:cTn id="10" presetID="42" presetClass="entr" presetSubtype="0" fill="hold" nodeType="withEffect">
+                                <p:cTn id="12" presetID="42" presetClass="entr" presetSubtype="0" fill="hold" nodeType="clickEffect">
                                   <p:stCondLst>
                                     <p:cond delay="0"/>
                                   </p:stCondLst>
                                   <p:childTnLst>
                                     <p:set>
                                       <p:cBhvr>
-                                        <p:cTn id="11" dur="1" fill="hold">
+                                        <p:cTn id="13" dur="1" fill="hold">
                                           <p:stCondLst>
                                             <p:cond delay="0"/>
                                           </p:stCondLst>
@@ -17192,7 +17071,7 @@
                                     </p:set>
                                     <p:animEffect transition="in" filter="fade">
                                       <p:cBhvr>
-                                        <p:cTn id="12" dur="1000"/>
+                                        <p:cTn id="14" dur="1000"/>
                                         <p:tgtEl>
                                           <p:spTgt spid="3">
                                             <p:txEl>
@@ -17204,7 +17083,7 @@
                                     </p:animEffect>
                                     <p:anim calcmode="lin" valueType="num">
                                       <p:cBhvr>
-                                        <p:cTn id="13" dur="1000" fill="hold"/>
+                                        <p:cTn id="15" dur="1000" fill="hold"/>
                                         <p:tgtEl>
                                           <p:spTgt spid="3">
                                             <p:txEl>
@@ -17231,7 +17110,7 @@
                                     </p:anim>
                                     <p:anim calcmode="lin" valueType="num">
                                       <p:cBhvr>
-                                        <p:cTn id="14" dur="1000" fill="hold"/>
+                                        <p:cTn id="16" dur="1000" fill="hold"/>
                                         <p:tgtEl>
                                           <p:spTgt spid="3">
                                             <p:txEl>
@@ -17266,26 +17145,26 @@
                     </p:cTn>
                   </p:par>
                   <p:par>
-                    <p:cTn id="15" fill="hold">
+                    <p:cTn id="17" fill="hold">
                       <p:stCondLst>
                         <p:cond delay="indefinite"/>
                       </p:stCondLst>
                       <p:childTnLst>
                         <p:par>
-                          <p:cTn id="16" fill="hold">
+                          <p:cTn id="18" fill="hold">
                             <p:stCondLst>
                               <p:cond delay="0"/>
                             </p:stCondLst>
                             <p:childTnLst>
                               <p:par>
-                                <p:cTn id="17" presetID="42" presetClass="entr" presetSubtype="0" fill="hold" nodeType="clickEffect">
+                                <p:cTn id="19" presetID="42" presetClass="entr" presetSubtype="0" fill="hold" nodeType="clickEffect">
                                   <p:stCondLst>
                                     <p:cond delay="0"/>
                                   </p:stCondLst>
                                   <p:childTnLst>
                                     <p:set>
                                       <p:cBhvr>
-                                        <p:cTn id="18" dur="1" fill="hold">
+                                        <p:cTn id="20" dur="1" fill="hold">
                                           <p:stCondLst>
                                             <p:cond delay="0"/>
                                           </p:stCondLst>
@@ -17307,7 +17186,7 @@
                                     </p:set>
                                     <p:animEffect transition="in" filter="fade">
                                       <p:cBhvr>
-                                        <p:cTn id="19" dur="1000"/>
+                                        <p:cTn id="21" dur="1000"/>
                                         <p:tgtEl>
                                           <p:spTgt spid="3">
                                             <p:txEl>
@@ -17319,7 +17198,7 @@
                                     </p:animEffect>
                                     <p:anim calcmode="lin" valueType="num">
                                       <p:cBhvr>
-                                        <p:cTn id="20" dur="1000" fill="hold"/>
+                                        <p:cTn id="22" dur="1000" fill="hold"/>
                                         <p:tgtEl>
                                           <p:spTgt spid="3">
                                             <p:txEl>
@@ -17346,7 +17225,7 @@
                                     </p:anim>
                                     <p:anim calcmode="lin" valueType="num">
                                       <p:cBhvr>
-                                        <p:cTn id="21" dur="1000" fill="hold"/>
+                                        <p:cTn id="23" dur="1000" fill="hold"/>
                                         <p:tgtEl>
                                           <p:spTgt spid="3">
                                             <p:txEl>
@@ -17375,20 +17254,24 @@
                                 </p:cTn>
                               </p:par>
                               <p:par>
-                                <p:cTn id="22" presetID="42" presetClass="entr" presetSubtype="0" fill="hold" nodeType="withEffect">
+                                <p:cTn id="24" presetID="42" presetClass="entr" presetSubtype="0" fill="hold" nodeType="withEffect">
                                   <p:stCondLst>
                                     <p:cond delay="0"/>
                                   </p:stCondLst>
                                   <p:childTnLst>
                                     <p:set>
                                       <p:cBhvr>
-                                        <p:cTn id="23" dur="1" fill="hold">
+                                        <p:cTn id="25" dur="1" fill="hold">
                                           <p:stCondLst>
                                             <p:cond delay="0"/>
                                           </p:stCondLst>
                                         </p:cTn>
                                         <p:tgtEl>
-                                          <p:spTgt spid="1026"/>
+                                          <p:spTgt spid="3">
+                                            <p:txEl>
+                                              <p:pRg st="3" end="3"/>
+                                            </p:txEl>
+                                          </p:spTgt>
                                         </p:tgtEl>
                                         <p:attrNameLst>
                                           <p:attrName>style.visibility</p:attrName>
@@ -17400,17 +17283,25 @@
                                     </p:set>
                                     <p:animEffect transition="in" filter="fade">
                                       <p:cBhvr>
-                                        <p:cTn id="24" dur="1000"/>
-                                        <p:tgtEl>
-                                          <p:spTgt spid="1026"/>
+                                        <p:cTn id="26" dur="1000"/>
+                                        <p:tgtEl>
+                                          <p:spTgt spid="3">
+                                            <p:txEl>
+                                              <p:pRg st="3" end="3"/>
+                                            </p:txEl>
+                                          </p:spTgt>
                                         </p:tgtEl>
                                       </p:cBhvr>
                                     </p:animEffect>
                                     <p:anim calcmode="lin" valueType="num">
                                       <p:cBhvr>
-                                        <p:cTn id="25" dur="1000" fill="hold"/>
-                                        <p:tgtEl>
-                                          <p:spTgt spid="1026"/>
+                                        <p:cTn id="27" dur="1000" fill="hold"/>
+                                        <p:tgtEl>
+                                          <p:spTgt spid="3">
+                                            <p:txEl>
+                                              <p:pRg st="3" end="3"/>
+                                            </p:txEl>
+                                          </p:spTgt>
                                         </p:tgtEl>
                                         <p:attrNameLst>
                                           <p:attrName>ppt_x</p:attrName>
@@ -17431,9 +17322,207 @@
                                     </p:anim>
                                     <p:anim calcmode="lin" valueType="num">
                                       <p:cBhvr>
-                                        <p:cTn id="26" dur="1000" fill="hold"/>
-                                        <p:tgtEl>
-                                          <p:spTgt spid="1026"/>
+                                        <p:cTn id="28" dur="1000" fill="hold"/>
+                                        <p:tgtEl>
+                                          <p:spTgt spid="3">
+                                            <p:txEl>
+                                              <p:pRg st="3" end="3"/>
+                                            </p:txEl>
+                                          </p:spTgt>
+                                        </p:tgtEl>
+                                        <p:attrNameLst>
+                                          <p:attrName>ppt_y</p:attrName>
+                                        </p:attrNameLst>
+                                      </p:cBhvr>
+                                      <p:tavLst>
+                                        <p:tav tm="0">
+                                          <p:val>
+                                            <p:strVal val="#ppt_y+.1"/>
+                                          </p:val>
+                                        </p:tav>
+                                        <p:tav tm="100000">
+                                          <p:val>
+                                            <p:strVal val="#ppt_y"/>
+                                          </p:val>
+                                        </p:tav>
+                                      </p:tavLst>
+                                    </p:anim>
+                                  </p:childTnLst>
+                                </p:cTn>
+                              </p:par>
+                              <p:par>
+                                <p:cTn id="29" presetID="42" presetClass="entr" presetSubtype="0" fill="hold" nodeType="withEffect">
+                                  <p:stCondLst>
+                                    <p:cond delay="0"/>
+                                  </p:stCondLst>
+                                  <p:childTnLst>
+                                    <p:set>
+                                      <p:cBhvr>
+                                        <p:cTn id="30" dur="1" fill="hold">
+                                          <p:stCondLst>
+                                            <p:cond delay="0"/>
+                                          </p:stCondLst>
+                                        </p:cTn>
+                                        <p:tgtEl>
+                                          <p:spTgt spid="3">
+                                            <p:txEl>
+                                              <p:pRg st="4" end="4"/>
+                                            </p:txEl>
+                                          </p:spTgt>
+                                        </p:tgtEl>
+                                        <p:attrNameLst>
+                                          <p:attrName>style.visibility</p:attrName>
+                                        </p:attrNameLst>
+                                      </p:cBhvr>
+                                      <p:to>
+                                        <p:strVal val="visible"/>
+                                      </p:to>
+                                    </p:set>
+                                    <p:animEffect transition="in" filter="fade">
+                                      <p:cBhvr>
+                                        <p:cTn id="31" dur="1000"/>
+                                        <p:tgtEl>
+                                          <p:spTgt spid="3">
+                                            <p:txEl>
+                                              <p:pRg st="4" end="4"/>
+                                            </p:txEl>
+                                          </p:spTgt>
+                                        </p:tgtEl>
+                                      </p:cBhvr>
+                                    </p:animEffect>
+                                    <p:anim calcmode="lin" valueType="num">
+                                      <p:cBhvr>
+                                        <p:cTn id="32" dur="1000" fill="hold"/>
+                                        <p:tgtEl>
+                                          <p:spTgt spid="3">
+                                            <p:txEl>
+                                              <p:pRg st="4" end="4"/>
+                                            </p:txEl>
+                                          </p:spTgt>
+                                        </p:tgtEl>
+                                        <p:attrNameLst>
+                                          <p:attrName>ppt_x</p:attrName>
+                                        </p:attrNameLst>
+                                      </p:cBhvr>
+                                      <p:tavLst>
+                                        <p:tav tm="0">
+                                          <p:val>
+                                            <p:strVal val="#ppt_x"/>
+                                          </p:val>
+                                        </p:tav>
+                                        <p:tav tm="100000">
+                                          <p:val>
+                                            <p:strVal val="#ppt_x"/>
+                                          </p:val>
+                                        </p:tav>
+                                      </p:tavLst>
+                                    </p:anim>
+                                    <p:anim calcmode="lin" valueType="num">
+                                      <p:cBhvr>
+                                        <p:cTn id="33" dur="1000" fill="hold"/>
+                                        <p:tgtEl>
+                                          <p:spTgt spid="3">
+                                            <p:txEl>
+                                              <p:pRg st="4" end="4"/>
+                                            </p:txEl>
+                                          </p:spTgt>
+                                        </p:tgtEl>
+                                        <p:attrNameLst>
+                                          <p:attrName>ppt_y</p:attrName>
+                                        </p:attrNameLst>
+                                      </p:cBhvr>
+                                      <p:tavLst>
+                                        <p:tav tm="0">
+                                          <p:val>
+                                            <p:strVal val="#ppt_y+.1"/>
+                                          </p:val>
+                                        </p:tav>
+                                        <p:tav tm="100000">
+                                          <p:val>
+                                            <p:strVal val="#ppt_y"/>
+                                          </p:val>
+                                        </p:tav>
+                                      </p:tavLst>
+                                    </p:anim>
+                                  </p:childTnLst>
+                                </p:cTn>
+                              </p:par>
+                              <p:par>
+                                <p:cTn id="34" presetID="42" presetClass="entr" presetSubtype="0" fill="hold" nodeType="withEffect">
+                                  <p:stCondLst>
+                                    <p:cond delay="0"/>
+                                  </p:stCondLst>
+                                  <p:childTnLst>
+                                    <p:set>
+                                      <p:cBhvr>
+                                        <p:cTn id="35" dur="1" fill="hold">
+                                          <p:stCondLst>
+                                            <p:cond delay="0"/>
+                                          </p:stCondLst>
+                                        </p:cTn>
+                                        <p:tgtEl>
+                                          <p:spTgt spid="3">
+                                            <p:txEl>
+                                              <p:pRg st="5" end="5"/>
+                                            </p:txEl>
+                                          </p:spTgt>
+                                        </p:tgtEl>
+                                        <p:attrNameLst>
+                                          <p:attrName>style.visibility</p:attrName>
+                                        </p:attrNameLst>
+                                      </p:cBhvr>
+                                      <p:to>
+                                        <p:strVal val="visible"/>
+                                      </p:to>
+                                    </p:set>
+                                    <p:animEffect transition="in" filter="fade">
+                                      <p:cBhvr>
+                                        <p:cTn id="36" dur="1000"/>
+                                        <p:tgtEl>
+                                          <p:spTgt spid="3">
+                                            <p:txEl>
+                                              <p:pRg st="5" end="5"/>
+                                            </p:txEl>
+                                          </p:spTgt>
+                                        </p:tgtEl>
+                                      </p:cBhvr>
+                                    </p:animEffect>
+                                    <p:anim calcmode="lin" valueType="num">
+                                      <p:cBhvr>
+                                        <p:cTn id="37" dur="1000" fill="hold"/>
+                                        <p:tgtEl>
+                                          <p:spTgt spid="3">
+                                            <p:txEl>
+                                              <p:pRg st="5" end="5"/>
+                                            </p:txEl>
+                                          </p:spTgt>
+                                        </p:tgtEl>
+                                        <p:attrNameLst>
+                                          <p:attrName>ppt_x</p:attrName>
+                                        </p:attrNameLst>
+                                      </p:cBhvr>
+                                      <p:tavLst>
+                                        <p:tav tm="0">
+                                          <p:val>
+                                            <p:strVal val="#ppt_x"/>
+                                          </p:val>
+                                        </p:tav>
+                                        <p:tav tm="100000">
+                                          <p:val>
+                                            <p:strVal val="#ppt_x"/>
+                                          </p:val>
+                                        </p:tav>
+                                      </p:tavLst>
+                                    </p:anim>
+                                    <p:anim calcmode="lin" valueType="num">
+                                      <p:cBhvr>
+                                        <p:cTn id="38" dur="1000" fill="hold"/>
+                                        <p:tgtEl>
+                                          <p:spTgt spid="3">
+                                            <p:txEl>
+                                              <p:pRg st="5" end="5"/>
+                                            </p:txEl>
+                                          </p:spTgt>
                                         </p:tgtEl>
                                         <p:attrNameLst>
                                           <p:attrName>ppt_y</p:attrName>
@@ -18286,60 +18375,39 @@
         <p:spPr/>
         <p:txBody>
           <a:bodyPr>
-            <a:normAutofit lnSpcReduction="10000"/>
+            <a:normAutofit fontScale="92500"/>
           </a:bodyPr>
           <a:lstStyle/>
           <a:p>
             <a:r>
-              <a:rPr lang="en-US" dirty="0" smtClean="0"/>
-              <a:t>Modules </a:t>
-            </a:r>
-            <a:r>
               <a:rPr lang="en-US" dirty="0"/>
-              <a:t>are an integral part of any robust application's architecture and typically help in keeping the units of code for a project both cleanly separated and </a:t>
-            </a:r>
-            <a:r>
-              <a:rPr lang="en-US" dirty="0" smtClean="0"/>
-              <a:t>organized.</a:t>
+              <a:t>The Module pattern was originally defined as a way to provide both private and public encapsulation.</a:t>
             </a:r>
           </a:p>
           <a:p>
             <a:r>
               <a:rPr lang="en-US" dirty="0"/>
-              <a:t>In JavaScript, there are several options for implementing modules. </a:t>
+              <a:t>The Module pattern encapsulates "privacy", state and organization using closures. </a:t>
+            </a:r>
+          </a:p>
+          <a:p>
+            <a:r>
+              <a:rPr lang="en-US" dirty="0"/>
+              <a:t>It provides a way of wrapping a mix of public and private methods and variables, protecting pieces from leaking into the global scope and accidentally colliding with another developer's interface. </a:t>
             </a:r>
             <a:endParaRPr lang="en-US" dirty="0" smtClean="0"/>
           </a:p>
           <a:p>
             <a:r>
-              <a:rPr lang="en-US" dirty="0" smtClean="0"/>
-              <a:t>These </a:t>
-            </a:r>
-            <a:r>
               <a:rPr lang="en-US" dirty="0"/>
-              <a:t>include:</a:t>
-            </a:r>
-          </a:p>
-          <a:p>
-            <a:pPr lvl="1"/>
-            <a:r>
-              <a:rPr lang="en-US" dirty="0"/>
-              <a:t>The Module pattern</a:t>
-            </a:r>
-          </a:p>
-          <a:p>
-            <a:pPr lvl="1"/>
-            <a:r>
-              <a:rPr lang="en-US" dirty="0"/>
-              <a:t>Object literal notation</a:t>
-            </a:r>
-          </a:p>
-          <a:p>
-            <a:pPr lvl="1"/>
-            <a:r>
-              <a:rPr lang="en-US" dirty="0"/>
-              <a:t>AMD modules</a:t>
-            </a:r>
+              <a:t>With this pattern, only a public API is returned, keeping everything else within the closure private.</a:t>
+            </a:r>
+          </a:p>
+          <a:p>
+            <a:pPr marL="0" indent="0">
+              <a:buNone/>
+            </a:pPr>
+            <a:endParaRPr lang="en-US" dirty="0"/>
           </a:p>
           <a:p>
             <a:endParaRPr lang="en-US" dirty="0"/>
@@ -18349,7 +18417,7 @@
     </p:spTree>
     <p:extLst>
       <p:ext uri="{BB962C8B-B14F-4D97-AF65-F5344CB8AC3E}">
-        <p14:creationId xmlns:p14="http://schemas.microsoft.com/office/powerpoint/2010/main" val="301361822"/>
+        <p14:creationId xmlns:p14="http://schemas.microsoft.com/office/powerpoint/2010/main" xmlns="" val="4119125854"/>
       </p:ext>
     </p:extLst>
   </p:cSld>
@@ -18706,15 +18774,33 @@
                                   </p:childTnLst>
                                 </p:cTn>
                               </p:par>
+                            </p:childTnLst>
+                          </p:cTn>
+                        </p:par>
+                      </p:childTnLst>
+                    </p:cTn>
+                  </p:par>
+                  <p:par>
+                    <p:cTn id="24" fill="hold">
+                      <p:stCondLst>
+                        <p:cond delay="indefinite"/>
+                      </p:stCondLst>
+                      <p:childTnLst>
+                        <p:par>
+                          <p:cTn id="25" fill="hold">
+                            <p:stCondLst>
+                              <p:cond delay="0"/>
+                            </p:stCondLst>
+                            <p:childTnLst>
                               <p:par>
-                                <p:cTn id="24" presetID="42" presetClass="entr" presetSubtype="0" fill="hold" nodeType="withEffect">
+                                <p:cTn id="26" presetID="42" presetClass="entr" presetSubtype="0" fill="hold" nodeType="clickEffect">
                                   <p:stCondLst>
                                     <p:cond delay="0"/>
                                   </p:stCondLst>
                                   <p:childTnLst>
                                     <p:set>
                                       <p:cBhvr>
-                                        <p:cTn id="25" dur="1" fill="hold">
+                                        <p:cTn id="27" dur="1" fill="hold">
                                           <p:stCondLst>
                                             <p:cond delay="0"/>
                                           </p:stCondLst>
@@ -18736,7 +18822,7 @@
                                     </p:set>
                                     <p:animEffect transition="in" filter="fade">
                                       <p:cBhvr>
-                                        <p:cTn id="26" dur="1000"/>
+                                        <p:cTn id="28" dur="1000"/>
                                         <p:tgtEl>
                                           <p:spTgt spid="3">
                                             <p:txEl>
@@ -18748,7 +18834,7 @@
                                     </p:animEffect>
                                     <p:anim calcmode="lin" valueType="num">
                                       <p:cBhvr>
-                                        <p:cTn id="27" dur="1000" fill="hold"/>
+                                        <p:cTn id="29" dur="1000" fill="hold"/>
                                         <p:tgtEl>
                                           <p:spTgt spid="3">
                                             <p:txEl>
@@ -18775,205 +18861,11 @@
                                     </p:anim>
                                     <p:anim calcmode="lin" valueType="num">
                                       <p:cBhvr>
-                                        <p:cTn id="28" dur="1000" fill="hold"/>
+                                        <p:cTn id="30" dur="1000" fill="hold"/>
                                         <p:tgtEl>
                                           <p:spTgt spid="3">
                                             <p:txEl>
                                               <p:pRg st="3" end="3"/>
-                                            </p:txEl>
-                                          </p:spTgt>
-                                        </p:tgtEl>
-                                        <p:attrNameLst>
-                                          <p:attrName>ppt_y</p:attrName>
-                                        </p:attrNameLst>
-                                      </p:cBhvr>
-                                      <p:tavLst>
-                                        <p:tav tm="0">
-                                          <p:val>
-                                            <p:strVal val="#ppt_y+.1"/>
-                                          </p:val>
-                                        </p:tav>
-                                        <p:tav tm="100000">
-                                          <p:val>
-                                            <p:strVal val="#ppt_y"/>
-                                          </p:val>
-                                        </p:tav>
-                                      </p:tavLst>
-                                    </p:anim>
-                                  </p:childTnLst>
-                                </p:cTn>
-                              </p:par>
-                              <p:par>
-                                <p:cTn id="29" presetID="42" presetClass="entr" presetSubtype="0" fill="hold" nodeType="withEffect">
-                                  <p:stCondLst>
-                                    <p:cond delay="0"/>
-                                  </p:stCondLst>
-                                  <p:childTnLst>
-                                    <p:set>
-                                      <p:cBhvr>
-                                        <p:cTn id="30" dur="1" fill="hold">
-                                          <p:stCondLst>
-                                            <p:cond delay="0"/>
-                                          </p:stCondLst>
-                                        </p:cTn>
-                                        <p:tgtEl>
-                                          <p:spTgt spid="3">
-                                            <p:txEl>
-                                              <p:pRg st="4" end="4"/>
-                                            </p:txEl>
-                                          </p:spTgt>
-                                        </p:tgtEl>
-                                        <p:attrNameLst>
-                                          <p:attrName>style.visibility</p:attrName>
-                                        </p:attrNameLst>
-                                      </p:cBhvr>
-                                      <p:to>
-                                        <p:strVal val="visible"/>
-                                      </p:to>
-                                    </p:set>
-                                    <p:animEffect transition="in" filter="fade">
-                                      <p:cBhvr>
-                                        <p:cTn id="31" dur="1000"/>
-                                        <p:tgtEl>
-                                          <p:spTgt spid="3">
-                                            <p:txEl>
-                                              <p:pRg st="4" end="4"/>
-                                            </p:txEl>
-                                          </p:spTgt>
-                                        </p:tgtEl>
-                                      </p:cBhvr>
-                                    </p:animEffect>
-                                    <p:anim calcmode="lin" valueType="num">
-                                      <p:cBhvr>
-                                        <p:cTn id="32" dur="1000" fill="hold"/>
-                                        <p:tgtEl>
-                                          <p:spTgt spid="3">
-                                            <p:txEl>
-                                              <p:pRg st="4" end="4"/>
-                                            </p:txEl>
-                                          </p:spTgt>
-                                        </p:tgtEl>
-                                        <p:attrNameLst>
-                                          <p:attrName>ppt_x</p:attrName>
-                                        </p:attrNameLst>
-                                      </p:cBhvr>
-                                      <p:tavLst>
-                                        <p:tav tm="0">
-                                          <p:val>
-                                            <p:strVal val="#ppt_x"/>
-                                          </p:val>
-                                        </p:tav>
-                                        <p:tav tm="100000">
-                                          <p:val>
-                                            <p:strVal val="#ppt_x"/>
-                                          </p:val>
-                                        </p:tav>
-                                      </p:tavLst>
-                                    </p:anim>
-                                    <p:anim calcmode="lin" valueType="num">
-                                      <p:cBhvr>
-                                        <p:cTn id="33" dur="1000" fill="hold"/>
-                                        <p:tgtEl>
-                                          <p:spTgt spid="3">
-                                            <p:txEl>
-                                              <p:pRg st="4" end="4"/>
-                                            </p:txEl>
-                                          </p:spTgt>
-                                        </p:tgtEl>
-                                        <p:attrNameLst>
-                                          <p:attrName>ppt_y</p:attrName>
-                                        </p:attrNameLst>
-                                      </p:cBhvr>
-                                      <p:tavLst>
-                                        <p:tav tm="0">
-                                          <p:val>
-                                            <p:strVal val="#ppt_y+.1"/>
-                                          </p:val>
-                                        </p:tav>
-                                        <p:tav tm="100000">
-                                          <p:val>
-                                            <p:strVal val="#ppt_y"/>
-                                          </p:val>
-                                        </p:tav>
-                                      </p:tavLst>
-                                    </p:anim>
-                                  </p:childTnLst>
-                                </p:cTn>
-                              </p:par>
-                              <p:par>
-                                <p:cTn id="34" presetID="42" presetClass="entr" presetSubtype="0" fill="hold" nodeType="withEffect">
-                                  <p:stCondLst>
-                                    <p:cond delay="0"/>
-                                  </p:stCondLst>
-                                  <p:childTnLst>
-                                    <p:set>
-                                      <p:cBhvr>
-                                        <p:cTn id="35" dur="1" fill="hold">
-                                          <p:stCondLst>
-                                            <p:cond delay="0"/>
-                                          </p:stCondLst>
-                                        </p:cTn>
-                                        <p:tgtEl>
-                                          <p:spTgt spid="3">
-                                            <p:txEl>
-                                              <p:pRg st="5" end="5"/>
-                                            </p:txEl>
-                                          </p:spTgt>
-                                        </p:tgtEl>
-                                        <p:attrNameLst>
-                                          <p:attrName>style.visibility</p:attrName>
-                                        </p:attrNameLst>
-                                      </p:cBhvr>
-                                      <p:to>
-                                        <p:strVal val="visible"/>
-                                      </p:to>
-                                    </p:set>
-                                    <p:animEffect transition="in" filter="fade">
-                                      <p:cBhvr>
-                                        <p:cTn id="36" dur="1000"/>
-                                        <p:tgtEl>
-                                          <p:spTgt spid="3">
-                                            <p:txEl>
-                                              <p:pRg st="5" end="5"/>
-                                            </p:txEl>
-                                          </p:spTgt>
-                                        </p:tgtEl>
-                                      </p:cBhvr>
-                                    </p:animEffect>
-                                    <p:anim calcmode="lin" valueType="num">
-                                      <p:cBhvr>
-                                        <p:cTn id="37" dur="1000" fill="hold"/>
-                                        <p:tgtEl>
-                                          <p:spTgt spid="3">
-                                            <p:txEl>
-                                              <p:pRg st="5" end="5"/>
-                                            </p:txEl>
-                                          </p:spTgt>
-                                        </p:tgtEl>
-                                        <p:attrNameLst>
-                                          <p:attrName>ppt_x</p:attrName>
-                                        </p:attrNameLst>
-                                      </p:cBhvr>
-                                      <p:tavLst>
-                                        <p:tav tm="0">
-                                          <p:val>
-                                            <p:strVal val="#ppt_x"/>
-                                          </p:val>
-                                        </p:tav>
-                                        <p:tav tm="100000">
-                                          <p:val>
-                                            <p:strVal val="#ppt_x"/>
-                                          </p:val>
-                                        </p:tav>
-                                      </p:tavLst>
-                                    </p:anim>
-                                    <p:anim calcmode="lin" valueType="num">
-                                      <p:cBhvr>
-                                        <p:cTn id="38" dur="1000" fill="hold"/>
-                                        <p:tgtEl>
-                                          <p:spTgt spid="3">
-                                            <p:txEl>
-                                              <p:pRg st="5" end="5"/>
                                             </p:txEl>
                                           </p:spTgt>
                                         </p:tgtEl>
@@ -19084,32 +18976,20 @@
         <p:spPr/>
         <p:txBody>
           <a:bodyPr>
-            <a:normAutofit fontScale="92500"/>
+            <a:normAutofit/>
           </a:bodyPr>
           <a:lstStyle/>
           <a:p>
+            <a:pPr marL="0" indent="0">
+              <a:buNone/>
+            </a:pPr>
+            <a:r>
+              <a:rPr lang="en-US" dirty="0" smtClean="0"/>
+              <a:t>Ex</a:t>
+            </a:r>
             <a:r>
               <a:rPr lang="en-US" dirty="0"/>
-              <a:t>The Module pattern was originally defined as a way to provide both private and public encapsulation.</a:t>
-            </a:r>
-          </a:p>
-          <a:p>
-            <a:r>
-              <a:rPr lang="en-US" dirty="0"/>
-              <a:t>The Module pattern encapsulates "privacy", state and organization using closures. </a:t>
-            </a:r>
-          </a:p>
-          <a:p>
-            <a:r>
-              <a:rPr lang="en-US" dirty="0"/>
-              <a:t>It provides a way of wrapping a mix of public and private methods and variables, protecting pieces from leaking into the global scope and accidentally colliding with another developer's interface. </a:t>
-            </a:r>
-            <a:endParaRPr lang="en-US" dirty="0" smtClean="0"/>
-          </a:p>
-          <a:p>
-            <a:r>
-              <a:rPr lang="en-US" dirty="0"/>
-              <a:t>With this pattern, only a public API is returned, keeping everything else within the closure private.</a:t>
+              <a:t>:</a:t>
             </a:r>
           </a:p>
           <a:p>
@@ -19118,15 +18998,76 @@
             </a:pPr>
             <a:endParaRPr lang="en-US" dirty="0"/>
           </a:p>
-          <a:p>
-            <a:endParaRPr lang="en-US" dirty="0"/>
-          </a:p>
         </p:txBody>
       </p:sp>
+      <p:pic>
+        <p:nvPicPr>
+          <p:cNvPr id="1026" name="Picture 2"/>
+          <p:cNvPicPr>
+            <a:picLocks noChangeAspect="1" noChangeArrowheads="1"/>
+          </p:cNvPicPr>
+          <p:nvPr/>
+        </p:nvPicPr>
+        <p:blipFill>
+          <a:blip r:embed="rId2">
+            <a:extLst>
+              <a:ext uri="{28A0092B-C50C-407E-A947-70E740481C1C}">
+                <a14:useLocalDpi xmlns:a14="http://schemas.microsoft.com/office/drawing/2010/main" xmlns="" val="0"/>
+              </a:ext>
+            </a:extLst>
+          </a:blip>
+          <a:srcRect/>
+          <a:stretch>
+            <a:fillRect/>
+          </a:stretch>
+        </p:blipFill>
+        <p:spPr bwMode="auto">
+          <a:xfrm>
+            <a:off x="1066800" y="2133600"/>
+            <a:ext cx="7696200" cy="3429000"/>
+          </a:xfrm>
+          <a:prstGeom prst="rect">
+            <a:avLst/>
+          </a:prstGeom>
+          <a:noFill/>
+          <a:ln>
+            <a:noFill/>
+          </a:ln>
+          <a:effectLst/>
+          <a:extLst>
+            <a:ext uri="{909E8E84-426E-40DD-AFC4-6F175D3DCCD1}">
+              <a14:hiddenFill xmlns:a14="http://schemas.microsoft.com/office/drawing/2010/main" xmlns="">
+                <a:solidFill>
+                  <a:schemeClr val="accent1"/>
+                </a:solidFill>
+              </a14:hiddenFill>
+            </a:ext>
+            <a:ext uri="{91240B29-F687-4F45-9708-019B960494DF}">
+              <a14:hiddenLine xmlns:a14="http://schemas.microsoft.com/office/drawing/2010/main" xmlns="" w="9525">
+                <a:solidFill>
+                  <a:schemeClr val="tx1"/>
+                </a:solidFill>
+                <a:miter lim="800000"/>
+                <a:headEnd/>
+                <a:tailEnd/>
+              </a14:hiddenLine>
+            </a:ext>
+            <a:ext uri="{AF507438-7753-43E0-B8FC-AC1667EBCBE1}">
+              <a14:hiddenEffects xmlns:a14="http://schemas.microsoft.com/office/drawing/2010/main" xmlns="">
+                <a:effectLst>
+                  <a:outerShdw dist="35921" dir="2700000" algn="ctr" rotWithShape="0">
+                    <a:schemeClr val="bg2"/>
+                  </a:outerShdw>
+                </a:effectLst>
+              </a14:hiddenEffects>
+            </a:ext>
+          </a:extLst>
+        </p:spPr>
+      </p:pic>
     </p:spTree>
     <p:extLst>
       <p:ext uri="{BB962C8B-B14F-4D97-AF65-F5344CB8AC3E}">
-        <p14:creationId xmlns:p14="http://schemas.microsoft.com/office/powerpoint/2010/main" val="4119125854"/>
+        <p14:creationId xmlns:p14="http://schemas.microsoft.com/office/powerpoint/2010/main" xmlns="" val="2413841924"/>
       </p:ext>
     </p:extLst>
   </p:cSld>
@@ -19285,11 +19226,7 @@
                                           </p:stCondLst>
                                         </p:cTn>
                                         <p:tgtEl>
-                                          <p:spTgt spid="3">
-                                            <p:txEl>
-                                              <p:pRg st="1" end="1"/>
-                                            </p:txEl>
-                                          </p:spTgt>
+                                          <p:spTgt spid="1026"/>
                                         </p:tgtEl>
                                         <p:attrNameLst>
                                           <p:attrName>style.visibility</p:attrName>
@@ -19303,11 +19240,7 @@
                                       <p:cBhvr>
                                         <p:cTn id="14" dur="1000"/>
                                         <p:tgtEl>
-                                          <p:spTgt spid="3">
-                                            <p:txEl>
-                                              <p:pRg st="1" end="1"/>
-                                            </p:txEl>
-                                          </p:spTgt>
+                                          <p:spTgt spid="1026"/>
                                         </p:tgtEl>
                                       </p:cBhvr>
                                     </p:animEffect>
@@ -19315,11 +19248,7 @@
                                       <p:cBhvr>
                                         <p:cTn id="15" dur="1000" fill="hold"/>
                                         <p:tgtEl>
-                                          <p:spTgt spid="3">
-                                            <p:txEl>
-                                              <p:pRg st="1" end="1"/>
-                                            </p:txEl>
-                                          </p:spTgt>
+                                          <p:spTgt spid="1026"/>
                                         </p:tgtEl>
                                         <p:attrNameLst>
                                           <p:attrName>ppt_x</p:attrName>
@@ -19342,241 +19271,7 @@
                                       <p:cBhvr>
                                         <p:cTn id="16" dur="1000" fill="hold"/>
                                         <p:tgtEl>
-                                          <p:spTgt spid="3">
-                                            <p:txEl>
-                                              <p:pRg st="1" end="1"/>
-                                            </p:txEl>
-                                          </p:spTgt>
-                                        </p:tgtEl>
-                                        <p:attrNameLst>
-                                          <p:attrName>ppt_y</p:attrName>
-                                        </p:attrNameLst>
-                                      </p:cBhvr>
-                                      <p:tavLst>
-                                        <p:tav tm="0">
-                                          <p:val>
-                                            <p:strVal val="#ppt_y+.1"/>
-                                          </p:val>
-                                        </p:tav>
-                                        <p:tav tm="100000">
-                                          <p:val>
-                                            <p:strVal val="#ppt_y"/>
-                                          </p:val>
-                                        </p:tav>
-                                      </p:tavLst>
-                                    </p:anim>
-                                  </p:childTnLst>
-                                </p:cTn>
-                              </p:par>
-                            </p:childTnLst>
-                          </p:cTn>
-                        </p:par>
-                      </p:childTnLst>
-                    </p:cTn>
-                  </p:par>
-                  <p:par>
-                    <p:cTn id="17" fill="hold">
-                      <p:stCondLst>
-                        <p:cond delay="indefinite"/>
-                      </p:stCondLst>
-                      <p:childTnLst>
-                        <p:par>
-                          <p:cTn id="18" fill="hold">
-                            <p:stCondLst>
-                              <p:cond delay="0"/>
-                            </p:stCondLst>
-                            <p:childTnLst>
-                              <p:par>
-                                <p:cTn id="19" presetID="42" presetClass="entr" presetSubtype="0" fill="hold" nodeType="clickEffect">
-                                  <p:stCondLst>
-                                    <p:cond delay="0"/>
-                                  </p:stCondLst>
-                                  <p:childTnLst>
-                                    <p:set>
-                                      <p:cBhvr>
-                                        <p:cTn id="20" dur="1" fill="hold">
-                                          <p:stCondLst>
-                                            <p:cond delay="0"/>
-                                          </p:stCondLst>
-                                        </p:cTn>
-                                        <p:tgtEl>
-                                          <p:spTgt spid="3">
-                                            <p:txEl>
-                                              <p:pRg st="2" end="2"/>
-                                            </p:txEl>
-                                          </p:spTgt>
-                                        </p:tgtEl>
-                                        <p:attrNameLst>
-                                          <p:attrName>style.visibility</p:attrName>
-                                        </p:attrNameLst>
-                                      </p:cBhvr>
-                                      <p:to>
-                                        <p:strVal val="visible"/>
-                                      </p:to>
-                                    </p:set>
-                                    <p:animEffect transition="in" filter="fade">
-                                      <p:cBhvr>
-                                        <p:cTn id="21" dur="1000"/>
-                                        <p:tgtEl>
-                                          <p:spTgt spid="3">
-                                            <p:txEl>
-                                              <p:pRg st="2" end="2"/>
-                                            </p:txEl>
-                                          </p:spTgt>
-                                        </p:tgtEl>
-                                      </p:cBhvr>
-                                    </p:animEffect>
-                                    <p:anim calcmode="lin" valueType="num">
-                                      <p:cBhvr>
-                                        <p:cTn id="22" dur="1000" fill="hold"/>
-                                        <p:tgtEl>
-                                          <p:spTgt spid="3">
-                                            <p:txEl>
-                                              <p:pRg st="2" end="2"/>
-                                            </p:txEl>
-                                          </p:spTgt>
-                                        </p:tgtEl>
-                                        <p:attrNameLst>
-                                          <p:attrName>ppt_x</p:attrName>
-                                        </p:attrNameLst>
-                                      </p:cBhvr>
-                                      <p:tavLst>
-                                        <p:tav tm="0">
-                                          <p:val>
-                                            <p:strVal val="#ppt_x"/>
-                                          </p:val>
-                                        </p:tav>
-                                        <p:tav tm="100000">
-                                          <p:val>
-                                            <p:strVal val="#ppt_x"/>
-                                          </p:val>
-                                        </p:tav>
-                                      </p:tavLst>
-                                    </p:anim>
-                                    <p:anim calcmode="lin" valueType="num">
-                                      <p:cBhvr>
-                                        <p:cTn id="23" dur="1000" fill="hold"/>
-                                        <p:tgtEl>
-                                          <p:spTgt spid="3">
-                                            <p:txEl>
-                                              <p:pRg st="2" end="2"/>
-                                            </p:txEl>
-                                          </p:spTgt>
-                                        </p:tgtEl>
-                                        <p:attrNameLst>
-                                          <p:attrName>ppt_y</p:attrName>
-                                        </p:attrNameLst>
-                                      </p:cBhvr>
-                                      <p:tavLst>
-                                        <p:tav tm="0">
-                                          <p:val>
-                                            <p:strVal val="#ppt_y+.1"/>
-                                          </p:val>
-                                        </p:tav>
-                                        <p:tav tm="100000">
-                                          <p:val>
-                                            <p:strVal val="#ppt_y"/>
-                                          </p:val>
-                                        </p:tav>
-                                      </p:tavLst>
-                                    </p:anim>
-                                  </p:childTnLst>
-                                </p:cTn>
-                              </p:par>
-                            </p:childTnLst>
-                          </p:cTn>
-                        </p:par>
-                      </p:childTnLst>
-                    </p:cTn>
-                  </p:par>
-                  <p:par>
-                    <p:cTn id="24" fill="hold">
-                      <p:stCondLst>
-                        <p:cond delay="indefinite"/>
-                      </p:stCondLst>
-                      <p:childTnLst>
-                        <p:par>
-                          <p:cTn id="25" fill="hold">
-                            <p:stCondLst>
-                              <p:cond delay="0"/>
-                            </p:stCondLst>
-                            <p:childTnLst>
-                              <p:par>
-                                <p:cTn id="26" presetID="42" presetClass="entr" presetSubtype="0" fill="hold" nodeType="clickEffect">
-                                  <p:stCondLst>
-                                    <p:cond delay="0"/>
-                                  </p:stCondLst>
-                                  <p:childTnLst>
-                                    <p:set>
-                                      <p:cBhvr>
-                                        <p:cTn id="27" dur="1" fill="hold">
-                                          <p:stCondLst>
-                                            <p:cond delay="0"/>
-                                          </p:stCondLst>
-                                        </p:cTn>
-                                        <p:tgtEl>
-                                          <p:spTgt spid="3">
-                                            <p:txEl>
-                                              <p:pRg st="3" end="3"/>
-                                            </p:txEl>
-                                          </p:spTgt>
-                                        </p:tgtEl>
-                                        <p:attrNameLst>
-                                          <p:attrName>style.visibility</p:attrName>
-                                        </p:attrNameLst>
-                                      </p:cBhvr>
-                                      <p:to>
-                                        <p:strVal val="visible"/>
-                                      </p:to>
-                                    </p:set>
-                                    <p:animEffect transition="in" filter="fade">
-                                      <p:cBhvr>
-                                        <p:cTn id="28" dur="1000"/>
-                                        <p:tgtEl>
-                                          <p:spTgt spid="3">
-                                            <p:txEl>
-                                              <p:pRg st="3" end="3"/>
-                                            </p:txEl>
-                                          </p:spTgt>
-                                        </p:tgtEl>
-                                      </p:cBhvr>
-                                    </p:animEffect>
-                                    <p:anim calcmode="lin" valueType="num">
-                                      <p:cBhvr>
-                                        <p:cTn id="29" dur="1000" fill="hold"/>
-                                        <p:tgtEl>
-                                          <p:spTgt spid="3">
-                                            <p:txEl>
-                                              <p:pRg st="3" end="3"/>
-                                            </p:txEl>
-                                          </p:spTgt>
-                                        </p:tgtEl>
-                                        <p:attrNameLst>
-                                          <p:attrName>ppt_x</p:attrName>
-                                        </p:attrNameLst>
-                                      </p:cBhvr>
-                                      <p:tavLst>
-                                        <p:tav tm="0">
-                                          <p:val>
-                                            <p:strVal val="#ppt_x"/>
-                                          </p:val>
-                                        </p:tav>
-                                        <p:tav tm="100000">
-                                          <p:val>
-                                            <p:strVal val="#ppt_x"/>
-                                          </p:val>
-                                        </p:tav>
-                                      </p:tavLst>
-                                    </p:anim>
-                                    <p:anim calcmode="lin" valueType="num">
-                                      <p:cBhvr>
-                                        <p:cTn id="30" dur="1000" fill="hold"/>
-                                        <p:tgtEl>
-                                          <p:spTgt spid="3">
-                                            <p:txEl>
-                                              <p:pRg st="3" end="3"/>
-                                            </p:txEl>
-                                          </p:spTgt>
+                                          <p:spTgt spid="1026"/>
                                         </p:tgtEl>
                                         <p:attrNameLst>
                                           <p:attrName>ppt_y</p:attrName>
@@ -19682,7 +19377,12 @@
             <p:ph sz="quarter" idx="1"/>
           </p:nvPr>
         </p:nvSpPr>
-        <p:spPr/>
+        <p:spPr>
+          <a:xfrm>
+            <a:off x="609600" y="1752600"/>
+            <a:ext cx="8153400" cy="4495800"/>
+          </a:xfrm>
+        </p:spPr>
         <p:txBody>
           <a:bodyPr>
             <a:normAutofit/>
@@ -19694,12 +19394,9 @@
             </a:pPr>
             <a:r>
               <a:rPr lang="en-US" dirty="0" smtClean="0"/>
-              <a:t>Ex</a:t>
-            </a:r>
-            <a:r>
-              <a:rPr lang="en-US" dirty="0"/>
-              <a:t>:</a:t>
-            </a:r>
+              <a:t>Usage:</a:t>
+            </a:r>
+            <a:endParaRPr lang="en-US" dirty="0"/>
           </a:p>
           <a:p>
             <a:pPr marL="0" indent="0">
@@ -19711,7 +19408,7 @@
       </p:sp>
       <p:pic>
         <p:nvPicPr>
-          <p:cNvPr id="1026" name="Picture 2"/>
+          <p:cNvPr id="2050" name="Picture 2"/>
           <p:cNvPicPr>
             <a:picLocks noChangeAspect="1" noChangeArrowheads="1"/>
           </p:cNvPicPr>
@@ -19721,7 +19418,7 @@
           <a:blip r:embed="rId2">
             <a:extLst>
               <a:ext uri="{28A0092B-C50C-407E-A947-70E740481C1C}">
-                <a14:useLocalDpi xmlns:a14="http://schemas.microsoft.com/office/drawing/2010/main" val="0"/>
+                <a14:useLocalDpi xmlns:a14="http://schemas.microsoft.com/office/drawing/2010/main" xmlns="" val="0"/>
               </a:ext>
             </a:extLst>
           </a:blip>
@@ -19732,8 +19429,8 @@
         </p:blipFill>
         <p:spPr bwMode="auto">
           <a:xfrm>
-            <a:off x="1066800" y="2133600"/>
-            <a:ext cx="7696200" cy="3429000"/>
+            <a:off x="1676400" y="2585027"/>
+            <a:ext cx="4229100" cy="800100"/>
           </a:xfrm>
           <a:prstGeom prst="rect">
             <a:avLst/>
@@ -19745,14 +19442,14 @@
           <a:effectLst/>
           <a:extLst>
             <a:ext uri="{909E8E84-426E-40DD-AFC4-6F175D3DCCD1}">
-              <a14:hiddenFill xmlns:a14="http://schemas.microsoft.com/office/drawing/2010/main">
+              <a14:hiddenFill xmlns:a14="http://schemas.microsoft.com/office/drawing/2010/main" xmlns="">
                 <a:solidFill>
                   <a:schemeClr val="accent1"/>
                 </a:solidFill>
               </a14:hiddenFill>
             </a:ext>
             <a:ext uri="{91240B29-F687-4F45-9708-019B960494DF}">
-              <a14:hiddenLine xmlns:a14="http://schemas.microsoft.com/office/drawing/2010/main" w="9525">
+              <a14:hiddenLine xmlns:a14="http://schemas.microsoft.com/office/drawing/2010/main" xmlns="" w="9525">
                 <a:solidFill>
                   <a:schemeClr val="tx1"/>
                 </a:solidFill>
@@ -19762,7 +19459,7 @@
               </a14:hiddenLine>
             </a:ext>
             <a:ext uri="{AF507438-7753-43E0-B8FC-AC1667EBCBE1}">
-              <a14:hiddenEffects xmlns:a14="http://schemas.microsoft.com/office/drawing/2010/main">
+              <a14:hiddenEffects xmlns:a14="http://schemas.microsoft.com/office/drawing/2010/main" xmlns="">
                 <a:effectLst>
                   <a:outerShdw dist="35921" dir="2700000" algn="ctr" rotWithShape="0">
                     <a:schemeClr val="bg2"/>
@@ -19776,7 +19473,7 @@
     </p:spTree>
     <p:extLst>
       <p:ext uri="{BB962C8B-B14F-4D97-AF65-F5344CB8AC3E}">
-        <p14:creationId xmlns:p14="http://schemas.microsoft.com/office/powerpoint/2010/main" val="2413841924"/>
+        <p14:creationId xmlns:p14="http://schemas.microsoft.com/office/powerpoint/2010/main" xmlns="" val="171757164"/>
       </p:ext>
     </p:extLst>
   </p:cSld>
@@ -19935,7 +19632,7 @@
                                           </p:stCondLst>
                                         </p:cTn>
                                         <p:tgtEl>
-                                          <p:spTgt spid="1026"/>
+                                          <p:spTgt spid="2050"/>
                                         </p:tgtEl>
                                         <p:attrNameLst>
                                           <p:attrName>style.visibility</p:attrName>
@@ -19949,7 +19646,7 @@
                                       <p:cBhvr>
                                         <p:cTn id="14" dur="1000"/>
                                         <p:tgtEl>
-                                          <p:spTgt spid="1026"/>
+                                          <p:spTgt spid="2050"/>
                                         </p:tgtEl>
                                       </p:cBhvr>
                                     </p:animEffect>
@@ -19957,7 +19654,7 @@
                                       <p:cBhvr>
                                         <p:cTn id="15" dur="1000" fill="hold"/>
                                         <p:tgtEl>
-                                          <p:spTgt spid="1026"/>
+                                          <p:spTgt spid="2050"/>
                                         </p:tgtEl>
                                         <p:attrNameLst>
                                           <p:attrName>ppt_x</p:attrName>
@@ -19980,7 +19677,7 @@
                                       <p:cBhvr>
                                         <p:cTn id="16" dur="1000" fill="hold"/>
                                         <p:tgtEl>
-                                          <p:spTgt spid="1026"/>
+                                          <p:spTgt spid="2050"/>
                                         </p:tgtEl>
                                         <p:attrNameLst>
                                           <p:attrName>ppt_y</p:attrName>
@@ -20052,32 +19749,6 @@
       </p:grpSpPr>
       <p:sp>
         <p:nvSpPr>
-          <p:cNvPr id="2" name="Title 1"/>
-          <p:cNvSpPr>
-            <a:spLocks noGrp="1"/>
-          </p:cNvSpPr>
-          <p:nvPr>
-            <p:ph type="title"/>
-          </p:nvPr>
-        </p:nvSpPr>
-        <p:spPr/>
-        <p:txBody>
-          <a:bodyPr>
-            <a:normAutofit/>
-          </a:bodyPr>
-          <a:lstStyle/>
-          <a:p>
-            <a:pPr lvl="0"/>
-            <a:r>
-              <a:rPr lang="en-IN" dirty="0"/>
-              <a:t>Module Pattern</a:t>
-            </a:r>
-            <a:endParaRPr lang="en-US" dirty="0"/>
-          </a:p>
-        </p:txBody>
-      </p:sp>
-      <p:sp>
-        <p:nvSpPr>
           <p:cNvPr id="3" name="Content Placeholder 2"/>
           <p:cNvSpPr>
             <a:spLocks noGrp="1"/>
@@ -20098,91 +19769,39 @@
           </a:bodyPr>
           <a:lstStyle/>
           <a:p>
-            <a:pPr marL="0" indent="0">
+            <a:pPr marL="0" indent="0" algn="ctr">
               <a:buNone/>
             </a:pPr>
-            <a:r>
-              <a:rPr lang="en-US" dirty="0" smtClean="0"/>
-              <a:t>Usage:</a:t>
-            </a:r>
-            <a:endParaRPr lang="en-US" dirty="0"/>
-          </a:p>
-          <a:p>
-            <a:pPr marL="0" indent="0">
+            <a:endParaRPr lang="en-US" b="1" dirty="0" smtClean="0"/>
+          </a:p>
+          <a:p>
+            <a:pPr marL="0" indent="0" algn="ctr">
               <a:buNone/>
             </a:pPr>
-            <a:endParaRPr lang="en-US" dirty="0"/>
+            <a:endParaRPr lang="en-US" b="1" dirty="0"/>
+          </a:p>
+          <a:p>
+            <a:pPr marL="0" indent="0" algn="ctr">
+              <a:buNone/>
+            </a:pPr>
+            <a:endParaRPr lang="en-US" b="1" dirty="0" smtClean="0"/>
+          </a:p>
+          <a:p>
+            <a:pPr marL="0" indent="0" algn="ctr">
+              <a:buNone/>
+            </a:pPr>
+            <a:r>
+              <a:rPr lang="en-US" b="1" dirty="0" smtClean="0"/>
+              <a:t>Questions?</a:t>
+            </a:r>
+            <a:endParaRPr lang="en-US" b="1" dirty="0"/>
           </a:p>
         </p:txBody>
       </p:sp>
-      <p:pic>
-        <p:nvPicPr>
-          <p:cNvPr id="2050" name="Picture 2"/>
-          <p:cNvPicPr>
-            <a:picLocks noChangeAspect="1" noChangeArrowheads="1"/>
-          </p:cNvPicPr>
-          <p:nvPr/>
-        </p:nvPicPr>
-        <p:blipFill>
-          <a:blip r:embed="rId2">
-            <a:extLst>
-              <a:ext uri="{28A0092B-C50C-407E-A947-70E740481C1C}">
-                <a14:useLocalDpi xmlns:a14="http://schemas.microsoft.com/office/drawing/2010/main" val="0"/>
-              </a:ext>
-            </a:extLst>
-          </a:blip>
-          <a:srcRect/>
-          <a:stretch>
-            <a:fillRect/>
-          </a:stretch>
-        </p:blipFill>
-        <p:spPr bwMode="auto">
-          <a:xfrm>
-            <a:off x="1676400" y="2585027"/>
-            <a:ext cx="4229100" cy="800100"/>
-          </a:xfrm>
-          <a:prstGeom prst="rect">
-            <a:avLst/>
-          </a:prstGeom>
-          <a:noFill/>
-          <a:ln>
-            <a:noFill/>
-          </a:ln>
-          <a:effectLst/>
-          <a:extLst>
-            <a:ext uri="{909E8E84-426E-40DD-AFC4-6F175D3DCCD1}">
-              <a14:hiddenFill xmlns:a14="http://schemas.microsoft.com/office/drawing/2010/main">
-                <a:solidFill>
-                  <a:schemeClr val="accent1"/>
-                </a:solidFill>
-              </a14:hiddenFill>
-            </a:ext>
-            <a:ext uri="{91240B29-F687-4F45-9708-019B960494DF}">
-              <a14:hiddenLine xmlns:a14="http://schemas.microsoft.com/office/drawing/2010/main" w="9525">
-                <a:solidFill>
-                  <a:schemeClr val="tx1"/>
-                </a:solidFill>
-                <a:miter lim="800000"/>
-                <a:headEnd/>
-                <a:tailEnd/>
-              </a14:hiddenLine>
-            </a:ext>
-            <a:ext uri="{AF507438-7753-43E0-B8FC-AC1667EBCBE1}">
-              <a14:hiddenEffects xmlns:a14="http://schemas.microsoft.com/office/drawing/2010/main">
-                <a:effectLst>
-                  <a:outerShdw dist="35921" dir="2700000" algn="ctr" rotWithShape="0">
-                    <a:schemeClr val="bg2"/>
-                  </a:outerShdw>
-                </a:effectLst>
-              </a14:hiddenEffects>
-            </a:ext>
-          </a:extLst>
-        </p:spPr>
-      </p:pic>
     </p:spTree>
     <p:extLst>
       <p:ext uri="{BB962C8B-B14F-4D97-AF65-F5344CB8AC3E}">
-        <p14:creationId xmlns:p14="http://schemas.microsoft.com/office/powerpoint/2010/main" val="171757164"/>
+        <p14:creationId xmlns:p14="http://schemas.microsoft.com/office/powerpoint/2010/main" xmlns="" val="2990961039"/>
       </p:ext>
     </p:extLst>
   </p:cSld>
@@ -20228,7 +19847,7 @@
                                         <p:tgtEl>
                                           <p:spTgt spid="3">
                                             <p:txEl>
-                                              <p:pRg st="0" end="0"/>
+                                              <p:pRg st="3" end="3"/>
                                             </p:txEl>
                                           </p:spTgt>
                                         </p:tgtEl>
@@ -20246,7 +19865,7 @@
                                         <p:tgtEl>
                                           <p:spTgt spid="3">
                                             <p:txEl>
-                                              <p:pRg st="0" end="0"/>
+                                              <p:pRg st="3" end="3"/>
                                             </p:txEl>
                                           </p:spTgt>
                                         </p:tgtEl>
@@ -20258,7 +19877,7 @@
                                         <p:tgtEl>
                                           <p:spTgt spid="3">
                                             <p:txEl>
-                                              <p:pRg st="0" end="0"/>
+                                              <p:pRg st="3" end="3"/>
                                             </p:txEl>
                                           </p:spTgt>
                                         </p:tgtEl>
@@ -20285,108 +19904,9 @@
                                         <p:tgtEl>
                                           <p:spTgt spid="3">
                                             <p:txEl>
-                                              <p:pRg st="0" end="0"/>
-                                            </p:txEl>
-                                          </p:spTgt>
-                                        </p:tgtEl>
-                                        <p:attrNameLst>
-                                          <p:attrName>ppt_y</p:attrName>
-                                        </p:attrNameLst>
-                                      </p:cBhvr>
-                                      <p:tavLst>
-                                        <p:tav tm="0">
-                                          <p:val>
-                                            <p:strVal val="#ppt_y+.1"/>
-                                          </p:val>
-                                        </p:tav>
-                                        <p:tav tm="100000">
-                                          <p:val>
-                                            <p:strVal val="#ppt_y"/>
-                                          </p:val>
-                                        </p:tav>
-                                      </p:tavLst>
-                                    </p:anim>
-                                  </p:childTnLst>
-                                </p:cTn>
-                              </p:par>
-                            </p:childTnLst>
-                          </p:cTn>
-                        </p:par>
-                      </p:childTnLst>
-                    </p:cTn>
-                  </p:par>
-                  <p:par>
-                    <p:cTn id="10" fill="hold">
-                      <p:stCondLst>
-                        <p:cond delay="indefinite"/>
-                      </p:stCondLst>
-                      <p:childTnLst>
-                        <p:par>
-                          <p:cTn id="11" fill="hold">
-                            <p:stCondLst>
-                              <p:cond delay="0"/>
-                            </p:stCondLst>
-                            <p:childTnLst>
-                              <p:par>
-                                <p:cTn id="12" presetID="42" presetClass="entr" presetSubtype="0" fill="hold" nodeType="clickEffect">
-                                  <p:stCondLst>
-                                    <p:cond delay="0"/>
-                                  </p:stCondLst>
-                                  <p:childTnLst>
-                                    <p:set>
-                                      <p:cBhvr>
-                                        <p:cTn id="13" dur="1" fill="hold">
-                                          <p:stCondLst>
-                                            <p:cond delay="0"/>
-                                          </p:stCondLst>
-                                        </p:cTn>
-                                        <p:tgtEl>
-                                          <p:spTgt spid="2050"/>
-                                        </p:tgtEl>
-                                        <p:attrNameLst>
-                                          <p:attrName>style.visibility</p:attrName>
-                                        </p:attrNameLst>
-                                      </p:cBhvr>
-                                      <p:to>
-                                        <p:strVal val="visible"/>
-                                      </p:to>
-                                    </p:set>
-                                    <p:animEffect transition="in" filter="fade">
-                                      <p:cBhvr>
-                                        <p:cTn id="14" dur="1000"/>
-                                        <p:tgtEl>
-                                          <p:spTgt spid="2050"/>
-                                        </p:tgtEl>
-                                      </p:cBhvr>
-                                    </p:animEffect>
-                                    <p:anim calcmode="lin" valueType="num">
-                                      <p:cBhvr>
-                                        <p:cTn id="15" dur="1000" fill="hold"/>
-                                        <p:tgtEl>
-                                          <p:spTgt spid="2050"/>
-                                        </p:tgtEl>
-                                        <p:attrNameLst>
-                                          <p:attrName>ppt_x</p:attrName>
-                                        </p:attrNameLst>
-                                      </p:cBhvr>
-                                      <p:tavLst>
-                                        <p:tav tm="0">
-                                          <p:val>
-                                            <p:strVal val="#ppt_x"/>
-                                          </p:val>
-                                        </p:tav>
-                                        <p:tav tm="100000">
-                                          <p:val>
-                                            <p:strVal val="#ppt_x"/>
-                                          </p:val>
-                                        </p:tav>
-                                      </p:tavLst>
-                                    </p:anim>
-                                    <p:anim calcmode="lin" valueType="num">
-                                      <p:cBhvr>
-                                        <p:cTn id="16" dur="1000" fill="hold"/>
-                                        <p:tgtEl>
-                                          <p:spTgt spid="2050"/>
+                                              <p:pRg st="3" end="3"/>
+                                            </p:txEl>
+                                          </p:spTgt>
                                         </p:tgtEl>
                                         <p:attrNameLst>
                                           <p:attrName>ppt_y</p:attrName>
@@ -20501,7 +20021,7 @@
             </a:pPr>
             <a:r>
               <a:rPr lang="en-US" b="1" dirty="0" smtClean="0"/>
-              <a:t>Questions?</a:t>
+              <a:t>Thank You</a:t>
             </a:r>
             <a:endParaRPr lang="en-US" b="1" dirty="0"/>
           </a:p>
@@ -20510,236 +20030,7 @@
     </p:spTree>
     <p:extLst>
       <p:ext uri="{BB962C8B-B14F-4D97-AF65-F5344CB8AC3E}">
-        <p14:creationId xmlns:p14="http://schemas.microsoft.com/office/powerpoint/2010/main" val="2990961039"/>
-      </p:ext>
-    </p:extLst>
-  </p:cSld>
-  <p:clrMapOvr>
-    <a:masterClrMapping/>
-  </p:clrMapOvr>
-  <p:timing>
-    <p:tnLst>
-      <p:par>
-        <p:cTn id="1" dur="indefinite" restart="never" nodeType="tmRoot">
-          <p:childTnLst>
-            <p:seq concurrent="1" nextAc="seek">
-              <p:cTn id="2" dur="indefinite" nodeType="mainSeq">
-                <p:childTnLst>
-                  <p:par>
-                    <p:cTn id="3" fill="hold">
-                      <p:stCondLst>
-                        <p:cond delay="indefinite"/>
-                        <p:cond evt="onBegin" delay="0">
-                          <p:tn val="2"/>
-                        </p:cond>
-                      </p:stCondLst>
-                      <p:childTnLst>
-                        <p:par>
-                          <p:cTn id="4" fill="hold">
-                            <p:stCondLst>
-                              <p:cond delay="0"/>
-                            </p:stCondLst>
-                            <p:childTnLst>
-                              <p:par>
-                                <p:cTn id="5" presetID="42" presetClass="entr" presetSubtype="0" fill="hold" nodeType="withEffect">
-                                  <p:stCondLst>
-                                    <p:cond delay="0"/>
-                                  </p:stCondLst>
-                                  <p:childTnLst>
-                                    <p:set>
-                                      <p:cBhvr>
-                                        <p:cTn id="6" dur="1" fill="hold">
-                                          <p:stCondLst>
-                                            <p:cond delay="0"/>
-                                          </p:stCondLst>
-                                        </p:cTn>
-                                        <p:tgtEl>
-                                          <p:spTgt spid="3">
-                                            <p:txEl>
-                                              <p:pRg st="3" end="3"/>
-                                            </p:txEl>
-                                          </p:spTgt>
-                                        </p:tgtEl>
-                                        <p:attrNameLst>
-                                          <p:attrName>style.visibility</p:attrName>
-                                        </p:attrNameLst>
-                                      </p:cBhvr>
-                                      <p:to>
-                                        <p:strVal val="visible"/>
-                                      </p:to>
-                                    </p:set>
-                                    <p:animEffect transition="in" filter="fade">
-                                      <p:cBhvr>
-                                        <p:cTn id="7" dur="1000"/>
-                                        <p:tgtEl>
-                                          <p:spTgt spid="3">
-                                            <p:txEl>
-                                              <p:pRg st="3" end="3"/>
-                                            </p:txEl>
-                                          </p:spTgt>
-                                        </p:tgtEl>
-                                      </p:cBhvr>
-                                    </p:animEffect>
-                                    <p:anim calcmode="lin" valueType="num">
-                                      <p:cBhvr>
-                                        <p:cTn id="8" dur="1000" fill="hold"/>
-                                        <p:tgtEl>
-                                          <p:spTgt spid="3">
-                                            <p:txEl>
-                                              <p:pRg st="3" end="3"/>
-                                            </p:txEl>
-                                          </p:spTgt>
-                                        </p:tgtEl>
-                                        <p:attrNameLst>
-                                          <p:attrName>ppt_x</p:attrName>
-                                        </p:attrNameLst>
-                                      </p:cBhvr>
-                                      <p:tavLst>
-                                        <p:tav tm="0">
-                                          <p:val>
-                                            <p:strVal val="#ppt_x"/>
-                                          </p:val>
-                                        </p:tav>
-                                        <p:tav tm="100000">
-                                          <p:val>
-                                            <p:strVal val="#ppt_x"/>
-                                          </p:val>
-                                        </p:tav>
-                                      </p:tavLst>
-                                    </p:anim>
-                                    <p:anim calcmode="lin" valueType="num">
-                                      <p:cBhvr>
-                                        <p:cTn id="9" dur="1000" fill="hold"/>
-                                        <p:tgtEl>
-                                          <p:spTgt spid="3">
-                                            <p:txEl>
-                                              <p:pRg st="3" end="3"/>
-                                            </p:txEl>
-                                          </p:spTgt>
-                                        </p:tgtEl>
-                                        <p:attrNameLst>
-                                          <p:attrName>ppt_y</p:attrName>
-                                        </p:attrNameLst>
-                                      </p:cBhvr>
-                                      <p:tavLst>
-                                        <p:tav tm="0">
-                                          <p:val>
-                                            <p:strVal val="#ppt_y+.1"/>
-                                          </p:val>
-                                        </p:tav>
-                                        <p:tav tm="100000">
-                                          <p:val>
-                                            <p:strVal val="#ppt_y"/>
-                                          </p:val>
-                                        </p:tav>
-                                      </p:tavLst>
-                                    </p:anim>
-                                  </p:childTnLst>
-                                </p:cTn>
-                              </p:par>
-                            </p:childTnLst>
-                          </p:cTn>
-                        </p:par>
-                      </p:childTnLst>
-                    </p:cTn>
-                  </p:par>
-                </p:childTnLst>
-              </p:cTn>
-              <p:prevCondLst>
-                <p:cond evt="onPrev" delay="0">
-                  <p:tgtEl>
-                    <p:sldTgt/>
-                  </p:tgtEl>
-                </p:cond>
-              </p:prevCondLst>
-              <p:nextCondLst>
-                <p:cond evt="onNext" delay="0">
-                  <p:tgtEl>
-                    <p:sldTgt/>
-                  </p:tgtEl>
-                </p:cond>
-              </p:nextCondLst>
-            </p:seq>
-          </p:childTnLst>
-        </p:cTn>
-      </p:par>
-    </p:tnLst>
-  </p:timing>
-</p:sld>
-</file>
-
-<file path=ppt/slides/slide35.xml><?xml version="1.0" encoding="utf-8"?>
-<p:sld xmlns:a="http://schemas.openxmlformats.org/drawingml/2006/main" xmlns:r="http://schemas.openxmlformats.org/officeDocument/2006/relationships" xmlns:p="http://schemas.openxmlformats.org/presentationml/2006/main">
-  <p:cSld>
-    <p:spTree>
-      <p:nvGrpSpPr>
-        <p:cNvPr id="1" name=""/>
-        <p:cNvGrpSpPr/>
-        <p:nvPr/>
-      </p:nvGrpSpPr>
-      <p:grpSpPr>
-        <a:xfrm>
-          <a:off x="0" y="0"/>
-          <a:ext cx="0" cy="0"/>
-          <a:chOff x="0" y="0"/>
-          <a:chExt cx="0" cy="0"/>
-        </a:xfrm>
-      </p:grpSpPr>
-      <p:sp>
-        <p:nvSpPr>
-          <p:cNvPr id="3" name="Content Placeholder 2"/>
-          <p:cNvSpPr>
-            <a:spLocks noGrp="1"/>
-          </p:cNvSpPr>
-          <p:nvPr>
-            <p:ph sz="quarter" idx="1"/>
-          </p:nvPr>
-        </p:nvSpPr>
-        <p:spPr>
-          <a:xfrm>
-            <a:off x="609600" y="1752600"/>
-            <a:ext cx="8153400" cy="4495800"/>
-          </a:xfrm>
-        </p:spPr>
-        <p:txBody>
-          <a:bodyPr>
-            <a:normAutofit/>
-          </a:bodyPr>
-          <a:lstStyle/>
-          <a:p>
-            <a:pPr marL="0" indent="0" algn="ctr">
-              <a:buNone/>
-            </a:pPr>
-            <a:endParaRPr lang="en-US" b="1" dirty="0" smtClean="0"/>
-          </a:p>
-          <a:p>
-            <a:pPr marL="0" indent="0" algn="ctr">
-              <a:buNone/>
-            </a:pPr>
-            <a:endParaRPr lang="en-US" b="1" dirty="0"/>
-          </a:p>
-          <a:p>
-            <a:pPr marL="0" indent="0" algn="ctr">
-              <a:buNone/>
-            </a:pPr>
-            <a:endParaRPr lang="en-US" b="1" dirty="0" smtClean="0"/>
-          </a:p>
-          <a:p>
-            <a:pPr marL="0" indent="0" algn="ctr">
-              <a:buNone/>
-            </a:pPr>
-            <a:r>
-              <a:rPr lang="en-US" b="1" dirty="0" smtClean="0"/>
-              <a:t>Thank You</a:t>
-            </a:r>
-            <a:endParaRPr lang="en-US" b="1" dirty="0"/>
-          </a:p>
-        </p:txBody>
-      </p:sp>
-    </p:spTree>
-    <p:extLst>
-      <p:ext uri="{BB962C8B-B14F-4D97-AF65-F5344CB8AC3E}">
-        <p14:creationId xmlns:p14="http://schemas.microsoft.com/office/powerpoint/2010/main" val="2542559336"/>
+        <p14:creationId xmlns:p14="http://schemas.microsoft.com/office/powerpoint/2010/main" xmlns="" val="2542559336"/>
       </p:ext>
     </p:extLst>
   </p:cSld>
@@ -20985,7 +20276,7 @@
           <a:blip r:embed="rId2">
             <a:extLst>
               <a:ext uri="{28A0092B-C50C-407E-A947-70E740481C1C}">
-                <a14:useLocalDpi xmlns:a14="http://schemas.microsoft.com/office/drawing/2010/main" val="0"/>
+                <a14:useLocalDpi xmlns:a14="http://schemas.microsoft.com/office/drawing/2010/main" xmlns="" val="0"/>
               </a:ext>
             </a:extLst>
           </a:blip>
@@ -21009,14 +20300,14 @@
           <a:effectLst/>
           <a:extLst>
             <a:ext uri="{909E8E84-426E-40DD-AFC4-6F175D3DCCD1}">
-              <a14:hiddenFill xmlns:a14="http://schemas.microsoft.com/office/drawing/2010/main">
+              <a14:hiddenFill xmlns:a14="http://schemas.microsoft.com/office/drawing/2010/main" xmlns="">
                 <a:solidFill>
                   <a:schemeClr val="accent1"/>
                 </a:solidFill>
               </a14:hiddenFill>
             </a:ext>
             <a:ext uri="{91240B29-F687-4F45-9708-019B960494DF}">
-              <a14:hiddenLine xmlns:a14="http://schemas.microsoft.com/office/drawing/2010/main" w="9525">
+              <a14:hiddenLine xmlns:a14="http://schemas.microsoft.com/office/drawing/2010/main" xmlns="" w="9525">
                 <a:solidFill>
                   <a:schemeClr val="tx1"/>
                 </a:solidFill>
@@ -21026,7 +20317,7 @@
               </a14:hiddenLine>
             </a:ext>
             <a:ext uri="{AF507438-7753-43E0-B8FC-AC1667EBCBE1}">
-              <a14:hiddenEffects xmlns:a14="http://schemas.microsoft.com/office/drawing/2010/main">
+              <a14:hiddenEffects xmlns:a14="http://schemas.microsoft.com/office/drawing/2010/main" xmlns="">
                 <a:effectLst>
                   <a:outerShdw dist="35921" dir="2700000" algn="ctr" rotWithShape="0">
                     <a:schemeClr val="bg2"/>
@@ -21049,7 +20340,7 @@
           <a:blip r:embed="rId3">
             <a:extLst>
               <a:ext uri="{28A0092B-C50C-407E-A947-70E740481C1C}">
-                <a14:useLocalDpi xmlns:a14="http://schemas.microsoft.com/office/drawing/2010/main" val="0"/>
+                <a14:useLocalDpi xmlns:a14="http://schemas.microsoft.com/office/drawing/2010/main" xmlns="" val="0"/>
               </a:ext>
             </a:extLst>
           </a:blip>
@@ -21073,14 +20364,14 @@
           <a:effectLst/>
           <a:extLst>
             <a:ext uri="{909E8E84-426E-40DD-AFC4-6F175D3DCCD1}">
-              <a14:hiddenFill xmlns:a14="http://schemas.microsoft.com/office/drawing/2010/main">
+              <a14:hiddenFill xmlns:a14="http://schemas.microsoft.com/office/drawing/2010/main" xmlns="">
                 <a:solidFill>
                   <a:schemeClr val="accent1"/>
                 </a:solidFill>
               </a14:hiddenFill>
             </a:ext>
             <a:ext uri="{91240B29-F687-4F45-9708-019B960494DF}">
-              <a14:hiddenLine xmlns:a14="http://schemas.microsoft.com/office/drawing/2010/main" w="9525">
+              <a14:hiddenLine xmlns:a14="http://schemas.microsoft.com/office/drawing/2010/main" xmlns="" w="9525">
                 <a:solidFill>
                   <a:schemeClr val="tx1"/>
                 </a:solidFill>
@@ -21090,7 +20381,7 @@
               </a14:hiddenLine>
             </a:ext>
             <a:ext uri="{AF507438-7753-43E0-B8FC-AC1667EBCBE1}">
-              <a14:hiddenEffects xmlns:a14="http://schemas.microsoft.com/office/drawing/2010/main">
+              <a14:hiddenEffects xmlns:a14="http://schemas.microsoft.com/office/drawing/2010/main" xmlns="">
                 <a:effectLst>
                   <a:outerShdw dist="35921" dir="2700000" algn="ctr" rotWithShape="0">
                     <a:schemeClr val="bg2"/>
@@ -21104,7 +20395,7 @@
     </p:spTree>
     <p:extLst>
       <p:ext uri="{BB962C8B-B14F-4D97-AF65-F5344CB8AC3E}">
-        <p14:creationId xmlns:p14="http://schemas.microsoft.com/office/powerpoint/2010/main" val="2189482245"/>
+        <p14:creationId xmlns:p14="http://schemas.microsoft.com/office/powerpoint/2010/main" xmlns="" val="2189482245"/>
       </p:ext>
     </p:extLst>
   </p:cSld>
@@ -21542,7 +20833,7 @@
           <a:blip r:embed="rId2">
             <a:extLst>
               <a:ext uri="{28A0092B-C50C-407E-A947-70E740481C1C}">
-                <a14:useLocalDpi xmlns:a14="http://schemas.microsoft.com/office/drawing/2010/main" val="0"/>
+                <a14:useLocalDpi xmlns:a14="http://schemas.microsoft.com/office/drawing/2010/main" xmlns="" val="0"/>
               </a:ext>
             </a:extLst>
           </a:blip>
@@ -21566,14 +20857,14 @@
           <a:effectLst/>
           <a:extLst>
             <a:ext uri="{909E8E84-426E-40DD-AFC4-6F175D3DCCD1}">
-              <a14:hiddenFill xmlns:a14="http://schemas.microsoft.com/office/drawing/2010/main">
+              <a14:hiddenFill xmlns:a14="http://schemas.microsoft.com/office/drawing/2010/main" xmlns="">
                 <a:solidFill>
                   <a:schemeClr val="accent1"/>
                 </a:solidFill>
               </a14:hiddenFill>
             </a:ext>
             <a:ext uri="{91240B29-F687-4F45-9708-019B960494DF}">
-              <a14:hiddenLine xmlns:a14="http://schemas.microsoft.com/office/drawing/2010/main" w="9525">
+              <a14:hiddenLine xmlns:a14="http://schemas.microsoft.com/office/drawing/2010/main" xmlns="" w="9525">
                 <a:solidFill>
                   <a:schemeClr val="tx1"/>
                 </a:solidFill>
@@ -21583,7 +20874,7 @@
               </a14:hiddenLine>
             </a:ext>
             <a:ext uri="{AF507438-7753-43E0-B8FC-AC1667EBCBE1}">
-              <a14:hiddenEffects xmlns:a14="http://schemas.microsoft.com/office/drawing/2010/main">
+              <a14:hiddenEffects xmlns:a14="http://schemas.microsoft.com/office/drawing/2010/main" xmlns="">
                 <a:effectLst>
                   <a:outerShdw dist="35921" dir="2700000" algn="ctr" rotWithShape="0">
                     <a:schemeClr val="bg2"/>
@@ -21599,11 +20890,11 @@
   <p:clrMapOvr>
     <a:masterClrMapping/>
   </p:clrMapOvr>
-  <mc:AlternateContent xmlns:mc="http://schemas.openxmlformats.org/markup-compatibility/2006" xmlns:p14="http://schemas.microsoft.com/office/powerpoint/2010/main">
-    <mc:Choice Requires="p14">
+  <mc:AlternateContent xmlns:mc="http://schemas.openxmlformats.org/markup-compatibility/2006">
+    <mc:Choice xmlns:p14="http://schemas.microsoft.com/office/powerpoint/2010/main" xmlns="" Requires="p14">
       <p:transition p14:dur="0"/>
     </mc:Choice>
-    <mc:Fallback xmlns="">
+    <mc:Fallback>
       <p:transition/>
     </mc:Fallback>
   </mc:AlternateContent>
@@ -21688,15 +20979,7 @@
           <a:p>
             <a:r>
               <a:rPr lang="en-US" dirty="0" smtClean="0"/>
-              <a:t>So if you are going to use event capturing still you need to handle event bubbling for </a:t>
-            </a:r>
-            <a:r>
-              <a:rPr lang="en-US" dirty="0" smtClean="0"/>
-              <a:t>IE8 and earlier versions. </a:t>
-            </a:r>
-            <a:r>
-              <a:rPr lang="en-US" dirty="0" smtClean="0"/>
-              <a:t>So it will easier to use event bubbling instead of capturing.</a:t>
+              <a:t>So if you are going to use event capturing still you need to handle event bubbling for IE8 and earlier versions. So it will easier to use event bubbling instead of capturing.</a:t>
             </a:r>
             <a:endParaRPr lang="en-US" dirty="0"/>
           </a:p>
@@ -22207,7 +21490,7 @@
     </p:spTree>
     <p:extLst>
       <p:ext uri="{BB962C8B-B14F-4D97-AF65-F5344CB8AC3E}">
-        <p14:creationId xmlns:p14="http://schemas.microsoft.com/office/powerpoint/2010/main" val="734495092"/>
+        <p14:creationId xmlns:p14="http://schemas.microsoft.com/office/powerpoint/2010/main" xmlns="" val="734495092"/>
       </p:ext>
     </p:extLst>
   </p:cSld>
@@ -22703,7 +21986,7 @@
           <a:blip r:embed="rId2">
             <a:extLst>
               <a:ext uri="{28A0092B-C50C-407E-A947-70E740481C1C}">
-                <a14:useLocalDpi xmlns:a14="http://schemas.microsoft.com/office/drawing/2010/main" val="0"/>
+                <a14:useLocalDpi xmlns:a14="http://schemas.microsoft.com/office/drawing/2010/main" xmlns="" val="0"/>
               </a:ext>
             </a:extLst>
           </a:blip>
@@ -22727,14 +22010,14 @@
           <a:effectLst/>
           <a:extLst>
             <a:ext uri="{909E8E84-426E-40DD-AFC4-6F175D3DCCD1}">
-              <a14:hiddenFill xmlns:a14="http://schemas.microsoft.com/office/drawing/2010/main">
+              <a14:hiddenFill xmlns:a14="http://schemas.microsoft.com/office/drawing/2010/main" xmlns="">
                 <a:solidFill>
                   <a:schemeClr val="accent1"/>
                 </a:solidFill>
               </a14:hiddenFill>
             </a:ext>
             <a:ext uri="{91240B29-F687-4F45-9708-019B960494DF}">
-              <a14:hiddenLine xmlns:a14="http://schemas.microsoft.com/office/drawing/2010/main" w="9525">
+              <a14:hiddenLine xmlns:a14="http://schemas.microsoft.com/office/drawing/2010/main" xmlns="" w="9525">
                 <a:solidFill>
                   <a:schemeClr val="tx1"/>
                 </a:solidFill>
@@ -22744,7 +22027,7 @@
               </a14:hiddenLine>
             </a:ext>
             <a:ext uri="{AF507438-7753-43E0-B8FC-AC1667EBCBE1}">
-              <a14:hiddenEffects xmlns:a14="http://schemas.microsoft.com/office/drawing/2010/main">
+              <a14:hiddenEffects xmlns:a14="http://schemas.microsoft.com/office/drawing/2010/main" xmlns="">
                 <a:effectLst>
                   <a:outerShdw dist="35921" dir="2700000" algn="ctr" rotWithShape="0">
                     <a:schemeClr val="bg2"/>
@@ -22767,7 +22050,7 @@
           <a:blip r:embed="rId3">
             <a:extLst>
               <a:ext uri="{28A0092B-C50C-407E-A947-70E740481C1C}">
-                <a14:useLocalDpi xmlns:a14="http://schemas.microsoft.com/office/drawing/2010/main" val="0"/>
+                <a14:useLocalDpi xmlns:a14="http://schemas.microsoft.com/office/drawing/2010/main" xmlns="" val="0"/>
               </a:ext>
             </a:extLst>
           </a:blip>
@@ -22791,14 +22074,14 @@
           <a:effectLst/>
           <a:extLst>
             <a:ext uri="{909E8E84-426E-40DD-AFC4-6F175D3DCCD1}">
-              <a14:hiddenFill xmlns:a14="http://schemas.microsoft.com/office/drawing/2010/main">
+              <a14:hiddenFill xmlns:a14="http://schemas.microsoft.com/office/drawing/2010/main" xmlns="">
                 <a:solidFill>
                   <a:schemeClr val="accent1"/>
                 </a:solidFill>
               </a14:hiddenFill>
             </a:ext>
             <a:ext uri="{91240B29-F687-4F45-9708-019B960494DF}">
-              <a14:hiddenLine xmlns:a14="http://schemas.microsoft.com/office/drawing/2010/main" w="9525">
+              <a14:hiddenLine xmlns:a14="http://schemas.microsoft.com/office/drawing/2010/main" xmlns="" w="9525">
                 <a:solidFill>
                   <a:schemeClr val="tx1"/>
                 </a:solidFill>
@@ -22808,7 +22091,7 @@
               </a14:hiddenLine>
             </a:ext>
             <a:ext uri="{AF507438-7753-43E0-B8FC-AC1667EBCBE1}">
-              <a14:hiddenEffects xmlns:a14="http://schemas.microsoft.com/office/drawing/2010/main">
+              <a14:hiddenEffects xmlns:a14="http://schemas.microsoft.com/office/drawing/2010/main" xmlns="">
                 <a:effectLst>
                   <a:outerShdw dist="35921" dir="2700000" algn="ctr" rotWithShape="0">
                     <a:schemeClr val="bg2"/>
@@ -22831,7 +22114,7 @@
           <a:blip r:embed="rId4">
             <a:extLst>
               <a:ext uri="{28A0092B-C50C-407E-A947-70E740481C1C}">
-                <a14:useLocalDpi xmlns:a14="http://schemas.microsoft.com/office/drawing/2010/main" val="0"/>
+                <a14:useLocalDpi xmlns:a14="http://schemas.microsoft.com/office/drawing/2010/main" xmlns="" val="0"/>
               </a:ext>
             </a:extLst>
           </a:blip>
@@ -22855,14 +22138,14 @@
           <a:effectLst/>
           <a:extLst>
             <a:ext uri="{909E8E84-426E-40DD-AFC4-6F175D3DCCD1}">
-              <a14:hiddenFill xmlns:a14="http://schemas.microsoft.com/office/drawing/2010/main">
+              <a14:hiddenFill xmlns:a14="http://schemas.microsoft.com/office/drawing/2010/main" xmlns="">
                 <a:solidFill>
                   <a:schemeClr val="accent1"/>
                 </a:solidFill>
               </a14:hiddenFill>
             </a:ext>
             <a:ext uri="{91240B29-F687-4F45-9708-019B960494DF}">
-              <a14:hiddenLine xmlns:a14="http://schemas.microsoft.com/office/drawing/2010/main" w="9525">
+              <a14:hiddenLine xmlns:a14="http://schemas.microsoft.com/office/drawing/2010/main" xmlns="" w="9525">
                 <a:solidFill>
                   <a:schemeClr val="tx1"/>
                 </a:solidFill>
@@ -22872,7 +22155,7 @@
               </a14:hiddenLine>
             </a:ext>
             <a:ext uri="{AF507438-7753-43E0-B8FC-AC1667EBCBE1}">
-              <a14:hiddenEffects xmlns:a14="http://schemas.microsoft.com/office/drawing/2010/main">
+              <a14:hiddenEffects xmlns:a14="http://schemas.microsoft.com/office/drawing/2010/main" xmlns="">
                 <a:effectLst>
                   <a:outerShdw dist="35921" dir="2700000" algn="ctr" rotWithShape="0">
                     <a:schemeClr val="bg2"/>
@@ -22895,7 +22178,7 @@
           <a:blip r:embed="rId5">
             <a:extLst>
               <a:ext uri="{28A0092B-C50C-407E-A947-70E740481C1C}">
-                <a14:useLocalDpi xmlns:a14="http://schemas.microsoft.com/office/drawing/2010/main" val="0"/>
+                <a14:useLocalDpi xmlns:a14="http://schemas.microsoft.com/office/drawing/2010/main" xmlns="" val="0"/>
               </a:ext>
             </a:extLst>
           </a:blip>
@@ -22919,14 +22202,14 @@
           <a:effectLst/>
           <a:extLst>
             <a:ext uri="{909E8E84-426E-40DD-AFC4-6F175D3DCCD1}">
-              <a14:hiddenFill xmlns:a14="http://schemas.microsoft.com/office/drawing/2010/main">
+              <a14:hiddenFill xmlns:a14="http://schemas.microsoft.com/office/drawing/2010/main" xmlns="">
                 <a:solidFill>
                   <a:schemeClr val="accent1"/>
                 </a:solidFill>
               </a14:hiddenFill>
             </a:ext>
             <a:ext uri="{91240B29-F687-4F45-9708-019B960494DF}">
-              <a14:hiddenLine xmlns:a14="http://schemas.microsoft.com/office/drawing/2010/main" w="9525">
+              <a14:hiddenLine xmlns:a14="http://schemas.microsoft.com/office/drawing/2010/main" xmlns="" w="9525">
                 <a:solidFill>
                   <a:schemeClr val="tx1"/>
                 </a:solidFill>
@@ -22936,7 +22219,7 @@
               </a14:hiddenLine>
             </a:ext>
             <a:ext uri="{AF507438-7753-43E0-B8FC-AC1667EBCBE1}">
-              <a14:hiddenEffects xmlns:a14="http://schemas.microsoft.com/office/drawing/2010/main">
+              <a14:hiddenEffects xmlns:a14="http://schemas.microsoft.com/office/drawing/2010/main" xmlns="">
                 <a:effectLst>
                   <a:outerShdw dist="35921" dir="2700000" algn="ctr" rotWithShape="0">
                     <a:schemeClr val="bg2"/>
@@ -22950,7 +22233,7 @@
     </p:spTree>
     <p:extLst>
       <p:ext uri="{BB962C8B-B14F-4D97-AF65-F5344CB8AC3E}">
-        <p14:creationId xmlns:p14="http://schemas.microsoft.com/office/powerpoint/2010/main" val="551351897"/>
+        <p14:creationId xmlns:p14="http://schemas.microsoft.com/office/powerpoint/2010/main" xmlns="" val="551351897"/>
       </p:ext>
     </p:extLst>
   </p:cSld>
@@ -23706,7 +22989,7 @@
     </p:spTree>
     <p:extLst>
       <p:ext uri="{BB962C8B-B14F-4D97-AF65-F5344CB8AC3E}">
-        <p14:creationId xmlns:p14="http://schemas.microsoft.com/office/powerpoint/2010/main" val="2055755827"/>
+        <p14:creationId xmlns:p14="http://schemas.microsoft.com/office/powerpoint/2010/main" xmlns="" val="2055755827"/>
       </p:ext>
     </p:extLst>
   </p:cSld>
